--- a/AI-of-FTG/圖片.pptx
+++ b/AI-of-FTG/圖片.pptx
@@ -7,6 +7,9 @@
   <p:sldIdLst>
     <p:sldId id="256" r:id="rId2"/>
     <p:sldId id="257" r:id="rId3"/>
+    <p:sldId id="258" r:id="rId4"/>
+    <p:sldId id="259" r:id="rId5"/>
+    <p:sldId id="260" r:id="rId6"/>
   </p:sldIdLst>
   <p:sldSz cx="12192000" cy="6858000"/>
   <p:notesSz cx="6858000" cy="9144000"/>
@@ -105,6 +108,11 @@
       </a:defRPr>
     </a:lvl9pPr>
   </p:defaultTextStyle>
+  <p:extLst>
+    <p:ext uri="{EFAFB233-063F-42B5-8137-9DF3F51BA10A}">
+      <p15:sldGuideLst xmlns:p15="http://schemas.microsoft.com/office/powerpoint/2012/main"/>
+    </p:ext>
+  </p:extLst>
 </p:presentation>
 </file>
 
@@ -239,7 +247,7 @@
           <a:p>
             <a:fld id="{50C4901D-F580-4495-8F7C-6A1D98C51058}" type="datetimeFigureOut">
               <a:rPr lang="zh-TW" altLang="en-US" smtClean="0"/>
-              <a:t>2019/11/30</a:t>
+              <a:t>2019/12/1</a:t>
             </a:fld>
             <a:endParaRPr lang="zh-TW" altLang="en-US"/>
           </a:p>
@@ -409,7 +417,7 @@
           <a:p>
             <a:fld id="{50C4901D-F580-4495-8F7C-6A1D98C51058}" type="datetimeFigureOut">
               <a:rPr lang="zh-TW" altLang="en-US" smtClean="0"/>
-              <a:t>2019/11/30</a:t>
+              <a:t>2019/12/1</a:t>
             </a:fld>
             <a:endParaRPr lang="zh-TW" altLang="en-US"/>
           </a:p>
@@ -589,7 +597,7 @@
           <a:p>
             <a:fld id="{50C4901D-F580-4495-8F7C-6A1D98C51058}" type="datetimeFigureOut">
               <a:rPr lang="zh-TW" altLang="en-US" smtClean="0"/>
-              <a:t>2019/11/30</a:t>
+              <a:t>2019/12/1</a:t>
             </a:fld>
             <a:endParaRPr lang="zh-TW" altLang="en-US"/>
           </a:p>
@@ -759,7 +767,7 @@
           <a:p>
             <a:fld id="{50C4901D-F580-4495-8F7C-6A1D98C51058}" type="datetimeFigureOut">
               <a:rPr lang="zh-TW" altLang="en-US" smtClean="0"/>
-              <a:t>2019/11/30</a:t>
+              <a:t>2019/12/1</a:t>
             </a:fld>
             <a:endParaRPr lang="zh-TW" altLang="en-US"/>
           </a:p>
@@ -1005,7 +1013,7 @@
           <a:p>
             <a:fld id="{50C4901D-F580-4495-8F7C-6A1D98C51058}" type="datetimeFigureOut">
               <a:rPr lang="zh-TW" altLang="en-US" smtClean="0"/>
-              <a:t>2019/11/30</a:t>
+              <a:t>2019/12/1</a:t>
             </a:fld>
             <a:endParaRPr lang="zh-TW" altLang="en-US"/>
           </a:p>
@@ -1237,7 +1245,7 @@
           <a:p>
             <a:fld id="{50C4901D-F580-4495-8F7C-6A1D98C51058}" type="datetimeFigureOut">
               <a:rPr lang="zh-TW" altLang="en-US" smtClean="0"/>
-              <a:t>2019/11/30</a:t>
+              <a:t>2019/12/1</a:t>
             </a:fld>
             <a:endParaRPr lang="zh-TW" altLang="en-US"/>
           </a:p>
@@ -1604,7 +1612,7 @@
           <a:p>
             <a:fld id="{50C4901D-F580-4495-8F7C-6A1D98C51058}" type="datetimeFigureOut">
               <a:rPr lang="zh-TW" altLang="en-US" smtClean="0"/>
-              <a:t>2019/11/30</a:t>
+              <a:t>2019/12/1</a:t>
             </a:fld>
             <a:endParaRPr lang="zh-TW" altLang="en-US"/>
           </a:p>
@@ -1722,7 +1730,7 @@
           <a:p>
             <a:fld id="{50C4901D-F580-4495-8F7C-6A1D98C51058}" type="datetimeFigureOut">
               <a:rPr lang="zh-TW" altLang="en-US" smtClean="0"/>
-              <a:t>2019/11/30</a:t>
+              <a:t>2019/12/1</a:t>
             </a:fld>
             <a:endParaRPr lang="zh-TW" altLang="en-US"/>
           </a:p>
@@ -1817,7 +1825,7 @@
           <a:p>
             <a:fld id="{50C4901D-F580-4495-8F7C-6A1D98C51058}" type="datetimeFigureOut">
               <a:rPr lang="zh-TW" altLang="en-US" smtClean="0"/>
-              <a:t>2019/11/30</a:t>
+              <a:t>2019/12/1</a:t>
             </a:fld>
             <a:endParaRPr lang="zh-TW" altLang="en-US"/>
           </a:p>
@@ -2094,7 +2102,7 @@
           <a:p>
             <a:fld id="{50C4901D-F580-4495-8F7C-6A1D98C51058}" type="datetimeFigureOut">
               <a:rPr lang="zh-TW" altLang="en-US" smtClean="0"/>
-              <a:t>2019/11/30</a:t>
+              <a:t>2019/12/1</a:t>
             </a:fld>
             <a:endParaRPr lang="zh-TW" altLang="en-US"/>
           </a:p>
@@ -2347,7 +2355,7 @@
           <a:p>
             <a:fld id="{50C4901D-F580-4495-8F7C-6A1D98C51058}" type="datetimeFigureOut">
               <a:rPr lang="zh-TW" altLang="en-US" smtClean="0"/>
-              <a:t>2019/11/30</a:t>
+              <a:t>2019/12/1</a:t>
             </a:fld>
             <a:endParaRPr lang="zh-TW" altLang="en-US"/>
           </a:p>
@@ -2560,7 +2568,7 @@
           <a:p>
             <a:fld id="{50C4901D-F580-4495-8F7C-6A1D98C51058}" type="datetimeFigureOut">
               <a:rPr lang="zh-TW" altLang="en-US" smtClean="0"/>
-              <a:t>2019/11/30</a:t>
+              <a:t>2019/12/1</a:t>
             </a:fld>
             <a:endParaRPr lang="zh-TW" altLang="en-US"/>
           </a:p>
@@ -3132,6 +3140,14 @@
             <a:avLst/>
           </a:prstGeom>
           <a:noFill/>
+          <a:ln w="38100">
+            <a:solidFill>
+              <a:schemeClr val="accent4">
+                <a:lumMod val="60000"/>
+                <a:lumOff val="40000"/>
+              </a:schemeClr>
+            </a:solidFill>
+          </a:ln>
         </p:spPr>
         <p:txBody>
           <a:bodyPr wrap="square" rtlCol="0">
@@ -3210,6 +3226,14 @@
             <a:avLst/>
           </a:prstGeom>
           <a:noFill/>
+          <a:ln w="38100">
+            <a:solidFill>
+              <a:schemeClr val="accent4">
+                <a:lumMod val="60000"/>
+                <a:lumOff val="40000"/>
+              </a:schemeClr>
+            </a:solidFill>
+          </a:ln>
         </p:spPr>
         <p:txBody>
           <a:bodyPr wrap="square" rtlCol="0">
@@ -3486,6 +3510,57 @@
           </a:fontRef>
         </p:style>
       </p:cxnSp>
+      <p:sp>
+        <p:nvSpPr>
+          <p:cNvPr id="48" name="文字方塊 47"/>
+          <p:cNvSpPr txBox="1"/>
+          <p:nvPr/>
+        </p:nvSpPr>
+        <p:spPr>
+          <a:xfrm>
+            <a:off x="8573221" y="5624856"/>
+            <a:ext cx="1200727" cy="553998"/>
+          </a:xfrm>
+          <a:prstGeom prst="rect">
+            <a:avLst/>
+          </a:prstGeom>
+          <a:noFill/>
+          <a:ln w="38100">
+            <a:solidFill>
+              <a:schemeClr val="accent4">
+                <a:lumMod val="60000"/>
+                <a:lumOff val="40000"/>
+              </a:schemeClr>
+            </a:solidFill>
+          </a:ln>
+        </p:spPr>
+        <p:txBody>
+          <a:bodyPr wrap="square" rtlCol="0">
+            <a:spAutoFit/>
+          </a:bodyPr>
+          <a:lstStyle/>
+          <a:p>
+            <a:pPr algn="ctr"/>
+            <a:r>
+              <a:rPr lang="zh-TW" altLang="en-US" sz="3000" dirty="0" smtClean="0">
+                <a:solidFill>
+                  <a:schemeClr val="bg1"/>
+                </a:solidFill>
+                <a:latin typeface="Source Code Pro" panose="020B0509030403020204" pitchFamily="49" charset="0"/>
+                <a:ea typeface="Noto Sans CJK TC Regular" panose="020B0500000000000000" pitchFamily="34" charset="-120"/>
+              </a:rPr>
+              <a:t>獎勵</a:t>
+            </a:r>
+            <a:endParaRPr lang="zh-TW" altLang="en-US" sz="3000" dirty="0">
+              <a:solidFill>
+                <a:schemeClr val="bg1"/>
+              </a:solidFill>
+              <a:latin typeface="Source Code Pro" panose="020B0509030403020204" pitchFamily="49" charset="0"/>
+              <a:ea typeface="Noto Sans CJK TC Regular" panose="020B0500000000000000" pitchFamily="34" charset="-120"/>
+            </a:endParaRPr>
+          </a:p>
+        </p:txBody>
+      </p:sp>
       <p:cxnSp>
         <p:nvCxnSpPr>
           <p:cNvPr id="52" name="直線單箭頭接點 51"/>
@@ -3528,49 +3603,420 @@
           </a:fontRef>
         </p:style>
       </p:cxnSp>
-      <p:sp>
-        <p:nvSpPr>
-          <p:cNvPr id="48" name="文字方塊 47"/>
-          <p:cNvSpPr txBox="1"/>
-          <p:nvPr/>
-        </p:nvSpPr>
-        <p:spPr>
-          <a:xfrm>
-            <a:off x="8573221" y="5624856"/>
-            <a:ext cx="1200727" cy="553998"/>
-          </a:xfrm>
-          <a:prstGeom prst="rect">
-            <a:avLst/>
-          </a:prstGeom>
-          <a:noFill/>
-        </p:spPr>
-        <p:txBody>
-          <a:bodyPr wrap="square" rtlCol="0">
-            <a:spAutoFit/>
-          </a:bodyPr>
-          <a:lstStyle/>
-          <a:p>
-            <a:pPr algn="ctr"/>
-            <a:r>
-              <a:rPr lang="zh-TW" altLang="en-US" sz="3000" dirty="0" smtClean="0">
+      <mc:AlternateContent xmlns:mc="http://schemas.openxmlformats.org/markup-compatibility/2006">
+        <mc:Choice xmlns:a14="http://schemas.microsoft.com/office/drawing/2010/main" Requires="a14">
+          <p:sp>
+            <p:nvSpPr>
+              <p:cNvPr id="19" name="文字方塊 18"/>
+              <p:cNvSpPr txBox="1"/>
+              <p:nvPr/>
+            </p:nvSpPr>
+            <p:spPr>
+              <a:xfrm>
+                <a:off x="6260123" y="2188019"/>
+                <a:ext cx="1758462" cy="490199"/>
+              </a:xfrm>
+              <a:prstGeom prst="rect">
+                <a:avLst/>
+              </a:prstGeom>
+              <a:noFill/>
+              <a:ln w="38100">
                 <a:solidFill>
-                  <a:schemeClr val="bg1"/>
+                  <a:schemeClr val="accent2">
+                    <a:lumMod val="75000"/>
+                  </a:schemeClr>
                 </a:solidFill>
-                <a:latin typeface="Source Code Pro" panose="020B0509030403020204" pitchFamily="49" charset="0"/>
-                <a:ea typeface="Noto Sans CJK TC Regular" panose="020B0500000000000000" pitchFamily="34" charset="-120"/>
-              </a:rPr>
-              <a:t>獎勵</a:t>
-            </a:r>
-            <a:endParaRPr lang="zh-TW" altLang="en-US" sz="3000" dirty="0">
-              <a:solidFill>
-                <a:schemeClr val="bg1"/>
-              </a:solidFill>
-              <a:latin typeface="Source Code Pro" panose="020B0509030403020204" pitchFamily="49" charset="0"/>
-              <a:ea typeface="Noto Sans CJK TC Regular" panose="020B0500000000000000" pitchFamily="34" charset="-120"/>
-            </a:endParaRPr>
-          </a:p>
-        </p:txBody>
-      </p:sp>
+              </a:ln>
+            </p:spPr>
+            <p:txBody>
+              <a:bodyPr wrap="square" rtlCol="0">
+                <a:spAutoFit/>
+              </a:bodyPr>
+              <a:lstStyle/>
+              <a:p>
+                <a:pPr algn="ctr"/>
+                <a14:m>
+                  <m:oMathPara xmlns:m="http://schemas.openxmlformats.org/officeDocument/2006/math">
+                    <m:oMathParaPr>
+                      <m:jc m:val="right"/>
+                    </m:oMathParaPr>
+                    <m:oMath xmlns:m="http://schemas.openxmlformats.org/officeDocument/2006/math">
+                      <m:sSub>
+                        <m:sSubPr>
+                          <m:ctrlPr>
+                            <a:rPr lang="en-US" altLang="zh-TW" sz="2400" i="1" dirty="0" smtClean="0">
+                              <a:solidFill>
+                                <a:schemeClr val="bg1"/>
+                              </a:solidFill>
+                              <a:latin typeface="Cambria Math" panose="02040503050406030204" pitchFamily="18" charset="0"/>
+                              <a:ea typeface="Noto Sans CJK TC Regular" panose="020B0500000000000000" pitchFamily="34" charset="-120"/>
+                            </a:rPr>
+                          </m:ctrlPr>
+                        </m:sSubPr>
+                        <m:e>
+                          <m:r>
+                            <m:rPr>
+                              <m:nor/>
+                            </m:rPr>
+                            <a:rPr lang="en-US" altLang="zh-TW" sz="2400" dirty="0">
+                              <a:solidFill>
+                                <a:schemeClr val="bg1"/>
+                              </a:solidFill>
+                              <a:latin typeface="Source Code Pro" panose="020B0509030403020204" pitchFamily="49" charset="0"/>
+                              <a:ea typeface="Noto Sans CJK TC Regular" panose="020B0500000000000000" pitchFamily="34" charset="-120"/>
+                            </a:rPr>
+                            <m:t>S</m:t>
+                          </m:r>
+                        </m:e>
+                        <m:sub>
+                          <m:r>
+                            <a:rPr lang="en-US" altLang="zh-TW" sz="2400" i="1" dirty="0">
+                              <a:solidFill>
+                                <a:schemeClr val="bg1"/>
+                              </a:solidFill>
+                              <a:latin typeface="Cambria Math" panose="02040503050406030204" pitchFamily="18" charset="0"/>
+                              <a:ea typeface="Noto Sans CJK TC Regular" panose="020B0500000000000000" pitchFamily="34" charset="-120"/>
+                            </a:rPr>
+                            <m:t>𝑝𝑟𝑒𝑣</m:t>
+                          </m:r>
+                        </m:sub>
+                      </m:sSub>
+                      <m:r>
+                        <a:rPr lang="en-US" altLang="zh-TW" sz="2400" b="0" i="1" dirty="0" smtClean="0">
+                          <a:solidFill>
+                            <a:schemeClr val="bg1"/>
+                          </a:solidFill>
+                          <a:latin typeface="Cambria Math" panose="02040503050406030204" pitchFamily="18" charset="0"/>
+                          <a:ea typeface="Noto Sans CJK TC Regular" panose="020B0500000000000000" pitchFamily="34" charset="-120"/>
+                        </a:rPr>
+                        <m:t> ,</m:t>
+                      </m:r>
+                      <m:sSub>
+                        <m:sSubPr>
+                          <m:ctrlPr>
+                            <a:rPr lang="en-US" altLang="zh-TW" sz="2400" i="1" dirty="0">
+                              <a:solidFill>
+                                <a:schemeClr val="bg1"/>
+                              </a:solidFill>
+                              <a:latin typeface="Cambria Math" panose="02040503050406030204" pitchFamily="18" charset="0"/>
+                              <a:ea typeface="Noto Sans CJK TC Regular" panose="020B0500000000000000" pitchFamily="34" charset="-120"/>
+                            </a:rPr>
+                          </m:ctrlPr>
+                        </m:sSubPr>
+                        <m:e>
+                          <m:r>
+                            <m:rPr>
+                              <m:nor/>
+                            </m:rPr>
+                            <a:rPr lang="en-US" altLang="zh-TW" sz="2400" dirty="0">
+                              <a:solidFill>
+                                <a:schemeClr val="bg1"/>
+                              </a:solidFill>
+                              <a:latin typeface="Source Code Pro" panose="020B0509030403020204" pitchFamily="49" charset="0"/>
+                              <a:ea typeface="Noto Sans CJK TC Regular" panose="020B0500000000000000" pitchFamily="34" charset="-120"/>
+                            </a:rPr>
+                            <m:t>S</m:t>
+                          </m:r>
+                        </m:e>
+                        <m:sub>
+                          <m:r>
+                            <a:rPr lang="en-US" altLang="zh-TW" sz="2400" b="0" i="1" dirty="0" smtClean="0">
+                              <a:solidFill>
+                                <a:schemeClr val="bg1"/>
+                              </a:solidFill>
+                              <a:latin typeface="Cambria Math" panose="02040503050406030204" pitchFamily="18" charset="0"/>
+                              <a:ea typeface="Noto Sans CJK TC Regular" panose="020B0500000000000000" pitchFamily="34" charset="-120"/>
+                            </a:rPr>
+                            <m:t>𝑛𝑒𝑥𝑡</m:t>
+                          </m:r>
+                        </m:sub>
+                      </m:sSub>
+                    </m:oMath>
+                  </m:oMathPara>
+                </a14:m>
+                <a:endParaRPr lang="zh-TW" altLang="en-US" sz="2400" dirty="0">
+                  <a:solidFill>
+                    <a:schemeClr val="bg1"/>
+                  </a:solidFill>
+                  <a:latin typeface="Source Code Pro" panose="020B0509030403020204" pitchFamily="49" charset="0"/>
+                  <a:ea typeface="Noto Sans CJK TC Regular" panose="020B0500000000000000" pitchFamily="34" charset="-120"/>
+                </a:endParaRPr>
+              </a:p>
+            </p:txBody>
+          </p:sp>
+        </mc:Choice>
+        <mc:Fallback>
+          <p:sp>
+            <p:nvSpPr>
+              <p:cNvPr id="19" name="文字方塊 18"/>
+              <p:cNvSpPr txBox="1">
+                <a:spLocks noRot="1" noChangeAspect="1" noMove="1" noResize="1" noEditPoints="1" noAdjustHandles="1" noChangeArrowheads="1" noChangeShapeType="1" noTextEdit="1"/>
+              </p:cNvSpPr>
+              <p:nvPr/>
+            </p:nvSpPr>
+            <p:spPr>
+              <a:xfrm>
+                <a:off x="6260123" y="2188019"/>
+                <a:ext cx="1758462" cy="490199"/>
+              </a:xfrm>
+              <a:prstGeom prst="rect">
+                <a:avLst/>
+              </a:prstGeom>
+              <a:blipFill>
+                <a:blip r:embed="rId2"/>
+                <a:stretch>
+                  <a:fillRect b="-2326"/>
+                </a:stretch>
+              </a:blipFill>
+              <a:ln w="38100">
+                <a:solidFill>
+                  <a:schemeClr val="accent2">
+                    <a:lumMod val="75000"/>
+                  </a:schemeClr>
+                </a:solidFill>
+              </a:ln>
+            </p:spPr>
+            <p:txBody>
+              <a:bodyPr/>
+              <a:lstStyle/>
+              <a:p>
+                <a:r>
+                  <a:rPr lang="zh-TW" altLang="en-US">
+                    <a:noFill/>
+                  </a:rPr>
+                  <a:t> </a:t>
+                </a:r>
+              </a:p>
+            </p:txBody>
+          </p:sp>
+        </mc:Fallback>
+      </mc:AlternateContent>
+      <mc:AlternateContent xmlns:mc="http://schemas.openxmlformats.org/markup-compatibility/2006">
+        <mc:Choice xmlns:a14="http://schemas.microsoft.com/office/drawing/2010/main" Requires="a14">
+          <p:sp>
+            <p:nvSpPr>
+              <p:cNvPr id="20" name="文字方塊 19"/>
+              <p:cNvSpPr txBox="1"/>
+              <p:nvPr/>
+            </p:nvSpPr>
+            <p:spPr>
+              <a:xfrm>
+                <a:off x="6897677" y="3562723"/>
+                <a:ext cx="1120908" cy="461665"/>
+              </a:xfrm>
+              <a:prstGeom prst="rect">
+                <a:avLst/>
+              </a:prstGeom>
+              <a:noFill/>
+              <a:ln w="38100">
+                <a:solidFill>
+                  <a:schemeClr val="accent2">
+                    <a:lumMod val="75000"/>
+                  </a:schemeClr>
+                </a:solidFill>
+              </a:ln>
+            </p:spPr>
+            <p:txBody>
+              <a:bodyPr wrap="square" rtlCol="0">
+                <a:spAutoFit/>
+              </a:bodyPr>
+              <a:lstStyle/>
+              <a:p>
+                <a:pPr algn="ctr"/>
+                <a14:m>
+                  <m:oMathPara xmlns:m="http://schemas.openxmlformats.org/officeDocument/2006/math">
+                    <m:oMathParaPr>
+                      <m:jc m:val="right"/>
+                    </m:oMathParaPr>
+                    <m:oMath xmlns:m="http://schemas.openxmlformats.org/officeDocument/2006/math">
+                      <m:r>
+                        <a:rPr lang="en-US" altLang="zh-TW" sz="2400" i="1" dirty="0" smtClean="0">
+                          <a:solidFill>
+                            <a:schemeClr val="bg1"/>
+                          </a:solidFill>
+                          <a:latin typeface="Cambria Math" panose="02040503050406030204" pitchFamily="18" charset="0"/>
+                          <a:ea typeface="Noto Sans CJK TC Regular" panose="020B0500000000000000" pitchFamily="34" charset="-120"/>
+                        </a:rPr>
+                        <m:t>𝐴</m:t>
+                      </m:r>
+                      <m:r>
+                        <a:rPr lang="en-US" altLang="zh-TW" sz="2400" b="0" i="1" dirty="0" smtClean="0">
+                          <a:solidFill>
+                            <a:schemeClr val="bg1"/>
+                          </a:solidFill>
+                          <a:latin typeface="Cambria Math" panose="02040503050406030204" pitchFamily="18" charset="0"/>
+                          <a:ea typeface="Noto Sans CJK TC Regular" panose="020B0500000000000000" pitchFamily="34" charset="-120"/>
+                        </a:rPr>
+                        <m:t>𝑐𝑡𝑖𝑜𝑛</m:t>
+                      </m:r>
+                    </m:oMath>
+                  </m:oMathPara>
+                </a14:m>
+                <a:endParaRPr lang="zh-TW" altLang="en-US" sz="2400" dirty="0">
+                  <a:solidFill>
+                    <a:schemeClr val="bg1"/>
+                  </a:solidFill>
+                  <a:latin typeface="Source Code Pro" panose="020B0509030403020204" pitchFamily="49" charset="0"/>
+                  <a:ea typeface="Noto Sans CJK TC Regular" panose="020B0500000000000000" pitchFamily="34" charset="-120"/>
+                </a:endParaRPr>
+              </a:p>
+            </p:txBody>
+          </p:sp>
+        </mc:Choice>
+        <mc:Fallback>
+          <p:sp>
+            <p:nvSpPr>
+              <p:cNvPr id="20" name="文字方塊 19"/>
+              <p:cNvSpPr txBox="1">
+                <a:spLocks noRot="1" noChangeAspect="1" noMove="1" noResize="1" noEditPoints="1" noAdjustHandles="1" noChangeArrowheads="1" noChangeShapeType="1" noTextEdit="1"/>
+              </p:cNvSpPr>
+              <p:nvPr/>
+            </p:nvSpPr>
+            <p:spPr>
+              <a:xfrm>
+                <a:off x="6897677" y="3562723"/>
+                <a:ext cx="1120908" cy="461665"/>
+              </a:xfrm>
+              <a:prstGeom prst="rect">
+                <a:avLst/>
+              </a:prstGeom>
+              <a:blipFill>
+                <a:blip r:embed="rId3"/>
+                <a:stretch>
+                  <a:fillRect/>
+                </a:stretch>
+              </a:blipFill>
+              <a:ln w="38100">
+                <a:solidFill>
+                  <a:schemeClr val="accent2">
+                    <a:lumMod val="75000"/>
+                  </a:schemeClr>
+                </a:solidFill>
+              </a:ln>
+            </p:spPr>
+            <p:txBody>
+              <a:bodyPr/>
+              <a:lstStyle/>
+              <a:p>
+                <a:r>
+                  <a:rPr lang="zh-TW" altLang="en-US">
+                    <a:noFill/>
+                  </a:rPr>
+                  <a:t> </a:t>
+                </a:r>
+              </a:p>
+            </p:txBody>
+          </p:sp>
+        </mc:Fallback>
+      </mc:AlternateContent>
+      <mc:AlternateContent xmlns:mc="http://schemas.openxmlformats.org/markup-compatibility/2006">
+        <mc:Choice xmlns:a14="http://schemas.microsoft.com/office/drawing/2010/main" Requires="a14">
+          <p:sp>
+            <p:nvSpPr>
+              <p:cNvPr id="21" name="文字方塊 20"/>
+              <p:cNvSpPr txBox="1"/>
+              <p:nvPr/>
+            </p:nvSpPr>
+            <p:spPr>
+              <a:xfrm>
+                <a:off x="7923789" y="4917806"/>
+                <a:ext cx="1220487" cy="461665"/>
+              </a:xfrm>
+              <a:prstGeom prst="rect">
+                <a:avLst/>
+              </a:prstGeom>
+              <a:noFill/>
+              <a:ln w="38100">
+                <a:solidFill>
+                  <a:schemeClr val="accent2">
+                    <a:lumMod val="75000"/>
+                  </a:schemeClr>
+                </a:solidFill>
+              </a:ln>
+            </p:spPr>
+            <p:txBody>
+              <a:bodyPr wrap="square" rtlCol="0">
+                <a:spAutoFit/>
+              </a:bodyPr>
+              <a:lstStyle/>
+              <a:p>
+                <a:pPr algn="ctr"/>
+                <a14:m>
+                  <m:oMathPara xmlns:m="http://schemas.openxmlformats.org/officeDocument/2006/math">
+                    <m:oMathParaPr>
+                      <m:jc m:val="right"/>
+                    </m:oMathParaPr>
+                    <m:oMath xmlns:m="http://schemas.openxmlformats.org/officeDocument/2006/math">
+                      <m:r>
+                        <a:rPr lang="en-US" altLang="zh-TW" sz="2400" b="0" i="1" dirty="0" smtClean="0">
+                          <a:solidFill>
+                            <a:schemeClr val="bg1"/>
+                          </a:solidFill>
+                          <a:latin typeface="Cambria Math" panose="02040503050406030204" pitchFamily="18" charset="0"/>
+                          <a:ea typeface="Noto Sans CJK TC Regular" panose="020B0500000000000000" pitchFamily="34" charset="-120"/>
+                        </a:rPr>
+                        <m:t>𝑅𝑒𝑤𝑎𝑟𝑑</m:t>
+                      </m:r>
+                    </m:oMath>
+                  </m:oMathPara>
+                </a14:m>
+                <a:endParaRPr lang="zh-TW" altLang="en-US" sz="2400" dirty="0">
+                  <a:solidFill>
+                    <a:schemeClr val="bg1"/>
+                  </a:solidFill>
+                  <a:latin typeface="Source Code Pro" panose="020B0509030403020204" pitchFamily="49" charset="0"/>
+                  <a:ea typeface="Noto Sans CJK TC Regular" panose="020B0500000000000000" pitchFamily="34" charset="-120"/>
+                </a:endParaRPr>
+              </a:p>
+            </p:txBody>
+          </p:sp>
+        </mc:Choice>
+        <mc:Fallback>
+          <p:sp>
+            <p:nvSpPr>
+              <p:cNvPr id="21" name="文字方塊 20"/>
+              <p:cNvSpPr txBox="1">
+                <a:spLocks noRot="1" noChangeAspect="1" noMove="1" noResize="1" noEditPoints="1" noAdjustHandles="1" noChangeArrowheads="1" noChangeShapeType="1" noTextEdit="1"/>
+              </p:cNvSpPr>
+              <p:nvPr/>
+            </p:nvSpPr>
+            <p:spPr>
+              <a:xfrm>
+                <a:off x="7923789" y="4917806"/>
+                <a:ext cx="1220487" cy="461665"/>
+              </a:xfrm>
+              <a:prstGeom prst="rect">
+                <a:avLst/>
+              </a:prstGeom>
+              <a:blipFill>
+                <a:blip r:embed="rId4"/>
+                <a:stretch>
+                  <a:fillRect r="-2427"/>
+                </a:stretch>
+              </a:blipFill>
+              <a:ln w="38100">
+                <a:solidFill>
+                  <a:schemeClr val="accent2">
+                    <a:lumMod val="75000"/>
+                  </a:schemeClr>
+                </a:solidFill>
+              </a:ln>
+            </p:spPr>
+            <p:txBody>
+              <a:bodyPr/>
+              <a:lstStyle/>
+              <a:p>
+                <a:r>
+                  <a:rPr lang="zh-TW" altLang="en-US">
+                    <a:noFill/>
+                  </a:rPr>
+                  <a:t> </a:t>
+                </a:r>
+              </a:p>
+            </p:txBody>
+          </p:sp>
+        </mc:Fallback>
+      </mc:AlternateContent>
     </p:spTree>
     <p:extLst>
       <p:ext uri="{BB962C8B-B14F-4D97-AF65-F5344CB8AC3E}">
@@ -3619,216 +4065,26 @@
           <a:chExt cx="0" cy="0"/>
         </a:xfrm>
       </p:grpSpPr>
-      <p:sp>
-        <p:nvSpPr>
-          <p:cNvPr id="44" name="圓角矩形 43"/>
-          <p:cNvSpPr/>
-          <p:nvPr/>
-        </p:nvSpPr>
-        <p:spPr>
-          <a:xfrm>
-            <a:off x="668188" y="916020"/>
-            <a:ext cx="3477491" cy="1366982"/>
-          </a:xfrm>
-          <a:prstGeom prst="roundRect">
-            <a:avLst/>
-          </a:prstGeom>
-          <a:solidFill>
-            <a:srgbClr val="65D7FF"/>
-          </a:solidFill>
-          <a:ln w="38100">
-            <a:solidFill>
-              <a:srgbClr val="00B0F0"/>
-            </a:solidFill>
-          </a:ln>
-        </p:spPr>
-        <p:style>
-          <a:lnRef idx="2">
-            <a:schemeClr val="accent1">
-              <a:shade val="50000"/>
-            </a:schemeClr>
-          </a:lnRef>
-          <a:fillRef idx="1">
-            <a:schemeClr val="accent1"/>
-          </a:fillRef>
-          <a:effectRef idx="0">
-            <a:schemeClr val="accent1"/>
-          </a:effectRef>
-          <a:fontRef idx="minor">
-            <a:schemeClr val="lt1"/>
-          </a:fontRef>
-        </p:style>
-        <p:txBody>
-          <a:bodyPr rtlCol="0" anchor="ctr"/>
-          <a:lstStyle/>
-          <a:p>
-            <a:pPr algn="ctr"/>
-            <a:r>
-              <a:rPr lang="zh-TW" altLang="en-US" sz="3000" dirty="0">
-                <a:latin typeface="Source Code Pro" panose="020B0509030403020204" pitchFamily="49" charset="0"/>
-                <a:ea typeface="Noto Sans CJK TC Regular" panose="020B0500000000000000" pitchFamily="34" charset="-120"/>
-              </a:rPr>
-              <a:t>主網路</a:t>
-            </a:r>
-          </a:p>
-        </p:txBody>
-      </p:sp>
-      <p:sp>
-        <p:nvSpPr>
-          <p:cNvPr id="45" name="圓角矩形 44"/>
-          <p:cNvSpPr/>
-          <p:nvPr/>
-        </p:nvSpPr>
-        <p:spPr>
-          <a:xfrm>
-            <a:off x="8212569" y="1936552"/>
-            <a:ext cx="1922032" cy="2735869"/>
-          </a:xfrm>
-          <a:prstGeom prst="roundRect">
-            <a:avLst/>
-          </a:prstGeom>
-          <a:solidFill>
-            <a:srgbClr val="00B0F0"/>
-          </a:solidFill>
-          <a:ln w="38100"/>
-        </p:spPr>
-        <p:style>
-          <a:lnRef idx="2">
-            <a:schemeClr val="accent1">
-              <a:shade val="50000"/>
-            </a:schemeClr>
-          </a:lnRef>
-          <a:fillRef idx="1">
-            <a:schemeClr val="accent1"/>
-          </a:fillRef>
-          <a:effectRef idx="0">
-            <a:schemeClr val="accent1"/>
-          </a:effectRef>
-          <a:fontRef idx="minor">
-            <a:schemeClr val="lt1"/>
-          </a:fontRef>
-        </p:style>
-        <p:txBody>
-          <a:bodyPr rtlCol="0" anchor="ctr"/>
-          <a:lstStyle/>
-          <a:p>
-            <a:pPr algn="ctr"/>
-            <a:r>
-              <a:rPr lang="zh-TW" altLang="en-US" sz="3000" dirty="0" smtClean="0">
-                <a:latin typeface="Source Code Pro" panose="020B0509030403020204" pitchFamily="49" charset="0"/>
-                <a:ea typeface="Noto Sans CJK TC Regular" panose="020B0500000000000000" pitchFamily="34" charset="-120"/>
-              </a:rPr>
-              <a:t>記憶池</a:t>
-            </a:r>
-            <a:endParaRPr lang="zh-TW" altLang="en-US" sz="3000" dirty="0">
-              <a:latin typeface="Source Code Pro" panose="020B0509030403020204" pitchFamily="49" charset="0"/>
-              <a:ea typeface="Noto Sans CJK TC Regular" panose="020B0500000000000000" pitchFamily="34" charset="-120"/>
-            </a:endParaRPr>
-          </a:p>
-        </p:txBody>
-      </p:sp>
       <p:cxnSp>
         <p:nvCxnSpPr>
-          <p:cNvPr id="53" name="直線單箭頭接點 52"/>
-          <p:cNvCxnSpPr/>
-          <p:nvPr/>
-        </p:nvCxnSpPr>
-        <p:spPr>
-          <a:xfrm>
-            <a:off x="6067712" y="2685559"/>
-            <a:ext cx="2144857" cy="0"/>
-          </a:xfrm>
-          <a:prstGeom prst="straightConnector1">
-            <a:avLst/>
-          </a:prstGeom>
-          <a:ln w="127000">
-            <a:solidFill>
-              <a:schemeClr val="accent2">
-                <a:lumMod val="75000"/>
-              </a:schemeClr>
-            </a:solidFill>
-            <a:headEnd type="diamond"/>
-            <a:tailEnd type="diamond"/>
-          </a:ln>
-        </p:spPr>
-        <p:style>
-          <a:lnRef idx="1">
-            <a:schemeClr val="accent1"/>
-          </a:lnRef>
-          <a:fillRef idx="0">
-            <a:schemeClr val="accent1"/>
-          </a:fillRef>
-          <a:effectRef idx="0">
-            <a:schemeClr val="accent1"/>
-          </a:effectRef>
-          <a:fontRef idx="minor">
-            <a:schemeClr val="tx1"/>
-          </a:fontRef>
-        </p:style>
-      </p:cxnSp>
-      <p:cxnSp>
-        <p:nvCxnSpPr>
-          <p:cNvPr id="54" name="直線單箭頭接點 53"/>
-          <p:cNvCxnSpPr/>
-          <p:nvPr/>
-        </p:nvCxnSpPr>
-        <p:spPr>
-          <a:xfrm>
-            <a:off x="4953864" y="4070555"/>
-            <a:ext cx="3258705" cy="0"/>
-          </a:xfrm>
-          <a:prstGeom prst="straightConnector1">
-            <a:avLst/>
-          </a:prstGeom>
-          <a:ln w="127000">
-            <a:solidFill>
-              <a:schemeClr val="accent2">
-                <a:lumMod val="75000"/>
-              </a:schemeClr>
-            </a:solidFill>
-            <a:headEnd type="diamond"/>
-            <a:tailEnd type="diamond"/>
-          </a:ln>
-        </p:spPr>
-        <p:style>
-          <a:lnRef idx="1">
-            <a:schemeClr val="accent1"/>
-          </a:lnRef>
-          <a:fillRef idx="0">
-            <a:schemeClr val="accent1"/>
-          </a:fillRef>
-          <a:effectRef idx="0">
-            <a:schemeClr val="accent1"/>
-          </a:effectRef>
-          <a:fontRef idx="minor">
-            <a:schemeClr val="tx1"/>
-          </a:fontRef>
-        </p:style>
-      </p:cxnSp>
-      <p:cxnSp>
-        <p:nvCxnSpPr>
-          <p:cNvPr id="56" name="直線單箭頭接點 55"/>
+          <p:cNvPr id="125" name="直線單箭頭接點 124"/>
           <p:cNvCxnSpPr>
-            <a:endCxn id="45" idx="2"/>
+            <a:endCxn id="124" idx="0"/>
           </p:cNvCxnSpPr>
           <p:nvPr/>
         </p:nvCxnSpPr>
         <p:spPr>
-          <a:xfrm flipV="1">
-            <a:off x="9173585" y="4672421"/>
-            <a:ext cx="0" cy="952435"/>
-          </a:xfrm>
-          <a:prstGeom prst="straightConnector1">
-            <a:avLst/>
+          <a:xfrm rot="16200000" flipH="1">
+            <a:off x="6048306" y="1591112"/>
+            <a:ext cx="1577185" cy="955474"/>
+          </a:xfrm>
+          <a:prstGeom prst="bentConnector3">
+            <a:avLst>
+              <a:gd name="adj1" fmla="val 3173"/>
+            </a:avLst>
           </a:prstGeom>
           <a:ln w="127000">
-            <a:solidFill>
-              <a:schemeClr val="accent2">
-                <a:lumMod val="75000"/>
-              </a:schemeClr>
-            </a:solidFill>
-            <a:headEnd type="diamond"/>
-            <a:tailEnd type="diamond"/>
+            <a:tailEnd type="triangle"/>
           </a:ln>
         </p:spPr>
         <p:style>
@@ -3854,8 +4110,8 @@
         </p:nvSpPr>
         <p:spPr>
           <a:xfrm>
-            <a:off x="668188" y="4535520"/>
-            <a:ext cx="3477491" cy="1366982"/>
+            <a:off x="779425" y="2435561"/>
+            <a:ext cx="2268443" cy="1366982"/>
           </a:xfrm>
           <a:prstGeom prst="roundRect">
             <a:avLst/>
@@ -3898,6 +4154,1794 @@
               <a:t>目標網路</a:t>
             </a:r>
             <a:endParaRPr lang="zh-TW" altLang="en-US" sz="3000" dirty="0">
+              <a:latin typeface="Source Code Pro" panose="020B0509030403020204" pitchFamily="49" charset="0"/>
+              <a:ea typeface="Noto Sans CJK TC Regular" panose="020B0500000000000000" pitchFamily="34" charset="-120"/>
+            </a:endParaRPr>
+          </a:p>
+        </p:txBody>
+      </p:sp>
+      <p:sp>
+        <p:nvSpPr>
+          <p:cNvPr id="44" name="圓角矩形 43"/>
+          <p:cNvSpPr/>
+          <p:nvPr/>
+        </p:nvSpPr>
+        <p:spPr>
+          <a:xfrm>
+            <a:off x="8498458" y="2435561"/>
+            <a:ext cx="2268443" cy="1366982"/>
+          </a:xfrm>
+          <a:prstGeom prst="roundRect">
+            <a:avLst/>
+          </a:prstGeom>
+          <a:solidFill>
+            <a:srgbClr val="65D7FF"/>
+          </a:solidFill>
+          <a:ln w="38100">
+            <a:solidFill>
+              <a:srgbClr val="00B0F0"/>
+            </a:solidFill>
+          </a:ln>
+        </p:spPr>
+        <p:style>
+          <a:lnRef idx="2">
+            <a:schemeClr val="accent1">
+              <a:shade val="50000"/>
+            </a:schemeClr>
+          </a:lnRef>
+          <a:fillRef idx="1">
+            <a:schemeClr val="accent1"/>
+          </a:fillRef>
+          <a:effectRef idx="0">
+            <a:schemeClr val="accent1"/>
+          </a:effectRef>
+          <a:fontRef idx="minor">
+            <a:schemeClr val="lt1"/>
+          </a:fontRef>
+        </p:style>
+        <p:txBody>
+          <a:bodyPr rtlCol="0" anchor="ctr"/>
+          <a:lstStyle/>
+          <a:p>
+            <a:pPr algn="ctr"/>
+            <a:r>
+              <a:rPr lang="zh-TW" altLang="en-US" sz="3000" dirty="0">
+                <a:latin typeface="Source Code Pro" panose="020B0509030403020204" pitchFamily="49" charset="0"/>
+                <a:ea typeface="Noto Sans CJK TC Regular" panose="020B0500000000000000" pitchFamily="34" charset="-120"/>
+              </a:rPr>
+              <a:t>主網路</a:t>
+            </a:r>
+          </a:p>
+        </p:txBody>
+      </p:sp>
+      <p:sp>
+        <p:nvSpPr>
+          <p:cNvPr id="45" name="圓角矩形 44"/>
+          <p:cNvSpPr/>
+          <p:nvPr/>
+        </p:nvSpPr>
+        <p:spPr>
+          <a:xfrm>
+            <a:off x="4426182" y="364597"/>
+            <a:ext cx="1922032" cy="1274885"/>
+          </a:xfrm>
+          <a:prstGeom prst="roundRect">
+            <a:avLst/>
+          </a:prstGeom>
+          <a:solidFill>
+            <a:srgbClr val="00B0F0"/>
+          </a:solidFill>
+          <a:ln w="38100"/>
+        </p:spPr>
+        <p:style>
+          <a:lnRef idx="2">
+            <a:schemeClr val="accent1">
+              <a:shade val="50000"/>
+            </a:schemeClr>
+          </a:lnRef>
+          <a:fillRef idx="1">
+            <a:schemeClr val="accent1"/>
+          </a:fillRef>
+          <a:effectRef idx="0">
+            <a:schemeClr val="accent1"/>
+          </a:effectRef>
+          <a:fontRef idx="minor">
+            <a:schemeClr val="lt1"/>
+          </a:fontRef>
+        </p:style>
+        <p:txBody>
+          <a:bodyPr rtlCol="0" anchor="ctr"/>
+          <a:lstStyle/>
+          <a:p>
+            <a:pPr algn="ctr"/>
+            <a:r>
+              <a:rPr lang="zh-TW" altLang="en-US" sz="3000" dirty="0" smtClean="0">
+                <a:latin typeface="Source Code Pro" panose="020B0509030403020204" pitchFamily="49" charset="0"/>
+                <a:ea typeface="Noto Sans CJK TC Regular" panose="020B0500000000000000" pitchFamily="34" charset="-120"/>
+              </a:rPr>
+              <a:t>記憶池</a:t>
+            </a:r>
+            <a:endParaRPr lang="zh-TW" altLang="en-US" sz="3000" dirty="0">
+              <a:latin typeface="Source Code Pro" panose="020B0509030403020204" pitchFamily="49" charset="0"/>
+              <a:ea typeface="Noto Sans CJK TC Regular" panose="020B0500000000000000" pitchFamily="34" charset="-120"/>
+            </a:endParaRPr>
+          </a:p>
+        </p:txBody>
+      </p:sp>
+      <p:cxnSp>
+        <p:nvCxnSpPr>
+          <p:cNvPr id="16" name="直線單箭頭接點 15"/>
+          <p:cNvCxnSpPr>
+            <a:stCxn id="45" idx="1"/>
+            <a:endCxn id="18" idx="3"/>
+          </p:cNvCxnSpPr>
+          <p:nvPr/>
+        </p:nvCxnSpPr>
+        <p:spPr>
+          <a:xfrm flipH="1" flipV="1">
+            <a:off x="2514009" y="971261"/>
+            <a:ext cx="1912173" cy="30779"/>
+          </a:xfrm>
+          <a:prstGeom prst="straightConnector1">
+            <a:avLst/>
+          </a:prstGeom>
+          <a:ln w="127000">
+            <a:tailEnd type="triangle"/>
+          </a:ln>
+        </p:spPr>
+        <p:style>
+          <a:lnRef idx="1">
+            <a:schemeClr val="accent1"/>
+          </a:lnRef>
+          <a:fillRef idx="0">
+            <a:schemeClr val="accent1"/>
+          </a:fillRef>
+          <a:effectRef idx="0">
+            <a:schemeClr val="accent1"/>
+          </a:effectRef>
+          <a:fontRef idx="minor">
+            <a:schemeClr val="tx1"/>
+          </a:fontRef>
+        </p:style>
+      </p:cxnSp>
+      <p:cxnSp>
+        <p:nvCxnSpPr>
+          <p:cNvPr id="24" name="直線單箭頭接點 23"/>
+          <p:cNvCxnSpPr>
+            <a:stCxn id="38" idx="2"/>
+            <a:endCxn id="44" idx="0"/>
+          </p:cNvCxnSpPr>
+          <p:nvPr/>
+        </p:nvCxnSpPr>
+        <p:spPr>
+          <a:xfrm>
+            <a:off x="9632679" y="1266085"/>
+            <a:ext cx="1" cy="1169476"/>
+          </a:xfrm>
+          <a:prstGeom prst="straightConnector1">
+            <a:avLst/>
+          </a:prstGeom>
+          <a:ln w="127000">
+            <a:tailEnd type="triangle"/>
+          </a:ln>
+        </p:spPr>
+        <p:style>
+          <a:lnRef idx="1">
+            <a:schemeClr val="accent1"/>
+          </a:lnRef>
+          <a:fillRef idx="0">
+            <a:schemeClr val="accent1"/>
+          </a:fillRef>
+          <a:effectRef idx="0">
+            <a:schemeClr val="accent1"/>
+          </a:effectRef>
+          <a:fontRef idx="minor">
+            <a:schemeClr val="tx1"/>
+          </a:fontRef>
+        </p:style>
+      </p:cxnSp>
+      <p:cxnSp>
+        <p:nvCxnSpPr>
+          <p:cNvPr id="28" name="直線單箭頭接點 27"/>
+          <p:cNvCxnSpPr>
+            <a:stCxn id="18" idx="2"/>
+            <a:endCxn id="58" idx="0"/>
+          </p:cNvCxnSpPr>
+          <p:nvPr/>
+        </p:nvCxnSpPr>
+        <p:spPr>
+          <a:xfrm>
+            <a:off x="1913646" y="1232871"/>
+            <a:ext cx="1" cy="1202690"/>
+          </a:xfrm>
+          <a:prstGeom prst="straightConnector1">
+            <a:avLst/>
+          </a:prstGeom>
+          <a:ln w="127000">
+            <a:tailEnd type="triangle"/>
+          </a:ln>
+        </p:spPr>
+        <p:style>
+          <a:lnRef idx="1">
+            <a:schemeClr val="accent1"/>
+          </a:lnRef>
+          <a:fillRef idx="0">
+            <a:schemeClr val="accent1"/>
+          </a:fillRef>
+          <a:effectRef idx="0">
+            <a:schemeClr val="accent1"/>
+          </a:effectRef>
+          <a:fontRef idx="minor">
+            <a:schemeClr val="tx1"/>
+          </a:fontRef>
+        </p:style>
+      </p:cxnSp>
+      <mc:AlternateContent xmlns:mc="http://schemas.openxmlformats.org/markup-compatibility/2006">
+        <mc:Choice xmlns:a14="http://schemas.microsoft.com/office/drawing/2010/main" Requires="a14">
+          <p:sp>
+            <p:nvSpPr>
+              <p:cNvPr id="38" name="文字方塊 37"/>
+              <p:cNvSpPr txBox="1"/>
+              <p:nvPr/>
+            </p:nvSpPr>
+            <p:spPr>
+              <a:xfrm>
+                <a:off x="9032315" y="709651"/>
+                <a:ext cx="1200727" cy="556434"/>
+              </a:xfrm>
+              <a:prstGeom prst="rect">
+                <a:avLst/>
+              </a:prstGeom>
+              <a:noFill/>
+              <a:ln w="38100">
+                <a:solidFill>
+                  <a:schemeClr val="accent4">
+                    <a:lumMod val="60000"/>
+                    <a:lumOff val="40000"/>
+                  </a:schemeClr>
+                </a:solidFill>
+              </a:ln>
+            </p:spPr>
+            <p:txBody>
+              <a:bodyPr wrap="square" rtlCol="0">
+                <a:spAutoFit/>
+              </a:bodyPr>
+              <a:lstStyle/>
+              <a:p>
+                <a:pPr algn="just"/>
+                <a14:m>
+                  <m:oMathPara xmlns:m="http://schemas.openxmlformats.org/officeDocument/2006/math">
+                    <m:oMathParaPr>
+                      <m:jc m:val="center"/>
+                    </m:oMathParaPr>
+                    <m:oMath xmlns:m="http://schemas.openxmlformats.org/officeDocument/2006/math">
+                      <m:sSub>
+                        <m:sSubPr>
+                          <m:ctrlPr>
+                            <a:rPr lang="en-US" altLang="zh-TW" sz="2800" i="1" dirty="0" smtClean="0">
+                              <a:solidFill>
+                                <a:schemeClr val="bg1"/>
+                              </a:solidFill>
+                              <a:latin typeface="Cambria Math" panose="02040503050406030204" pitchFamily="18" charset="0"/>
+                              <a:ea typeface="Noto Sans CJK TC Regular" panose="020B0500000000000000" pitchFamily="34" charset="-120"/>
+                            </a:rPr>
+                          </m:ctrlPr>
+                        </m:sSubPr>
+                        <m:e>
+                          <m:r>
+                            <m:rPr>
+                              <m:nor/>
+                            </m:rPr>
+                            <a:rPr lang="en-US" altLang="zh-TW" sz="2800" dirty="0">
+                              <a:solidFill>
+                                <a:schemeClr val="bg1"/>
+                              </a:solidFill>
+                              <a:latin typeface="Source Code Pro" panose="020B0509030403020204" pitchFamily="49" charset="0"/>
+                              <a:ea typeface="Noto Sans CJK TC Regular" panose="020B0500000000000000" pitchFamily="34" charset="-120"/>
+                            </a:rPr>
+                            <m:t>S</m:t>
+                          </m:r>
+                        </m:e>
+                        <m:sub>
+                          <m:r>
+                            <a:rPr lang="en-US" altLang="zh-TW" sz="2800" b="0" i="1" dirty="0" smtClean="0">
+                              <a:solidFill>
+                                <a:schemeClr val="bg1"/>
+                              </a:solidFill>
+                              <a:latin typeface="Cambria Math" panose="02040503050406030204" pitchFamily="18" charset="0"/>
+                              <a:ea typeface="Noto Sans CJK TC Regular" panose="020B0500000000000000" pitchFamily="34" charset="-120"/>
+                            </a:rPr>
+                            <m:t>𝑝𝑟𝑒𝑣</m:t>
+                          </m:r>
+                        </m:sub>
+                      </m:sSub>
+                    </m:oMath>
+                  </m:oMathPara>
+                </a14:m>
+                <a:endParaRPr lang="zh-TW" altLang="en-US" sz="2800" dirty="0">
+                  <a:solidFill>
+                    <a:schemeClr val="bg1"/>
+                  </a:solidFill>
+                  <a:latin typeface="Source Code Pro" panose="020B0509030403020204" pitchFamily="49" charset="0"/>
+                  <a:ea typeface="Noto Sans CJK TC Regular" panose="020B0500000000000000" pitchFamily="34" charset="-120"/>
+                </a:endParaRPr>
+              </a:p>
+            </p:txBody>
+          </p:sp>
+        </mc:Choice>
+        <mc:Fallback>
+          <p:sp>
+            <p:nvSpPr>
+              <p:cNvPr id="38" name="文字方塊 37"/>
+              <p:cNvSpPr txBox="1">
+                <a:spLocks noRot="1" noChangeAspect="1" noMove="1" noResize="1" noEditPoints="1" noAdjustHandles="1" noChangeArrowheads="1" noChangeShapeType="1" noTextEdit="1"/>
+              </p:cNvSpPr>
+              <p:nvPr/>
+            </p:nvSpPr>
+            <p:spPr>
+              <a:xfrm>
+                <a:off x="9032315" y="709651"/>
+                <a:ext cx="1200727" cy="556434"/>
+              </a:xfrm>
+              <a:prstGeom prst="rect">
+                <a:avLst/>
+              </a:prstGeom>
+              <a:blipFill>
+                <a:blip r:embed="rId2"/>
+                <a:stretch>
+                  <a:fillRect/>
+                </a:stretch>
+              </a:blipFill>
+              <a:ln w="38100">
+                <a:solidFill>
+                  <a:schemeClr val="accent4">
+                    <a:lumMod val="60000"/>
+                    <a:lumOff val="40000"/>
+                  </a:schemeClr>
+                </a:solidFill>
+              </a:ln>
+            </p:spPr>
+            <p:txBody>
+              <a:bodyPr/>
+              <a:lstStyle/>
+              <a:p>
+                <a:r>
+                  <a:rPr lang="zh-TW" altLang="en-US">
+                    <a:noFill/>
+                  </a:rPr>
+                  <a:t> </a:t>
+                </a:r>
+              </a:p>
+            </p:txBody>
+          </p:sp>
+        </mc:Fallback>
+      </mc:AlternateContent>
+      <mc:AlternateContent xmlns:mc="http://schemas.openxmlformats.org/markup-compatibility/2006">
+        <mc:Choice xmlns:a14="http://schemas.microsoft.com/office/drawing/2010/main" Requires="a14">
+          <p:sp>
+            <p:nvSpPr>
+              <p:cNvPr id="18" name="文字方塊 17"/>
+              <p:cNvSpPr txBox="1"/>
+              <p:nvPr/>
+            </p:nvSpPr>
+            <p:spPr>
+              <a:xfrm>
+                <a:off x="1313282" y="709651"/>
+                <a:ext cx="1200727" cy="523220"/>
+              </a:xfrm>
+              <a:prstGeom prst="rect">
+                <a:avLst/>
+              </a:prstGeom>
+              <a:noFill/>
+              <a:ln w="38100">
+                <a:solidFill>
+                  <a:schemeClr val="accent4">
+                    <a:lumMod val="60000"/>
+                    <a:lumOff val="40000"/>
+                  </a:schemeClr>
+                </a:solidFill>
+              </a:ln>
+            </p:spPr>
+            <p:txBody>
+              <a:bodyPr wrap="square" rtlCol="0">
+                <a:spAutoFit/>
+              </a:bodyPr>
+              <a:lstStyle/>
+              <a:p>
+                <a:pPr algn="just"/>
+                <a14:m>
+                  <m:oMathPara xmlns:m="http://schemas.openxmlformats.org/officeDocument/2006/math">
+                    <m:oMathParaPr>
+                      <m:jc m:val="center"/>
+                    </m:oMathParaPr>
+                    <m:oMath xmlns:m="http://schemas.openxmlformats.org/officeDocument/2006/math">
+                      <m:sSub>
+                        <m:sSubPr>
+                          <m:ctrlPr>
+                            <a:rPr lang="en-US" altLang="zh-TW" sz="2800" i="1" dirty="0">
+                              <a:solidFill>
+                                <a:schemeClr val="bg1"/>
+                              </a:solidFill>
+                              <a:latin typeface="Cambria Math" panose="02040503050406030204" pitchFamily="18" charset="0"/>
+                              <a:ea typeface="Noto Sans CJK TC Regular" panose="020B0500000000000000" pitchFamily="34" charset="-120"/>
+                            </a:rPr>
+                          </m:ctrlPr>
+                        </m:sSubPr>
+                        <m:e>
+                          <m:r>
+                            <m:rPr>
+                              <m:nor/>
+                            </m:rPr>
+                            <a:rPr lang="en-US" altLang="zh-TW" sz="2800" dirty="0">
+                              <a:solidFill>
+                                <a:schemeClr val="bg1"/>
+                              </a:solidFill>
+                              <a:latin typeface="Source Code Pro" panose="020B0509030403020204" pitchFamily="49" charset="0"/>
+                              <a:ea typeface="Noto Sans CJK TC Regular" panose="020B0500000000000000" pitchFamily="34" charset="-120"/>
+                            </a:rPr>
+                            <m:t>S</m:t>
+                          </m:r>
+                        </m:e>
+                        <m:sub>
+                          <m:r>
+                            <a:rPr lang="en-US" altLang="zh-TW" sz="2800" i="1" dirty="0">
+                              <a:solidFill>
+                                <a:schemeClr val="bg1"/>
+                              </a:solidFill>
+                              <a:latin typeface="Cambria Math" panose="02040503050406030204" pitchFamily="18" charset="0"/>
+                              <a:ea typeface="Noto Sans CJK TC Regular" panose="020B0500000000000000" pitchFamily="34" charset="-120"/>
+                            </a:rPr>
+                            <m:t>𝑛𝑒𝑥𝑡</m:t>
+                          </m:r>
+                        </m:sub>
+                      </m:sSub>
+                    </m:oMath>
+                  </m:oMathPara>
+                </a14:m>
+                <a:endParaRPr lang="zh-TW" altLang="en-US" sz="2800" dirty="0">
+                  <a:solidFill>
+                    <a:schemeClr val="bg1"/>
+                  </a:solidFill>
+                  <a:latin typeface="Source Code Pro" panose="020B0509030403020204" pitchFamily="49" charset="0"/>
+                  <a:ea typeface="Noto Sans CJK TC Regular" panose="020B0500000000000000" pitchFamily="34" charset="-120"/>
+                </a:endParaRPr>
+              </a:p>
+            </p:txBody>
+          </p:sp>
+        </mc:Choice>
+        <mc:Fallback>
+          <p:sp>
+            <p:nvSpPr>
+              <p:cNvPr id="18" name="文字方塊 17"/>
+              <p:cNvSpPr txBox="1">
+                <a:spLocks noRot="1" noChangeAspect="1" noMove="1" noResize="1" noEditPoints="1" noAdjustHandles="1" noChangeArrowheads="1" noChangeShapeType="1" noTextEdit="1"/>
+              </p:cNvSpPr>
+              <p:nvPr/>
+            </p:nvSpPr>
+            <p:spPr>
+              <a:xfrm>
+                <a:off x="1313282" y="709651"/>
+                <a:ext cx="1200727" cy="523220"/>
+              </a:xfrm>
+              <a:prstGeom prst="rect">
+                <a:avLst/>
+              </a:prstGeom>
+              <a:blipFill>
+                <a:blip r:embed="rId3"/>
+                <a:stretch>
+                  <a:fillRect/>
+                </a:stretch>
+              </a:blipFill>
+              <a:ln w="38100">
+                <a:solidFill>
+                  <a:schemeClr val="accent4">
+                    <a:lumMod val="60000"/>
+                    <a:lumOff val="40000"/>
+                  </a:schemeClr>
+                </a:solidFill>
+              </a:ln>
+            </p:spPr>
+            <p:txBody>
+              <a:bodyPr/>
+              <a:lstStyle/>
+              <a:p>
+                <a:r>
+                  <a:rPr lang="zh-TW" altLang="en-US">
+                    <a:noFill/>
+                  </a:rPr>
+                  <a:t> </a:t>
+                </a:r>
+              </a:p>
+            </p:txBody>
+          </p:sp>
+        </mc:Fallback>
+      </mc:AlternateContent>
+      <p:cxnSp>
+        <p:nvCxnSpPr>
+          <p:cNvPr id="41" name="直線單箭頭接點 40"/>
+          <p:cNvCxnSpPr>
+            <a:stCxn id="45" idx="3"/>
+            <a:endCxn id="38" idx="1"/>
+          </p:cNvCxnSpPr>
+          <p:nvPr/>
+        </p:nvCxnSpPr>
+        <p:spPr>
+          <a:xfrm flipV="1">
+            <a:off x="6348214" y="987868"/>
+            <a:ext cx="2684101" cy="14172"/>
+          </a:xfrm>
+          <a:prstGeom prst="straightConnector1">
+            <a:avLst/>
+          </a:prstGeom>
+          <a:ln w="127000">
+            <a:tailEnd type="triangle"/>
+          </a:ln>
+        </p:spPr>
+        <p:style>
+          <a:lnRef idx="1">
+            <a:schemeClr val="accent1"/>
+          </a:lnRef>
+          <a:fillRef idx="0">
+            <a:schemeClr val="accent1"/>
+          </a:fillRef>
+          <a:effectRef idx="0">
+            <a:schemeClr val="accent1"/>
+          </a:effectRef>
+          <a:fontRef idx="minor">
+            <a:schemeClr val="tx1"/>
+          </a:fontRef>
+        </p:style>
+      </p:cxnSp>
+      <p:cxnSp>
+        <p:nvCxnSpPr>
+          <p:cNvPr id="47" name="直線單箭頭接點 46"/>
+          <p:cNvCxnSpPr>
+            <a:stCxn id="58" idx="2"/>
+            <a:endCxn id="46" idx="0"/>
+          </p:cNvCxnSpPr>
+          <p:nvPr/>
+        </p:nvCxnSpPr>
+        <p:spPr>
+          <a:xfrm flipH="1">
+            <a:off x="1913646" y="3802543"/>
+            <a:ext cx="1" cy="848747"/>
+          </a:xfrm>
+          <a:prstGeom prst="straightConnector1">
+            <a:avLst/>
+          </a:prstGeom>
+          <a:ln w="127000">
+            <a:tailEnd type="triangle"/>
+          </a:ln>
+        </p:spPr>
+        <p:style>
+          <a:lnRef idx="1">
+            <a:schemeClr val="accent1"/>
+          </a:lnRef>
+          <a:fillRef idx="0">
+            <a:schemeClr val="accent1"/>
+          </a:fillRef>
+          <a:effectRef idx="0">
+            <a:schemeClr val="accent1"/>
+          </a:effectRef>
+          <a:fontRef idx="minor">
+            <a:schemeClr val="tx1"/>
+          </a:fontRef>
+        </p:style>
+      </p:cxnSp>
+      <p:cxnSp>
+        <p:nvCxnSpPr>
+          <p:cNvPr id="48" name="直線單箭頭接點 47"/>
+          <p:cNvCxnSpPr>
+            <a:stCxn id="46" idx="2"/>
+            <a:endCxn id="51" idx="0"/>
+          </p:cNvCxnSpPr>
+          <p:nvPr/>
+        </p:nvCxnSpPr>
+        <p:spPr>
+          <a:xfrm>
+            <a:off x="1913646" y="5174510"/>
+            <a:ext cx="0" cy="648691"/>
+          </a:xfrm>
+          <a:prstGeom prst="straightConnector1">
+            <a:avLst/>
+          </a:prstGeom>
+          <a:ln w="127000">
+            <a:solidFill>
+              <a:srgbClr val="D60093"/>
+            </a:solidFill>
+            <a:tailEnd type="triangle"/>
+          </a:ln>
+        </p:spPr>
+        <p:style>
+          <a:lnRef idx="1">
+            <a:schemeClr val="accent1"/>
+          </a:lnRef>
+          <a:fillRef idx="0">
+            <a:schemeClr val="accent1"/>
+          </a:fillRef>
+          <a:effectRef idx="0">
+            <a:schemeClr val="accent1"/>
+          </a:effectRef>
+          <a:fontRef idx="minor">
+            <a:schemeClr val="tx1"/>
+          </a:fontRef>
+        </p:style>
+      </p:cxnSp>
+      <p:sp>
+        <p:nvSpPr>
+          <p:cNvPr id="46" name="文字方塊 45"/>
+          <p:cNvSpPr txBox="1"/>
+          <p:nvPr/>
+        </p:nvSpPr>
+        <p:spPr>
+          <a:xfrm>
+            <a:off x="575959" y="4651290"/>
+            <a:ext cx="2675374" cy="523220"/>
+          </a:xfrm>
+          <a:prstGeom prst="rect">
+            <a:avLst/>
+          </a:prstGeom>
+          <a:noFill/>
+          <a:ln w="38100">
+            <a:solidFill>
+              <a:schemeClr val="accent4">
+                <a:lumMod val="60000"/>
+                <a:lumOff val="40000"/>
+              </a:schemeClr>
+            </a:solidFill>
+          </a:ln>
+        </p:spPr>
+        <p:txBody>
+          <a:bodyPr wrap="square" rtlCol="0">
+            <a:spAutoFit/>
+          </a:bodyPr>
+          <a:lstStyle/>
+          <a:p>
+            <a:pPr algn="ctr"/>
+            <a:r>
+              <a:rPr lang="zh-TW" altLang="en-US" sz="2800" dirty="0">
+                <a:solidFill>
+                  <a:schemeClr val="bg1"/>
+                </a:solidFill>
+                <a:latin typeface="Source Code Pro" panose="020B0509030403020204" pitchFamily="49" charset="0"/>
+                <a:ea typeface="Noto Sans CJK TC Regular" panose="020B0500000000000000" pitchFamily="34" charset="-120"/>
+              </a:rPr>
+              <a:t>每個動作的</a:t>
+            </a:r>
+            <a:r>
+              <a:rPr lang="zh-TW" altLang="en-US" sz="2800" dirty="0" smtClean="0">
+                <a:solidFill>
+                  <a:schemeClr val="bg1"/>
+                </a:solidFill>
+                <a:latin typeface="Source Code Pro" panose="020B0509030403020204" pitchFamily="49" charset="0"/>
+                <a:ea typeface="Noto Sans CJK TC Regular" panose="020B0500000000000000" pitchFamily="34" charset="-120"/>
+              </a:rPr>
+              <a:t>價值</a:t>
+            </a:r>
+            <a:endParaRPr lang="zh-TW" altLang="en-US" sz="2800" dirty="0">
+              <a:solidFill>
+                <a:schemeClr val="bg1"/>
+              </a:solidFill>
+              <a:latin typeface="Source Code Pro" panose="020B0509030403020204" pitchFamily="49" charset="0"/>
+              <a:ea typeface="Noto Sans CJK TC Regular" panose="020B0500000000000000" pitchFamily="34" charset="-120"/>
+            </a:endParaRPr>
+          </a:p>
+        </p:txBody>
+      </p:sp>
+      <p:sp>
+        <p:nvSpPr>
+          <p:cNvPr id="51" name="文字方塊 50"/>
+          <p:cNvSpPr txBox="1"/>
+          <p:nvPr/>
+        </p:nvSpPr>
+        <p:spPr>
+          <a:xfrm>
+            <a:off x="535332" y="5823201"/>
+            <a:ext cx="2756628" cy="523220"/>
+          </a:xfrm>
+          <a:prstGeom prst="rect">
+            <a:avLst/>
+          </a:prstGeom>
+          <a:noFill/>
+          <a:ln w="38100">
+            <a:solidFill>
+              <a:srgbClr val="D60093"/>
+            </a:solidFill>
+          </a:ln>
+        </p:spPr>
+        <p:txBody>
+          <a:bodyPr wrap="square" rtlCol="0">
+            <a:spAutoFit/>
+          </a:bodyPr>
+          <a:lstStyle/>
+          <a:p>
+            <a:pPr algn="ctr"/>
+            <a:r>
+              <a:rPr lang="zh-TW" altLang="en-US" sz="2800" dirty="0" smtClean="0">
+                <a:solidFill>
+                  <a:schemeClr val="bg1"/>
+                </a:solidFill>
+                <a:latin typeface="Source Code Pro" panose="020B0509030403020204" pitchFamily="49" charset="0"/>
+                <a:ea typeface="Noto Sans CJK TC Regular" panose="020B0500000000000000" pitchFamily="34" charset="-120"/>
+              </a:rPr>
+              <a:t>取出最大的價值</a:t>
+            </a:r>
+            <a:endParaRPr lang="zh-TW" altLang="en-US" sz="2800" dirty="0">
+              <a:solidFill>
+                <a:schemeClr val="bg1"/>
+              </a:solidFill>
+              <a:latin typeface="Source Code Pro" panose="020B0509030403020204" pitchFamily="49" charset="0"/>
+              <a:ea typeface="Noto Sans CJK TC Regular" panose="020B0500000000000000" pitchFamily="34" charset="-120"/>
+            </a:endParaRPr>
+          </a:p>
+        </p:txBody>
+      </p:sp>
+      <p:cxnSp>
+        <p:nvCxnSpPr>
+          <p:cNvPr id="70" name="直線單箭頭接點 69"/>
+          <p:cNvCxnSpPr>
+            <a:stCxn id="45" idx="2"/>
+            <a:endCxn id="71" idx="0"/>
+          </p:cNvCxnSpPr>
+          <p:nvPr/>
+        </p:nvCxnSpPr>
+        <p:spPr>
+          <a:xfrm flipH="1">
+            <a:off x="5387197" y="1639482"/>
+            <a:ext cx="1" cy="588024"/>
+          </a:xfrm>
+          <a:prstGeom prst="straightConnector1">
+            <a:avLst/>
+          </a:prstGeom>
+          <a:ln w="127000">
+            <a:tailEnd type="triangle"/>
+          </a:ln>
+        </p:spPr>
+        <p:style>
+          <a:lnRef idx="1">
+            <a:schemeClr val="accent1"/>
+          </a:lnRef>
+          <a:fillRef idx="0">
+            <a:schemeClr val="accent1"/>
+          </a:fillRef>
+          <a:effectRef idx="0">
+            <a:schemeClr val="accent1"/>
+          </a:effectRef>
+          <a:fontRef idx="minor">
+            <a:schemeClr val="tx1"/>
+          </a:fontRef>
+        </p:style>
+      </p:cxnSp>
+      <mc:AlternateContent xmlns:mc="http://schemas.openxmlformats.org/markup-compatibility/2006">
+        <mc:Choice xmlns:a14="http://schemas.microsoft.com/office/drawing/2010/main" Requires="a14">
+          <p:sp>
+            <p:nvSpPr>
+              <p:cNvPr id="71" name="文字方塊 70"/>
+              <p:cNvSpPr txBox="1"/>
+              <p:nvPr/>
+            </p:nvSpPr>
+            <p:spPr>
+              <a:xfrm>
+                <a:off x="4643582" y="2227506"/>
+                <a:ext cx="1487229" cy="523220"/>
+              </a:xfrm>
+              <a:prstGeom prst="rect">
+                <a:avLst/>
+              </a:prstGeom>
+              <a:noFill/>
+              <a:ln w="38100">
+                <a:solidFill>
+                  <a:schemeClr val="accent4">
+                    <a:lumMod val="60000"/>
+                    <a:lumOff val="40000"/>
+                  </a:schemeClr>
+                </a:solidFill>
+              </a:ln>
+            </p:spPr>
+            <p:txBody>
+              <a:bodyPr wrap="square" rtlCol="0">
+                <a:spAutoFit/>
+              </a:bodyPr>
+              <a:lstStyle/>
+              <a:p>
+                <a:pPr algn="ctr"/>
+                <a14:m>
+                  <m:oMathPara xmlns:m="http://schemas.openxmlformats.org/officeDocument/2006/math">
+                    <m:oMathParaPr>
+                      <m:jc m:val="right"/>
+                    </m:oMathParaPr>
+                    <m:oMath xmlns:m="http://schemas.openxmlformats.org/officeDocument/2006/math">
+                      <m:r>
+                        <a:rPr lang="en-US" altLang="zh-TW" sz="2800" i="1" dirty="0">
+                          <a:solidFill>
+                            <a:schemeClr val="bg1"/>
+                          </a:solidFill>
+                          <a:latin typeface="Cambria Math" panose="02040503050406030204" pitchFamily="18" charset="0"/>
+                          <a:ea typeface="Noto Sans CJK TC Regular" panose="020B0500000000000000" pitchFamily="34" charset="-120"/>
+                        </a:rPr>
+                        <m:t>𝑅𝑒𝑤𝑎𝑟𝑑</m:t>
+                      </m:r>
+                    </m:oMath>
+                  </m:oMathPara>
+                </a14:m>
+                <a:endParaRPr lang="zh-TW" altLang="en-US" sz="2800" dirty="0">
+                  <a:solidFill>
+                    <a:schemeClr val="bg1"/>
+                  </a:solidFill>
+                  <a:latin typeface="Source Code Pro" panose="020B0509030403020204" pitchFamily="49" charset="0"/>
+                  <a:ea typeface="Noto Sans CJK TC Regular" panose="020B0500000000000000" pitchFamily="34" charset="-120"/>
+                </a:endParaRPr>
+              </a:p>
+            </p:txBody>
+          </p:sp>
+        </mc:Choice>
+        <mc:Fallback>
+          <p:sp>
+            <p:nvSpPr>
+              <p:cNvPr id="71" name="文字方塊 70"/>
+              <p:cNvSpPr txBox="1">
+                <a:spLocks noRot="1" noChangeAspect="1" noMove="1" noResize="1" noEditPoints="1" noAdjustHandles="1" noChangeArrowheads="1" noChangeShapeType="1" noTextEdit="1"/>
+              </p:cNvSpPr>
+              <p:nvPr/>
+            </p:nvSpPr>
+            <p:spPr>
+              <a:xfrm>
+                <a:off x="4643582" y="2227506"/>
+                <a:ext cx="1487229" cy="523220"/>
+              </a:xfrm>
+              <a:prstGeom prst="rect">
+                <a:avLst/>
+              </a:prstGeom>
+              <a:blipFill>
+                <a:blip r:embed="rId4"/>
+                <a:stretch>
+                  <a:fillRect/>
+                </a:stretch>
+              </a:blipFill>
+              <a:ln w="38100">
+                <a:solidFill>
+                  <a:schemeClr val="accent4">
+                    <a:lumMod val="60000"/>
+                    <a:lumOff val="40000"/>
+                  </a:schemeClr>
+                </a:solidFill>
+              </a:ln>
+            </p:spPr>
+            <p:txBody>
+              <a:bodyPr/>
+              <a:lstStyle/>
+              <a:p>
+                <a:r>
+                  <a:rPr lang="zh-TW" altLang="en-US">
+                    <a:noFill/>
+                  </a:rPr>
+                  <a:t> </a:t>
+                </a:r>
+              </a:p>
+            </p:txBody>
+          </p:sp>
+        </mc:Fallback>
+      </mc:AlternateContent>
+      <p:cxnSp>
+        <p:nvCxnSpPr>
+          <p:cNvPr id="77" name="直線單箭頭接點 76"/>
+          <p:cNvCxnSpPr>
+            <a:stCxn id="51" idx="3"/>
+            <a:endCxn id="89" idx="1"/>
+          </p:cNvCxnSpPr>
+          <p:nvPr/>
+        </p:nvCxnSpPr>
+        <p:spPr>
+          <a:xfrm>
+            <a:off x="3291960" y="6084811"/>
+            <a:ext cx="1237077" cy="2245"/>
+          </a:xfrm>
+          <a:prstGeom prst="straightConnector1">
+            <a:avLst/>
+          </a:prstGeom>
+          <a:ln w="127000">
+            <a:solidFill>
+              <a:srgbClr val="D60093"/>
+            </a:solidFill>
+            <a:tailEnd type="triangle"/>
+          </a:ln>
+        </p:spPr>
+        <p:style>
+          <a:lnRef idx="1">
+            <a:schemeClr val="accent1"/>
+          </a:lnRef>
+          <a:fillRef idx="0">
+            <a:schemeClr val="accent1"/>
+          </a:fillRef>
+          <a:effectRef idx="0">
+            <a:schemeClr val="accent1"/>
+          </a:effectRef>
+          <a:fontRef idx="minor">
+            <a:schemeClr val="tx1"/>
+          </a:fontRef>
+        </p:style>
+      </p:cxnSp>
+      <p:cxnSp>
+        <p:nvCxnSpPr>
+          <p:cNvPr id="80" name="直線單箭頭接點 79"/>
+          <p:cNvCxnSpPr>
+            <a:stCxn id="71" idx="2"/>
+            <a:endCxn id="94" idx="0"/>
+          </p:cNvCxnSpPr>
+          <p:nvPr/>
+        </p:nvCxnSpPr>
+        <p:spPr>
+          <a:xfrm flipH="1">
+            <a:off x="5378407" y="2750726"/>
+            <a:ext cx="8790" cy="1896075"/>
+          </a:xfrm>
+          <a:prstGeom prst="straightConnector1">
+            <a:avLst/>
+          </a:prstGeom>
+          <a:ln w="127000">
+            <a:solidFill>
+              <a:srgbClr val="D60093"/>
+            </a:solidFill>
+            <a:tailEnd type="triangle"/>
+          </a:ln>
+        </p:spPr>
+        <p:style>
+          <a:lnRef idx="1">
+            <a:schemeClr val="accent1"/>
+          </a:lnRef>
+          <a:fillRef idx="0">
+            <a:schemeClr val="accent1"/>
+          </a:fillRef>
+          <a:effectRef idx="0">
+            <a:schemeClr val="accent1"/>
+          </a:effectRef>
+          <a:fontRef idx="minor">
+            <a:schemeClr val="tx1"/>
+          </a:fontRef>
+        </p:style>
+      </p:cxnSp>
+      <mc:AlternateContent xmlns:mc="http://schemas.openxmlformats.org/markup-compatibility/2006">
+        <mc:Choice xmlns:a14="http://schemas.microsoft.com/office/drawing/2010/main" Requires="a14">
+          <p:sp>
+            <p:nvSpPr>
+              <p:cNvPr id="89" name="文字方塊 88"/>
+              <p:cNvSpPr txBox="1"/>
+              <p:nvPr/>
+            </p:nvSpPr>
+            <p:spPr>
+              <a:xfrm>
+                <a:off x="4529037" y="5823201"/>
+                <a:ext cx="1716321" cy="527709"/>
+              </a:xfrm>
+              <a:prstGeom prst="rect">
+                <a:avLst/>
+              </a:prstGeom>
+              <a:noFill/>
+              <a:ln w="38100">
+                <a:solidFill>
+                  <a:srgbClr val="D60093"/>
+                </a:solidFill>
+              </a:ln>
+            </p:spPr>
+            <p:txBody>
+              <a:bodyPr wrap="square" rtlCol="0">
+                <a:spAutoFit/>
+              </a:bodyPr>
+              <a:lstStyle/>
+              <a:p>
+                <a:pPr algn="ctr"/>
+                <a14:m>
+                  <m:oMathPara xmlns:m="http://schemas.openxmlformats.org/officeDocument/2006/math">
+                    <m:oMathParaPr>
+                      <m:jc m:val="right"/>
+                    </m:oMathParaPr>
+                    <m:oMath xmlns:m="http://schemas.openxmlformats.org/officeDocument/2006/math">
+                      <m:r>
+                        <a:rPr lang="en-US" altLang="zh-TW" sz="2800" i="1" smtClean="0">
+                          <a:solidFill>
+                            <a:schemeClr val="bg1"/>
+                          </a:solidFill>
+                          <a:latin typeface="Cambria Math" panose="02040503050406030204" pitchFamily="18" charset="0"/>
+                          <a:ea typeface="Cambria Math" panose="02040503050406030204" pitchFamily="18" charset="0"/>
+                        </a:rPr>
+                        <m:t>×</m:t>
+                      </m:r>
+                      <m:r>
+                        <a:rPr lang="en-US" altLang="zh-TW" sz="2800" b="0" i="1" smtClean="0">
+                          <a:solidFill>
+                            <a:schemeClr val="bg1"/>
+                          </a:solidFill>
+                          <a:latin typeface="Cambria Math" panose="02040503050406030204" pitchFamily="18" charset="0"/>
+                          <a:ea typeface="Cambria Math" panose="02040503050406030204" pitchFamily="18" charset="0"/>
+                        </a:rPr>
+                        <m:t>𝑔𝑎𝑚𝑚𝑎</m:t>
+                      </m:r>
+                    </m:oMath>
+                  </m:oMathPara>
+                </a14:m>
+                <a:endParaRPr lang="zh-TW" altLang="en-US" sz="2800" dirty="0">
+                  <a:solidFill>
+                    <a:schemeClr val="bg1"/>
+                  </a:solidFill>
+                  <a:latin typeface="Source Code Pro" panose="020B0509030403020204" pitchFamily="49" charset="0"/>
+                  <a:ea typeface="Noto Sans CJK TC Regular" panose="020B0500000000000000" pitchFamily="34" charset="-120"/>
+                </a:endParaRPr>
+              </a:p>
+            </p:txBody>
+          </p:sp>
+        </mc:Choice>
+        <mc:Fallback>
+          <p:sp>
+            <p:nvSpPr>
+              <p:cNvPr id="89" name="文字方塊 88"/>
+              <p:cNvSpPr txBox="1">
+                <a:spLocks noRot="1" noChangeAspect="1" noMove="1" noResize="1" noEditPoints="1" noAdjustHandles="1" noChangeArrowheads="1" noChangeShapeType="1" noTextEdit="1"/>
+              </p:cNvSpPr>
+              <p:nvPr/>
+            </p:nvSpPr>
+            <p:spPr>
+              <a:xfrm>
+                <a:off x="4529037" y="5823201"/>
+                <a:ext cx="1716321" cy="527709"/>
+              </a:xfrm>
+              <a:prstGeom prst="rect">
+                <a:avLst/>
+              </a:prstGeom>
+              <a:blipFill>
+                <a:blip r:embed="rId5"/>
+                <a:stretch>
+                  <a:fillRect/>
+                </a:stretch>
+              </a:blipFill>
+              <a:ln w="38100">
+                <a:solidFill>
+                  <a:srgbClr val="D60093"/>
+                </a:solidFill>
+              </a:ln>
+            </p:spPr>
+            <p:txBody>
+              <a:bodyPr/>
+              <a:lstStyle/>
+              <a:p>
+                <a:r>
+                  <a:rPr lang="zh-TW" altLang="en-US">
+                    <a:noFill/>
+                  </a:rPr>
+                  <a:t> </a:t>
+                </a:r>
+              </a:p>
+            </p:txBody>
+          </p:sp>
+        </mc:Fallback>
+      </mc:AlternateContent>
+      <p:cxnSp>
+        <p:nvCxnSpPr>
+          <p:cNvPr id="91" name="直線單箭頭接點 90"/>
+          <p:cNvCxnSpPr>
+            <a:stCxn id="89" idx="0"/>
+            <a:endCxn id="94" idx="2"/>
+          </p:cNvCxnSpPr>
+          <p:nvPr/>
+        </p:nvCxnSpPr>
+        <p:spPr>
+          <a:xfrm flipH="1" flipV="1">
+            <a:off x="5378407" y="5174510"/>
+            <a:ext cx="8791" cy="648691"/>
+          </a:xfrm>
+          <a:prstGeom prst="straightConnector1">
+            <a:avLst/>
+          </a:prstGeom>
+          <a:ln w="127000">
+            <a:solidFill>
+              <a:srgbClr val="D60093"/>
+            </a:solidFill>
+            <a:tailEnd type="triangle"/>
+          </a:ln>
+        </p:spPr>
+        <p:style>
+          <a:lnRef idx="1">
+            <a:schemeClr val="accent1"/>
+          </a:lnRef>
+          <a:fillRef idx="0">
+            <a:schemeClr val="accent1"/>
+          </a:fillRef>
+          <a:effectRef idx="0">
+            <a:schemeClr val="accent1"/>
+          </a:effectRef>
+          <a:fontRef idx="minor">
+            <a:schemeClr val="tx1"/>
+          </a:fontRef>
+        </p:style>
+      </p:cxnSp>
+      <mc:AlternateContent xmlns:mc="http://schemas.openxmlformats.org/markup-compatibility/2006">
+        <mc:Choice xmlns:a14="http://schemas.microsoft.com/office/drawing/2010/main" Requires="a14">
+          <p:sp>
+            <p:nvSpPr>
+              <p:cNvPr id="94" name="文字方塊 93"/>
+              <p:cNvSpPr txBox="1"/>
+              <p:nvPr/>
+            </p:nvSpPr>
+            <p:spPr>
+              <a:xfrm>
+                <a:off x="5150057" y="4646801"/>
+                <a:ext cx="456700" cy="527709"/>
+              </a:xfrm>
+              <a:prstGeom prst="rect">
+                <a:avLst/>
+              </a:prstGeom>
+              <a:noFill/>
+              <a:ln w="38100">
+                <a:solidFill>
+                  <a:srgbClr val="D60093"/>
+                </a:solidFill>
+              </a:ln>
+            </p:spPr>
+            <p:txBody>
+              <a:bodyPr wrap="square" rtlCol="0">
+                <a:spAutoFit/>
+              </a:bodyPr>
+              <a:lstStyle/>
+              <a:p>
+                <a:pPr algn="ctr"/>
+                <a14:m>
+                  <m:oMathPara xmlns:m="http://schemas.openxmlformats.org/officeDocument/2006/math">
+                    <m:oMathParaPr>
+                      <m:jc m:val="left"/>
+                    </m:oMathParaPr>
+                    <m:oMath xmlns:m="http://schemas.openxmlformats.org/officeDocument/2006/math">
+                      <m:r>
+                        <a:rPr lang="en-US" altLang="zh-TW" sz="2800" b="0" i="1" smtClean="0">
+                          <a:solidFill>
+                            <a:schemeClr val="bg1"/>
+                          </a:solidFill>
+                          <a:latin typeface="Cambria Math" panose="02040503050406030204" pitchFamily="18" charset="0"/>
+                          <a:ea typeface="Cambria Math" panose="02040503050406030204" pitchFamily="18" charset="0"/>
+                        </a:rPr>
+                        <m:t>+</m:t>
+                      </m:r>
+                    </m:oMath>
+                  </m:oMathPara>
+                </a14:m>
+                <a:endParaRPr lang="zh-TW" altLang="en-US" sz="2800" dirty="0">
+                  <a:solidFill>
+                    <a:schemeClr val="bg1"/>
+                  </a:solidFill>
+                  <a:latin typeface="Source Code Pro" panose="020B0509030403020204" pitchFamily="49" charset="0"/>
+                  <a:ea typeface="Noto Sans CJK TC Regular" panose="020B0500000000000000" pitchFamily="34" charset="-120"/>
+                </a:endParaRPr>
+              </a:p>
+            </p:txBody>
+          </p:sp>
+        </mc:Choice>
+        <mc:Fallback>
+          <p:sp>
+            <p:nvSpPr>
+              <p:cNvPr id="94" name="文字方塊 93"/>
+              <p:cNvSpPr txBox="1">
+                <a:spLocks noRot="1" noChangeAspect="1" noMove="1" noResize="1" noEditPoints="1" noAdjustHandles="1" noChangeArrowheads="1" noChangeShapeType="1" noTextEdit="1"/>
+              </p:cNvSpPr>
+              <p:nvPr/>
+            </p:nvSpPr>
+            <p:spPr>
+              <a:xfrm>
+                <a:off x="5150057" y="4646801"/>
+                <a:ext cx="456700" cy="527709"/>
+              </a:xfrm>
+              <a:prstGeom prst="rect">
+                <a:avLst/>
+              </a:prstGeom>
+              <a:blipFill>
+                <a:blip r:embed="rId6"/>
+                <a:stretch>
+                  <a:fillRect/>
+                </a:stretch>
+              </a:blipFill>
+              <a:ln w="38100">
+                <a:solidFill>
+                  <a:srgbClr val="D60093"/>
+                </a:solidFill>
+              </a:ln>
+            </p:spPr>
+            <p:txBody>
+              <a:bodyPr/>
+              <a:lstStyle/>
+              <a:p>
+                <a:r>
+                  <a:rPr lang="zh-TW" altLang="en-US">
+                    <a:noFill/>
+                  </a:rPr>
+                  <a:t> </a:t>
+                </a:r>
+              </a:p>
+            </p:txBody>
+          </p:sp>
+        </mc:Fallback>
+      </mc:AlternateContent>
+      <mc:AlternateContent xmlns:mc="http://schemas.openxmlformats.org/markup-compatibility/2006">
+        <mc:Choice xmlns:a14="http://schemas.microsoft.com/office/drawing/2010/main" Requires="a14">
+          <p:sp>
+            <p:nvSpPr>
+              <p:cNvPr id="98" name="文字方塊 97"/>
+              <p:cNvSpPr txBox="1"/>
+              <p:nvPr/>
+            </p:nvSpPr>
+            <p:spPr>
+              <a:xfrm>
+                <a:off x="8460122" y="4649045"/>
+                <a:ext cx="2345111" cy="523220"/>
+              </a:xfrm>
+              <a:prstGeom prst="rect">
+                <a:avLst/>
+              </a:prstGeom>
+              <a:noFill/>
+              <a:ln w="38100">
+                <a:solidFill>
+                  <a:schemeClr val="accent4">
+                    <a:lumMod val="60000"/>
+                    <a:lumOff val="40000"/>
+                  </a:schemeClr>
+                </a:solidFill>
+              </a:ln>
+            </p:spPr>
+            <p:txBody>
+              <a:bodyPr wrap="square" rtlCol="0">
+                <a:spAutoFit/>
+              </a:bodyPr>
+              <a:lstStyle/>
+              <a:p>
+                <a:pPr algn="ctr"/>
+                <a14:m>
+                  <m:oMath xmlns:m="http://schemas.openxmlformats.org/officeDocument/2006/math">
+                    <m:r>
+                      <a:rPr lang="en-US" altLang="zh-TW" sz="2800" i="1" dirty="0">
+                        <a:solidFill>
+                          <a:schemeClr val="bg1"/>
+                        </a:solidFill>
+                        <a:latin typeface="Cambria Math" panose="02040503050406030204" pitchFamily="18" charset="0"/>
+                        <a:ea typeface="Noto Sans CJK TC Regular" panose="020B0500000000000000" pitchFamily="34" charset="-120"/>
+                      </a:rPr>
+                      <m:t>𝐴𝑐𝑡𝑖𝑜𝑛</m:t>
+                    </m:r>
+                  </m:oMath>
+                </a14:m>
+                <a:r>
+                  <a:rPr lang="zh-TW" altLang="en-US" sz="2800" dirty="0">
+                    <a:solidFill>
+                      <a:schemeClr val="bg1"/>
+                    </a:solidFill>
+                    <a:latin typeface="Source Code Pro" panose="020B0509030403020204" pitchFamily="49" charset="0"/>
+                    <a:ea typeface="Noto Sans CJK TC Regular" panose="020B0500000000000000" pitchFamily="34" charset="-120"/>
+                  </a:rPr>
+                  <a:t>的</a:t>
+                </a:r>
+                <a:r>
+                  <a:rPr lang="zh-TW" altLang="en-US" sz="2800" dirty="0" smtClean="0">
+                    <a:solidFill>
+                      <a:schemeClr val="bg1"/>
+                    </a:solidFill>
+                    <a:latin typeface="Source Code Pro" panose="020B0509030403020204" pitchFamily="49" charset="0"/>
+                    <a:ea typeface="Noto Sans CJK TC Regular" panose="020B0500000000000000" pitchFamily="34" charset="-120"/>
+                  </a:rPr>
+                  <a:t>價值</a:t>
+                </a:r>
+                <a:endParaRPr lang="zh-TW" altLang="en-US" sz="2800" dirty="0">
+                  <a:solidFill>
+                    <a:schemeClr val="bg1"/>
+                  </a:solidFill>
+                  <a:latin typeface="Source Code Pro" panose="020B0509030403020204" pitchFamily="49" charset="0"/>
+                  <a:ea typeface="Noto Sans CJK TC Regular" panose="020B0500000000000000" pitchFamily="34" charset="-120"/>
+                </a:endParaRPr>
+              </a:p>
+            </p:txBody>
+          </p:sp>
+        </mc:Choice>
+        <mc:Fallback>
+          <p:sp>
+            <p:nvSpPr>
+              <p:cNvPr id="98" name="文字方塊 97"/>
+              <p:cNvSpPr txBox="1">
+                <a:spLocks noRot="1" noChangeAspect="1" noMove="1" noResize="1" noEditPoints="1" noAdjustHandles="1" noChangeArrowheads="1" noChangeShapeType="1" noTextEdit="1"/>
+              </p:cNvSpPr>
+              <p:nvPr/>
+            </p:nvSpPr>
+            <p:spPr>
+              <a:xfrm>
+                <a:off x="8460122" y="4649045"/>
+                <a:ext cx="2345111" cy="523220"/>
+              </a:xfrm>
+              <a:prstGeom prst="rect">
+                <a:avLst/>
+              </a:prstGeom>
+              <a:blipFill>
+                <a:blip r:embed="rId7"/>
+                <a:stretch>
+                  <a:fillRect t="-8791" r="-3069" b="-27473"/>
+                </a:stretch>
+              </a:blipFill>
+              <a:ln w="38100">
+                <a:solidFill>
+                  <a:schemeClr val="accent4">
+                    <a:lumMod val="60000"/>
+                    <a:lumOff val="40000"/>
+                  </a:schemeClr>
+                </a:solidFill>
+              </a:ln>
+            </p:spPr>
+            <p:txBody>
+              <a:bodyPr/>
+              <a:lstStyle/>
+              <a:p>
+                <a:r>
+                  <a:rPr lang="zh-TW" altLang="en-US">
+                    <a:noFill/>
+                  </a:rPr>
+                  <a:t> </a:t>
+                </a:r>
+              </a:p>
+            </p:txBody>
+          </p:sp>
+        </mc:Fallback>
+      </mc:AlternateContent>
+      <mc:AlternateContent xmlns:mc="http://schemas.openxmlformats.org/markup-compatibility/2006">
+        <mc:Choice xmlns:a14="http://schemas.microsoft.com/office/drawing/2010/main" Requires="a14">
+          <p:sp>
+            <p:nvSpPr>
+              <p:cNvPr id="124" name="文字方塊 123"/>
+              <p:cNvSpPr txBox="1"/>
+              <p:nvPr/>
+            </p:nvSpPr>
+            <p:spPr>
+              <a:xfrm>
+                <a:off x="6715465" y="2857442"/>
+                <a:ext cx="1198340" cy="523220"/>
+              </a:xfrm>
+              <a:prstGeom prst="rect">
+                <a:avLst/>
+              </a:prstGeom>
+              <a:noFill/>
+              <a:ln w="38100">
+                <a:solidFill>
+                  <a:schemeClr val="accent4">
+                    <a:lumMod val="60000"/>
+                    <a:lumOff val="40000"/>
+                  </a:schemeClr>
+                </a:solidFill>
+              </a:ln>
+            </p:spPr>
+            <p:txBody>
+              <a:bodyPr wrap="square" rtlCol="0">
+                <a:spAutoFit/>
+              </a:bodyPr>
+              <a:lstStyle/>
+              <a:p>
+                <a:pPr algn="ctr"/>
+                <a14:m>
+                  <m:oMathPara xmlns:m="http://schemas.openxmlformats.org/officeDocument/2006/math">
+                    <m:oMathParaPr>
+                      <m:jc m:val="right"/>
+                    </m:oMathParaPr>
+                    <m:oMath xmlns:m="http://schemas.openxmlformats.org/officeDocument/2006/math">
+                      <m:r>
+                        <a:rPr lang="en-US" altLang="zh-TW" sz="2800" i="1" dirty="0" smtClean="0">
+                          <a:solidFill>
+                            <a:schemeClr val="bg1"/>
+                          </a:solidFill>
+                          <a:latin typeface="Cambria Math" panose="02040503050406030204" pitchFamily="18" charset="0"/>
+                          <a:ea typeface="Noto Sans CJK TC Regular" panose="020B0500000000000000" pitchFamily="34" charset="-120"/>
+                        </a:rPr>
+                        <m:t>𝐴</m:t>
+                      </m:r>
+                      <m:r>
+                        <a:rPr lang="en-US" altLang="zh-TW" sz="2800" b="0" i="1" dirty="0" smtClean="0">
+                          <a:solidFill>
+                            <a:schemeClr val="bg1"/>
+                          </a:solidFill>
+                          <a:latin typeface="Cambria Math" panose="02040503050406030204" pitchFamily="18" charset="0"/>
+                          <a:ea typeface="Noto Sans CJK TC Regular" panose="020B0500000000000000" pitchFamily="34" charset="-120"/>
+                        </a:rPr>
+                        <m:t>𝑐𝑡𝑖𝑜𝑛</m:t>
+                      </m:r>
+                    </m:oMath>
+                  </m:oMathPara>
+                </a14:m>
+                <a:endParaRPr lang="en-US" altLang="zh-TW" sz="2800" b="0" dirty="0" smtClean="0">
+                  <a:solidFill>
+                    <a:schemeClr val="bg1"/>
+                  </a:solidFill>
+                  <a:latin typeface="Source Code Pro" panose="020B0509030403020204" pitchFamily="49" charset="0"/>
+                  <a:ea typeface="Noto Sans CJK TC Regular" panose="020B0500000000000000" pitchFamily="34" charset="-120"/>
+                </a:endParaRPr>
+              </a:p>
+            </p:txBody>
+          </p:sp>
+        </mc:Choice>
+        <mc:Fallback>
+          <p:sp>
+            <p:nvSpPr>
+              <p:cNvPr id="124" name="文字方塊 123"/>
+              <p:cNvSpPr txBox="1">
+                <a:spLocks noRot="1" noChangeAspect="1" noMove="1" noResize="1" noEditPoints="1" noAdjustHandles="1" noChangeArrowheads="1" noChangeShapeType="1" noTextEdit="1"/>
+              </p:cNvSpPr>
+              <p:nvPr/>
+            </p:nvSpPr>
+            <p:spPr>
+              <a:xfrm>
+                <a:off x="6715465" y="2857442"/>
+                <a:ext cx="1198340" cy="523220"/>
+              </a:xfrm>
+              <a:prstGeom prst="rect">
+                <a:avLst/>
+              </a:prstGeom>
+              <a:blipFill>
+                <a:blip r:embed="rId8"/>
+                <a:stretch>
+                  <a:fillRect/>
+                </a:stretch>
+              </a:blipFill>
+              <a:ln w="38100">
+                <a:solidFill>
+                  <a:schemeClr val="accent4">
+                    <a:lumMod val="60000"/>
+                    <a:lumOff val="40000"/>
+                  </a:schemeClr>
+                </a:solidFill>
+              </a:ln>
+            </p:spPr>
+            <p:txBody>
+              <a:bodyPr/>
+              <a:lstStyle/>
+              <a:p>
+                <a:r>
+                  <a:rPr lang="zh-TW" altLang="en-US">
+                    <a:noFill/>
+                  </a:rPr>
+                  <a:t> </a:t>
+                </a:r>
+              </a:p>
+            </p:txBody>
+          </p:sp>
+        </mc:Fallback>
+      </mc:AlternateContent>
+      <p:cxnSp>
+        <p:nvCxnSpPr>
+          <p:cNvPr id="130" name="直線單箭頭接點 129"/>
+          <p:cNvCxnSpPr>
+            <a:stCxn id="124" idx="2"/>
+            <a:endCxn id="98" idx="0"/>
+          </p:cNvCxnSpPr>
+          <p:nvPr/>
+        </p:nvCxnSpPr>
+        <p:spPr>
+          <a:xfrm rot="16200000" flipH="1">
+            <a:off x="7839465" y="2855831"/>
+            <a:ext cx="1268383" cy="2318043"/>
+          </a:xfrm>
+          <a:prstGeom prst="bentConnector3">
+            <a:avLst>
+              <a:gd name="adj1" fmla="val 50000"/>
+            </a:avLst>
+          </a:prstGeom>
+          <a:ln w="127000">
+            <a:tailEnd type="triangle"/>
+          </a:ln>
+        </p:spPr>
+        <p:style>
+          <a:lnRef idx="1">
+            <a:schemeClr val="accent1"/>
+          </a:lnRef>
+          <a:fillRef idx="0">
+            <a:schemeClr val="accent1"/>
+          </a:fillRef>
+          <a:effectRef idx="0">
+            <a:schemeClr val="accent1"/>
+          </a:effectRef>
+          <a:fontRef idx="minor">
+            <a:schemeClr val="tx1"/>
+          </a:fontRef>
+        </p:style>
+      </p:cxnSp>
+      <p:cxnSp>
+        <p:nvCxnSpPr>
+          <p:cNvPr id="135" name="直線單箭頭接點 134"/>
+          <p:cNvCxnSpPr>
+            <a:stCxn id="44" idx="2"/>
+            <a:endCxn id="98" idx="0"/>
+          </p:cNvCxnSpPr>
+          <p:nvPr/>
+        </p:nvCxnSpPr>
+        <p:spPr>
+          <a:xfrm flipH="1">
+            <a:off x="9632678" y="3802543"/>
+            <a:ext cx="2" cy="846502"/>
+          </a:xfrm>
+          <a:prstGeom prst="straightConnector1">
+            <a:avLst/>
+          </a:prstGeom>
+          <a:ln w="127000">
+            <a:tailEnd type="triangle"/>
+          </a:ln>
+        </p:spPr>
+        <p:style>
+          <a:lnRef idx="1">
+            <a:schemeClr val="accent1"/>
+          </a:lnRef>
+          <a:fillRef idx="0">
+            <a:schemeClr val="accent1"/>
+          </a:fillRef>
+          <a:effectRef idx="0">
+            <a:schemeClr val="accent1"/>
+          </a:effectRef>
+          <a:fontRef idx="minor">
+            <a:schemeClr val="tx1"/>
+          </a:fontRef>
+        </p:style>
+      </p:cxnSp>
+      <p:cxnSp>
+        <p:nvCxnSpPr>
+          <p:cNvPr id="147" name="直線單箭頭接點 146"/>
+          <p:cNvCxnSpPr>
+            <a:stCxn id="94" idx="3"/>
+            <a:endCxn id="148" idx="1"/>
+          </p:cNvCxnSpPr>
+          <p:nvPr/>
+        </p:nvCxnSpPr>
+        <p:spPr>
+          <a:xfrm>
+            <a:off x="5606757" y="4910656"/>
+            <a:ext cx="892307" cy="0"/>
+          </a:xfrm>
+          <a:prstGeom prst="straightConnector1">
+            <a:avLst/>
+          </a:prstGeom>
+          <a:ln w="127000">
+            <a:solidFill>
+              <a:srgbClr val="D60093"/>
+            </a:solidFill>
+            <a:tailEnd type="triangle"/>
+          </a:ln>
+        </p:spPr>
+        <p:style>
+          <a:lnRef idx="1">
+            <a:schemeClr val="accent1"/>
+          </a:lnRef>
+          <a:fillRef idx="0">
+            <a:schemeClr val="accent1"/>
+          </a:fillRef>
+          <a:effectRef idx="0">
+            <a:schemeClr val="accent1"/>
+          </a:effectRef>
+          <a:fontRef idx="minor">
+            <a:schemeClr val="tx1"/>
+          </a:fontRef>
+        </p:style>
+      </p:cxnSp>
+      <mc:AlternateContent xmlns:mc="http://schemas.openxmlformats.org/markup-compatibility/2006">
+        <mc:Choice xmlns:a14="http://schemas.microsoft.com/office/drawing/2010/main" Requires="a14">
+          <p:sp>
+            <p:nvSpPr>
+              <p:cNvPr id="148" name="文字方塊 147"/>
+              <p:cNvSpPr txBox="1"/>
+              <p:nvPr/>
+            </p:nvSpPr>
+            <p:spPr>
+              <a:xfrm>
+                <a:off x="6499064" y="4646801"/>
+                <a:ext cx="890758" cy="527709"/>
+              </a:xfrm>
+              <a:prstGeom prst="rect">
+                <a:avLst/>
+              </a:prstGeom>
+              <a:noFill/>
+              <a:ln w="38100">
+                <a:solidFill>
+                  <a:srgbClr val="D60093"/>
+                </a:solidFill>
+              </a:ln>
+            </p:spPr>
+            <p:txBody>
+              <a:bodyPr wrap="square" rtlCol="0">
+                <a:spAutoFit/>
+              </a:bodyPr>
+              <a:lstStyle/>
+              <a:p>
+                <a:pPr algn="ctr"/>
+                <a14:m>
+                  <m:oMathPara xmlns:m="http://schemas.openxmlformats.org/officeDocument/2006/math">
+                    <m:oMathParaPr>
+                      <m:jc m:val="left"/>
+                    </m:oMathParaPr>
+                    <m:oMath xmlns:m="http://schemas.openxmlformats.org/officeDocument/2006/math">
+                      <m:r>
+                        <a:rPr lang="en-US" altLang="zh-TW" sz="2800" b="0" i="1" smtClean="0">
+                          <a:solidFill>
+                            <a:schemeClr val="bg1"/>
+                          </a:solidFill>
+                          <a:latin typeface="Cambria Math" panose="02040503050406030204" pitchFamily="18" charset="0"/>
+                          <a:ea typeface="Noto Sans CJK TC Regular" panose="020B0500000000000000" pitchFamily="34" charset="-120"/>
+                        </a:rPr>
+                        <m:t>𝑀𝑆𝐸</m:t>
+                      </m:r>
+                    </m:oMath>
+                  </m:oMathPara>
+                </a14:m>
+                <a:endParaRPr lang="zh-TW" altLang="en-US" sz="2800" dirty="0">
+                  <a:solidFill>
+                    <a:schemeClr val="bg1"/>
+                  </a:solidFill>
+                  <a:latin typeface="Source Code Pro" panose="020B0509030403020204" pitchFamily="49" charset="0"/>
+                  <a:ea typeface="Noto Sans CJK TC Regular" panose="020B0500000000000000" pitchFamily="34" charset="-120"/>
+                </a:endParaRPr>
+              </a:p>
+            </p:txBody>
+          </p:sp>
+        </mc:Choice>
+        <mc:Fallback>
+          <p:sp>
+            <p:nvSpPr>
+              <p:cNvPr id="148" name="文字方塊 147"/>
+              <p:cNvSpPr txBox="1">
+                <a:spLocks noRot="1" noChangeAspect="1" noMove="1" noResize="1" noEditPoints="1" noAdjustHandles="1" noChangeArrowheads="1" noChangeShapeType="1" noTextEdit="1"/>
+              </p:cNvSpPr>
+              <p:nvPr/>
+            </p:nvSpPr>
+            <p:spPr>
+              <a:xfrm>
+                <a:off x="6499064" y="4646801"/>
+                <a:ext cx="890758" cy="527709"/>
+              </a:xfrm>
+              <a:prstGeom prst="rect">
+                <a:avLst/>
+              </a:prstGeom>
+              <a:blipFill>
+                <a:blip r:embed="rId9"/>
+                <a:stretch>
+                  <a:fillRect/>
+                </a:stretch>
+              </a:blipFill>
+              <a:ln w="38100">
+                <a:solidFill>
+                  <a:srgbClr val="D60093"/>
+                </a:solidFill>
+              </a:ln>
+            </p:spPr>
+            <p:txBody>
+              <a:bodyPr/>
+              <a:lstStyle/>
+              <a:p>
+                <a:r>
+                  <a:rPr lang="zh-TW" altLang="en-US">
+                    <a:noFill/>
+                  </a:rPr>
+                  <a:t> </a:t>
+                </a:r>
+              </a:p>
+            </p:txBody>
+          </p:sp>
+        </mc:Fallback>
+      </mc:AlternateContent>
+      <p:cxnSp>
+        <p:nvCxnSpPr>
+          <p:cNvPr id="152" name="直線單箭頭接點 151"/>
+          <p:cNvCxnSpPr>
+            <a:stCxn id="98" idx="1"/>
+            <a:endCxn id="148" idx="3"/>
+          </p:cNvCxnSpPr>
+          <p:nvPr/>
+        </p:nvCxnSpPr>
+        <p:spPr>
+          <a:xfrm flipH="1">
+            <a:off x="7389822" y="4910655"/>
+            <a:ext cx="1070300" cy="1"/>
+          </a:xfrm>
+          <a:prstGeom prst="straightConnector1">
+            <a:avLst/>
+          </a:prstGeom>
+          <a:ln w="127000">
+            <a:solidFill>
+              <a:srgbClr val="D60093"/>
+            </a:solidFill>
+            <a:tailEnd type="triangle"/>
+          </a:ln>
+        </p:spPr>
+        <p:style>
+          <a:lnRef idx="1">
+            <a:schemeClr val="accent1"/>
+          </a:lnRef>
+          <a:fillRef idx="0">
+            <a:schemeClr val="accent1"/>
+          </a:fillRef>
+          <a:effectRef idx="0">
+            <a:schemeClr val="accent1"/>
+          </a:effectRef>
+          <a:fontRef idx="minor">
+            <a:schemeClr val="tx1"/>
+          </a:fontRef>
+        </p:style>
+      </p:cxnSp>
+      <p:cxnSp>
+        <p:nvCxnSpPr>
+          <p:cNvPr id="156" name="直線單箭頭接點 155"/>
+          <p:cNvCxnSpPr>
+            <a:stCxn id="148" idx="2"/>
+            <a:endCxn id="44" idx="3"/>
+          </p:cNvCxnSpPr>
+          <p:nvPr/>
+        </p:nvCxnSpPr>
+        <p:spPr>
+          <a:xfrm rot="5400000" flipH="1" flipV="1">
+            <a:off x="7827943" y="2235552"/>
+            <a:ext cx="2055458" cy="3822458"/>
+          </a:xfrm>
+          <a:prstGeom prst="bentConnector4">
+            <a:avLst>
+              <a:gd name="adj1" fmla="val -38926"/>
+              <a:gd name="adj2" fmla="val 119551"/>
+            </a:avLst>
+          </a:prstGeom>
+          <a:ln w="127000">
+            <a:solidFill>
+              <a:srgbClr val="FFFF00"/>
+            </a:solidFill>
+            <a:tailEnd type="triangle"/>
+          </a:ln>
+        </p:spPr>
+        <p:style>
+          <a:lnRef idx="1">
+            <a:schemeClr val="accent1"/>
+          </a:lnRef>
+          <a:fillRef idx="0">
+            <a:schemeClr val="accent1"/>
+          </a:fillRef>
+          <a:effectRef idx="0">
+            <a:schemeClr val="accent1"/>
+          </a:effectRef>
+          <a:fontRef idx="minor">
+            <a:schemeClr val="tx1"/>
+          </a:fontRef>
+        </p:style>
+      </p:cxnSp>
+      <p:sp>
+        <p:nvSpPr>
+          <p:cNvPr id="162" name="文字方塊 161"/>
+          <p:cNvSpPr txBox="1"/>
+          <p:nvPr/>
+        </p:nvSpPr>
+        <p:spPr>
+          <a:xfrm>
+            <a:off x="8041022" y="6018767"/>
+            <a:ext cx="2345111" cy="523220"/>
+          </a:xfrm>
+          <a:prstGeom prst="rect">
+            <a:avLst/>
+          </a:prstGeom>
+          <a:noFill/>
+          <a:ln w="38100">
+            <a:solidFill>
+              <a:srgbClr val="FFFF00"/>
+            </a:solidFill>
+          </a:ln>
+        </p:spPr>
+        <p:txBody>
+          <a:bodyPr wrap="square" rtlCol="0">
+            <a:spAutoFit/>
+          </a:bodyPr>
+          <a:lstStyle/>
+          <a:p>
+            <a:pPr algn="ctr"/>
+            <a:r>
+              <a:rPr lang="zh-TW" altLang="en-US" sz="2800" dirty="0">
+                <a:solidFill>
+                  <a:schemeClr val="bg1"/>
+                </a:solidFill>
+                <a:latin typeface="Source Code Pro" panose="020B0509030403020204" pitchFamily="49" charset="0"/>
+                <a:ea typeface="Noto Sans CJK TC Regular" panose="020B0500000000000000" pitchFamily="34" charset="-120"/>
+              </a:rPr>
+              <a:t>更新權重</a:t>
+            </a:r>
+            <a:endParaRPr lang="zh-TW" altLang="en-US" sz="2800" dirty="0">
+              <a:solidFill>
+                <a:schemeClr val="bg1"/>
+              </a:solidFill>
               <a:latin typeface="Source Code Pro" panose="020B0509030403020204" pitchFamily="49" charset="0"/>
               <a:ea typeface="Noto Sans CJK TC Regular" panose="020B0500000000000000" pitchFamily="34" charset="-120"/>
             </a:endParaRPr>
@@ -3921,6 +5965,2534 @@
       </p:par>
     </p:tnLst>
   </p:timing>
+</p:sld>
+</file>
+
+<file path=ppt/slides/slide3.xml><?xml version="1.0" encoding="utf-8"?>
+<p:sld xmlns:a="http://schemas.openxmlformats.org/drawingml/2006/main" xmlns:r="http://schemas.openxmlformats.org/officeDocument/2006/relationships" xmlns:p="http://schemas.openxmlformats.org/presentationml/2006/main">
+  <p:cSld>
+    <p:bg>
+      <p:bgPr>
+        <a:solidFill>
+          <a:schemeClr val="tx1">
+            <a:lumMod val="85000"/>
+            <a:lumOff val="15000"/>
+          </a:schemeClr>
+        </a:solidFill>
+        <a:effectLst/>
+      </p:bgPr>
+    </p:bg>
+    <p:spTree>
+      <p:nvGrpSpPr>
+        <p:cNvPr id="1" name=""/>
+        <p:cNvGrpSpPr/>
+        <p:nvPr/>
+      </p:nvGrpSpPr>
+      <p:grpSpPr>
+        <a:xfrm>
+          <a:off x="0" y="0"/>
+          <a:ext cx="0" cy="0"/>
+          <a:chOff x="0" y="0"/>
+          <a:chExt cx="0" cy="0"/>
+        </a:xfrm>
+      </p:grpSpPr>
+      <p:sp>
+        <p:nvSpPr>
+          <p:cNvPr id="3" name="圓角矩形 2"/>
+          <p:cNvSpPr/>
+          <p:nvPr/>
+        </p:nvSpPr>
+        <p:spPr>
+          <a:xfrm>
+            <a:off x="779425" y="2435561"/>
+            <a:ext cx="2268443" cy="1366982"/>
+          </a:xfrm>
+          <a:prstGeom prst="roundRect">
+            <a:avLst/>
+          </a:prstGeom>
+          <a:solidFill>
+            <a:srgbClr val="65D7FF"/>
+          </a:solidFill>
+          <a:ln w="38100">
+            <a:solidFill>
+              <a:srgbClr val="00B0F0"/>
+            </a:solidFill>
+          </a:ln>
+        </p:spPr>
+        <p:style>
+          <a:lnRef idx="2">
+            <a:schemeClr val="accent1">
+              <a:shade val="50000"/>
+            </a:schemeClr>
+          </a:lnRef>
+          <a:fillRef idx="1">
+            <a:schemeClr val="accent1"/>
+          </a:fillRef>
+          <a:effectRef idx="0">
+            <a:schemeClr val="accent1"/>
+          </a:effectRef>
+          <a:fontRef idx="minor">
+            <a:schemeClr val="lt1"/>
+          </a:fontRef>
+        </p:style>
+        <p:txBody>
+          <a:bodyPr rtlCol="0" anchor="ctr"/>
+          <a:lstStyle/>
+          <a:p>
+            <a:pPr algn="ctr"/>
+            <a:r>
+              <a:rPr lang="zh-TW" altLang="en-US" sz="3000" dirty="0" smtClean="0">
+                <a:latin typeface="Source Code Pro" panose="020B0509030403020204" pitchFamily="49" charset="0"/>
+                <a:ea typeface="Noto Sans CJK TC Regular" panose="020B0500000000000000" pitchFamily="34" charset="-120"/>
+              </a:rPr>
+              <a:t>目標網路</a:t>
+            </a:r>
+            <a:endParaRPr lang="zh-TW" altLang="en-US" sz="3000" dirty="0">
+              <a:latin typeface="Source Code Pro" panose="020B0509030403020204" pitchFamily="49" charset="0"/>
+              <a:ea typeface="Noto Sans CJK TC Regular" panose="020B0500000000000000" pitchFamily="34" charset="-120"/>
+            </a:endParaRPr>
+          </a:p>
+        </p:txBody>
+      </p:sp>
+      <p:sp>
+        <p:nvSpPr>
+          <p:cNvPr id="5" name="圓角矩形 4"/>
+          <p:cNvSpPr/>
+          <p:nvPr/>
+        </p:nvSpPr>
+        <p:spPr>
+          <a:xfrm>
+            <a:off x="4426182" y="364597"/>
+            <a:ext cx="1922032" cy="1274885"/>
+          </a:xfrm>
+          <a:prstGeom prst="roundRect">
+            <a:avLst/>
+          </a:prstGeom>
+          <a:solidFill>
+            <a:srgbClr val="00B0F0"/>
+          </a:solidFill>
+          <a:ln w="38100"/>
+        </p:spPr>
+        <p:style>
+          <a:lnRef idx="2">
+            <a:schemeClr val="accent1">
+              <a:shade val="50000"/>
+            </a:schemeClr>
+          </a:lnRef>
+          <a:fillRef idx="1">
+            <a:schemeClr val="accent1"/>
+          </a:fillRef>
+          <a:effectRef idx="0">
+            <a:schemeClr val="accent1"/>
+          </a:effectRef>
+          <a:fontRef idx="minor">
+            <a:schemeClr val="lt1"/>
+          </a:fontRef>
+        </p:style>
+        <p:txBody>
+          <a:bodyPr rtlCol="0" anchor="ctr"/>
+          <a:lstStyle/>
+          <a:p>
+            <a:pPr algn="ctr"/>
+            <a:r>
+              <a:rPr lang="zh-TW" altLang="en-US" sz="3000" dirty="0" smtClean="0">
+                <a:latin typeface="Source Code Pro" panose="020B0509030403020204" pitchFamily="49" charset="0"/>
+                <a:ea typeface="Noto Sans CJK TC Regular" panose="020B0500000000000000" pitchFamily="34" charset="-120"/>
+              </a:rPr>
+              <a:t>記憶池</a:t>
+            </a:r>
+            <a:endParaRPr lang="zh-TW" altLang="en-US" sz="3000" dirty="0">
+              <a:latin typeface="Source Code Pro" panose="020B0509030403020204" pitchFamily="49" charset="0"/>
+              <a:ea typeface="Noto Sans CJK TC Regular" panose="020B0500000000000000" pitchFamily="34" charset="-120"/>
+            </a:endParaRPr>
+          </a:p>
+        </p:txBody>
+      </p:sp>
+      <p:cxnSp>
+        <p:nvCxnSpPr>
+          <p:cNvPr id="6" name="直線單箭頭接點 5"/>
+          <p:cNvCxnSpPr>
+            <a:stCxn id="5" idx="1"/>
+            <a:endCxn id="10" idx="3"/>
+          </p:cNvCxnSpPr>
+          <p:nvPr/>
+        </p:nvCxnSpPr>
+        <p:spPr>
+          <a:xfrm flipH="1" flipV="1">
+            <a:off x="2514009" y="971261"/>
+            <a:ext cx="1912173" cy="30779"/>
+          </a:xfrm>
+          <a:prstGeom prst="straightConnector1">
+            <a:avLst/>
+          </a:prstGeom>
+          <a:ln w="127000">
+            <a:tailEnd type="triangle"/>
+          </a:ln>
+        </p:spPr>
+        <p:style>
+          <a:lnRef idx="1">
+            <a:schemeClr val="accent1"/>
+          </a:lnRef>
+          <a:fillRef idx="0">
+            <a:schemeClr val="accent1"/>
+          </a:fillRef>
+          <a:effectRef idx="0">
+            <a:schemeClr val="accent1"/>
+          </a:effectRef>
+          <a:fontRef idx="minor">
+            <a:schemeClr val="tx1"/>
+          </a:fontRef>
+        </p:style>
+      </p:cxnSp>
+      <p:cxnSp>
+        <p:nvCxnSpPr>
+          <p:cNvPr id="8" name="直線單箭頭接點 7"/>
+          <p:cNvCxnSpPr>
+            <a:stCxn id="10" idx="2"/>
+            <a:endCxn id="3" idx="0"/>
+          </p:cNvCxnSpPr>
+          <p:nvPr/>
+        </p:nvCxnSpPr>
+        <p:spPr>
+          <a:xfrm>
+            <a:off x="1913646" y="1232871"/>
+            <a:ext cx="1" cy="1202690"/>
+          </a:xfrm>
+          <a:prstGeom prst="straightConnector1">
+            <a:avLst/>
+          </a:prstGeom>
+          <a:ln w="127000">
+            <a:tailEnd type="triangle"/>
+          </a:ln>
+        </p:spPr>
+        <p:style>
+          <a:lnRef idx="1">
+            <a:schemeClr val="accent1"/>
+          </a:lnRef>
+          <a:fillRef idx="0">
+            <a:schemeClr val="accent1"/>
+          </a:fillRef>
+          <a:effectRef idx="0">
+            <a:schemeClr val="accent1"/>
+          </a:effectRef>
+          <a:fontRef idx="minor">
+            <a:schemeClr val="tx1"/>
+          </a:fontRef>
+        </p:style>
+      </p:cxnSp>
+      <mc:AlternateContent xmlns:mc="http://schemas.openxmlformats.org/markup-compatibility/2006">
+        <mc:Choice xmlns:a14="http://schemas.microsoft.com/office/drawing/2010/main" Requires="a14">
+          <p:sp>
+            <p:nvSpPr>
+              <p:cNvPr id="10" name="文字方塊 9"/>
+              <p:cNvSpPr txBox="1"/>
+              <p:nvPr/>
+            </p:nvSpPr>
+            <p:spPr>
+              <a:xfrm>
+                <a:off x="1313282" y="709651"/>
+                <a:ext cx="1200727" cy="523220"/>
+              </a:xfrm>
+              <a:prstGeom prst="rect">
+                <a:avLst/>
+              </a:prstGeom>
+              <a:noFill/>
+              <a:ln w="38100">
+                <a:solidFill>
+                  <a:schemeClr val="accent4">
+                    <a:lumMod val="60000"/>
+                    <a:lumOff val="40000"/>
+                  </a:schemeClr>
+                </a:solidFill>
+              </a:ln>
+            </p:spPr>
+            <p:txBody>
+              <a:bodyPr wrap="square" rtlCol="0">
+                <a:spAutoFit/>
+              </a:bodyPr>
+              <a:lstStyle/>
+              <a:p>
+                <a:pPr algn="just"/>
+                <a14:m>
+                  <m:oMathPara xmlns:m="http://schemas.openxmlformats.org/officeDocument/2006/math">
+                    <m:oMathParaPr>
+                      <m:jc m:val="center"/>
+                    </m:oMathParaPr>
+                    <m:oMath xmlns:m="http://schemas.openxmlformats.org/officeDocument/2006/math">
+                      <m:sSub>
+                        <m:sSubPr>
+                          <m:ctrlPr>
+                            <a:rPr lang="en-US" altLang="zh-TW" sz="2800" i="1" dirty="0">
+                              <a:solidFill>
+                                <a:schemeClr val="bg1"/>
+                              </a:solidFill>
+                              <a:latin typeface="Cambria Math" panose="02040503050406030204" pitchFamily="18" charset="0"/>
+                              <a:ea typeface="Noto Sans CJK TC Regular" panose="020B0500000000000000" pitchFamily="34" charset="-120"/>
+                            </a:rPr>
+                          </m:ctrlPr>
+                        </m:sSubPr>
+                        <m:e>
+                          <m:r>
+                            <m:rPr>
+                              <m:nor/>
+                            </m:rPr>
+                            <a:rPr lang="en-US" altLang="zh-TW" sz="2800" dirty="0">
+                              <a:solidFill>
+                                <a:schemeClr val="bg1"/>
+                              </a:solidFill>
+                              <a:latin typeface="Source Code Pro" panose="020B0509030403020204" pitchFamily="49" charset="0"/>
+                              <a:ea typeface="Noto Sans CJK TC Regular" panose="020B0500000000000000" pitchFamily="34" charset="-120"/>
+                            </a:rPr>
+                            <m:t>S</m:t>
+                          </m:r>
+                        </m:e>
+                        <m:sub>
+                          <m:r>
+                            <a:rPr lang="en-US" altLang="zh-TW" sz="2800" i="1" dirty="0">
+                              <a:solidFill>
+                                <a:schemeClr val="bg1"/>
+                              </a:solidFill>
+                              <a:latin typeface="Cambria Math" panose="02040503050406030204" pitchFamily="18" charset="0"/>
+                              <a:ea typeface="Noto Sans CJK TC Regular" panose="020B0500000000000000" pitchFamily="34" charset="-120"/>
+                            </a:rPr>
+                            <m:t>𝑛𝑒𝑥𝑡</m:t>
+                          </m:r>
+                        </m:sub>
+                      </m:sSub>
+                    </m:oMath>
+                  </m:oMathPara>
+                </a14:m>
+                <a:endParaRPr lang="zh-TW" altLang="en-US" sz="2800" dirty="0">
+                  <a:solidFill>
+                    <a:schemeClr val="bg1"/>
+                  </a:solidFill>
+                  <a:latin typeface="Source Code Pro" panose="020B0509030403020204" pitchFamily="49" charset="0"/>
+                  <a:ea typeface="Noto Sans CJK TC Regular" panose="020B0500000000000000" pitchFamily="34" charset="-120"/>
+                </a:endParaRPr>
+              </a:p>
+            </p:txBody>
+          </p:sp>
+        </mc:Choice>
+        <mc:Fallback>
+          <p:sp>
+            <p:nvSpPr>
+              <p:cNvPr id="10" name="文字方塊 9"/>
+              <p:cNvSpPr txBox="1">
+                <a:spLocks noRot="1" noChangeAspect="1" noMove="1" noResize="1" noEditPoints="1" noAdjustHandles="1" noChangeArrowheads="1" noChangeShapeType="1" noTextEdit="1"/>
+              </p:cNvSpPr>
+              <p:nvPr/>
+            </p:nvSpPr>
+            <p:spPr>
+              <a:xfrm>
+                <a:off x="1313282" y="709651"/>
+                <a:ext cx="1200727" cy="523220"/>
+              </a:xfrm>
+              <a:prstGeom prst="rect">
+                <a:avLst/>
+              </a:prstGeom>
+              <a:blipFill>
+                <a:blip r:embed="rId2"/>
+                <a:stretch>
+                  <a:fillRect/>
+                </a:stretch>
+              </a:blipFill>
+              <a:ln w="38100">
+                <a:solidFill>
+                  <a:schemeClr val="accent4">
+                    <a:lumMod val="60000"/>
+                    <a:lumOff val="40000"/>
+                  </a:schemeClr>
+                </a:solidFill>
+              </a:ln>
+            </p:spPr>
+            <p:txBody>
+              <a:bodyPr/>
+              <a:lstStyle/>
+              <a:p>
+                <a:r>
+                  <a:rPr lang="zh-TW" altLang="en-US">
+                    <a:noFill/>
+                  </a:rPr>
+                  <a:t> </a:t>
+                </a:r>
+              </a:p>
+            </p:txBody>
+          </p:sp>
+        </mc:Fallback>
+      </mc:AlternateContent>
+      <p:cxnSp>
+        <p:nvCxnSpPr>
+          <p:cNvPr id="12" name="直線單箭頭接點 11"/>
+          <p:cNvCxnSpPr>
+            <a:stCxn id="3" idx="2"/>
+            <a:endCxn id="14" idx="0"/>
+          </p:cNvCxnSpPr>
+          <p:nvPr/>
+        </p:nvCxnSpPr>
+        <p:spPr>
+          <a:xfrm flipH="1">
+            <a:off x="1913646" y="3802543"/>
+            <a:ext cx="1" cy="848747"/>
+          </a:xfrm>
+          <a:prstGeom prst="straightConnector1">
+            <a:avLst/>
+          </a:prstGeom>
+          <a:ln w="127000">
+            <a:tailEnd type="triangle"/>
+          </a:ln>
+        </p:spPr>
+        <p:style>
+          <a:lnRef idx="1">
+            <a:schemeClr val="accent1"/>
+          </a:lnRef>
+          <a:fillRef idx="0">
+            <a:schemeClr val="accent1"/>
+          </a:fillRef>
+          <a:effectRef idx="0">
+            <a:schemeClr val="accent1"/>
+          </a:effectRef>
+          <a:fontRef idx="minor">
+            <a:schemeClr val="tx1"/>
+          </a:fontRef>
+        </p:style>
+      </p:cxnSp>
+      <p:cxnSp>
+        <p:nvCxnSpPr>
+          <p:cNvPr id="13" name="直線單箭頭接點 12"/>
+          <p:cNvCxnSpPr>
+            <a:stCxn id="14" idx="2"/>
+            <a:endCxn id="15" idx="0"/>
+          </p:cNvCxnSpPr>
+          <p:nvPr/>
+        </p:nvCxnSpPr>
+        <p:spPr>
+          <a:xfrm>
+            <a:off x="1913646" y="5174510"/>
+            <a:ext cx="0" cy="648691"/>
+          </a:xfrm>
+          <a:prstGeom prst="straightConnector1">
+            <a:avLst/>
+          </a:prstGeom>
+          <a:ln w="127000">
+            <a:solidFill>
+              <a:srgbClr val="D60093"/>
+            </a:solidFill>
+            <a:tailEnd type="triangle"/>
+          </a:ln>
+        </p:spPr>
+        <p:style>
+          <a:lnRef idx="1">
+            <a:schemeClr val="accent1"/>
+          </a:lnRef>
+          <a:fillRef idx="0">
+            <a:schemeClr val="accent1"/>
+          </a:fillRef>
+          <a:effectRef idx="0">
+            <a:schemeClr val="accent1"/>
+          </a:effectRef>
+          <a:fontRef idx="minor">
+            <a:schemeClr val="tx1"/>
+          </a:fontRef>
+        </p:style>
+      </p:cxnSp>
+      <p:sp>
+        <p:nvSpPr>
+          <p:cNvPr id="14" name="文字方塊 13"/>
+          <p:cNvSpPr txBox="1"/>
+          <p:nvPr/>
+        </p:nvSpPr>
+        <p:spPr>
+          <a:xfrm>
+            <a:off x="575959" y="4651290"/>
+            <a:ext cx="2675374" cy="523220"/>
+          </a:xfrm>
+          <a:prstGeom prst="rect">
+            <a:avLst/>
+          </a:prstGeom>
+          <a:noFill/>
+          <a:ln w="38100">
+            <a:solidFill>
+              <a:schemeClr val="accent4">
+                <a:lumMod val="60000"/>
+                <a:lumOff val="40000"/>
+              </a:schemeClr>
+            </a:solidFill>
+          </a:ln>
+        </p:spPr>
+        <p:txBody>
+          <a:bodyPr wrap="square" rtlCol="0">
+            <a:spAutoFit/>
+          </a:bodyPr>
+          <a:lstStyle/>
+          <a:p>
+            <a:pPr algn="ctr"/>
+            <a:r>
+              <a:rPr lang="zh-TW" altLang="en-US" sz="2800" dirty="0">
+                <a:solidFill>
+                  <a:schemeClr val="bg1"/>
+                </a:solidFill>
+                <a:latin typeface="Source Code Pro" panose="020B0509030403020204" pitchFamily="49" charset="0"/>
+                <a:ea typeface="Noto Sans CJK TC Regular" panose="020B0500000000000000" pitchFamily="34" charset="-120"/>
+              </a:rPr>
+              <a:t>每個動作的</a:t>
+            </a:r>
+            <a:r>
+              <a:rPr lang="zh-TW" altLang="en-US" sz="2800" dirty="0" smtClean="0">
+                <a:solidFill>
+                  <a:schemeClr val="bg1"/>
+                </a:solidFill>
+                <a:latin typeface="Source Code Pro" panose="020B0509030403020204" pitchFamily="49" charset="0"/>
+                <a:ea typeface="Noto Sans CJK TC Regular" panose="020B0500000000000000" pitchFamily="34" charset="-120"/>
+              </a:rPr>
+              <a:t>價值</a:t>
+            </a:r>
+            <a:endParaRPr lang="zh-TW" altLang="en-US" sz="2800" dirty="0">
+              <a:solidFill>
+                <a:schemeClr val="bg1"/>
+              </a:solidFill>
+              <a:latin typeface="Source Code Pro" panose="020B0509030403020204" pitchFamily="49" charset="0"/>
+              <a:ea typeface="Noto Sans CJK TC Regular" panose="020B0500000000000000" pitchFamily="34" charset="-120"/>
+            </a:endParaRPr>
+          </a:p>
+        </p:txBody>
+      </p:sp>
+      <p:sp>
+        <p:nvSpPr>
+          <p:cNvPr id="15" name="文字方塊 14"/>
+          <p:cNvSpPr txBox="1"/>
+          <p:nvPr/>
+        </p:nvSpPr>
+        <p:spPr>
+          <a:xfrm>
+            <a:off x="535332" y="5823201"/>
+            <a:ext cx="2756628" cy="523220"/>
+          </a:xfrm>
+          <a:prstGeom prst="rect">
+            <a:avLst/>
+          </a:prstGeom>
+          <a:noFill/>
+          <a:ln w="38100">
+            <a:solidFill>
+              <a:srgbClr val="D60093"/>
+            </a:solidFill>
+          </a:ln>
+        </p:spPr>
+        <p:txBody>
+          <a:bodyPr wrap="square" rtlCol="0">
+            <a:spAutoFit/>
+          </a:bodyPr>
+          <a:lstStyle/>
+          <a:p>
+            <a:pPr algn="ctr"/>
+            <a:r>
+              <a:rPr lang="zh-TW" altLang="en-US" sz="2800" dirty="0" smtClean="0">
+                <a:solidFill>
+                  <a:schemeClr val="bg1"/>
+                </a:solidFill>
+                <a:latin typeface="Source Code Pro" panose="020B0509030403020204" pitchFamily="49" charset="0"/>
+                <a:ea typeface="Noto Sans CJK TC Regular" panose="020B0500000000000000" pitchFamily="34" charset="-120"/>
+              </a:rPr>
+              <a:t>取出最大的價值</a:t>
+            </a:r>
+            <a:endParaRPr lang="zh-TW" altLang="en-US" sz="2800" dirty="0">
+              <a:solidFill>
+                <a:schemeClr val="bg1"/>
+              </a:solidFill>
+              <a:latin typeface="Source Code Pro" panose="020B0509030403020204" pitchFamily="49" charset="0"/>
+              <a:ea typeface="Noto Sans CJK TC Regular" panose="020B0500000000000000" pitchFamily="34" charset="-120"/>
+            </a:endParaRPr>
+          </a:p>
+        </p:txBody>
+      </p:sp>
+      <p:cxnSp>
+        <p:nvCxnSpPr>
+          <p:cNvPr id="16" name="直線單箭頭接點 15"/>
+          <p:cNvCxnSpPr>
+            <a:stCxn id="5" idx="2"/>
+            <a:endCxn id="17" idx="0"/>
+          </p:cNvCxnSpPr>
+          <p:nvPr/>
+        </p:nvCxnSpPr>
+        <p:spPr>
+          <a:xfrm flipH="1">
+            <a:off x="5387197" y="1639482"/>
+            <a:ext cx="1" cy="588024"/>
+          </a:xfrm>
+          <a:prstGeom prst="straightConnector1">
+            <a:avLst/>
+          </a:prstGeom>
+          <a:ln w="127000">
+            <a:tailEnd type="triangle"/>
+          </a:ln>
+        </p:spPr>
+        <p:style>
+          <a:lnRef idx="1">
+            <a:schemeClr val="accent1"/>
+          </a:lnRef>
+          <a:fillRef idx="0">
+            <a:schemeClr val="accent1"/>
+          </a:fillRef>
+          <a:effectRef idx="0">
+            <a:schemeClr val="accent1"/>
+          </a:effectRef>
+          <a:fontRef idx="minor">
+            <a:schemeClr val="tx1"/>
+          </a:fontRef>
+        </p:style>
+      </p:cxnSp>
+      <mc:AlternateContent xmlns:mc="http://schemas.openxmlformats.org/markup-compatibility/2006">
+        <mc:Choice xmlns:a14="http://schemas.microsoft.com/office/drawing/2010/main" Requires="a14">
+          <p:sp>
+            <p:nvSpPr>
+              <p:cNvPr id="17" name="文字方塊 16"/>
+              <p:cNvSpPr txBox="1"/>
+              <p:nvPr/>
+            </p:nvSpPr>
+            <p:spPr>
+              <a:xfrm>
+                <a:off x="4643582" y="2227506"/>
+                <a:ext cx="1487229" cy="523220"/>
+              </a:xfrm>
+              <a:prstGeom prst="rect">
+                <a:avLst/>
+              </a:prstGeom>
+              <a:noFill/>
+              <a:ln w="38100">
+                <a:solidFill>
+                  <a:schemeClr val="accent4">
+                    <a:lumMod val="60000"/>
+                    <a:lumOff val="40000"/>
+                  </a:schemeClr>
+                </a:solidFill>
+              </a:ln>
+            </p:spPr>
+            <p:txBody>
+              <a:bodyPr wrap="square" rtlCol="0">
+                <a:spAutoFit/>
+              </a:bodyPr>
+              <a:lstStyle/>
+              <a:p>
+                <a:pPr algn="ctr"/>
+                <a14:m>
+                  <m:oMathPara xmlns:m="http://schemas.openxmlformats.org/officeDocument/2006/math">
+                    <m:oMathParaPr>
+                      <m:jc m:val="right"/>
+                    </m:oMathParaPr>
+                    <m:oMath xmlns:m="http://schemas.openxmlformats.org/officeDocument/2006/math">
+                      <m:r>
+                        <a:rPr lang="en-US" altLang="zh-TW" sz="2800" i="1" dirty="0">
+                          <a:solidFill>
+                            <a:schemeClr val="bg1"/>
+                          </a:solidFill>
+                          <a:latin typeface="Cambria Math" panose="02040503050406030204" pitchFamily="18" charset="0"/>
+                          <a:ea typeface="Noto Sans CJK TC Regular" panose="020B0500000000000000" pitchFamily="34" charset="-120"/>
+                        </a:rPr>
+                        <m:t>𝑅𝑒𝑤𝑎𝑟𝑑</m:t>
+                      </m:r>
+                    </m:oMath>
+                  </m:oMathPara>
+                </a14:m>
+                <a:endParaRPr lang="zh-TW" altLang="en-US" sz="2800" dirty="0">
+                  <a:solidFill>
+                    <a:schemeClr val="bg1"/>
+                  </a:solidFill>
+                  <a:latin typeface="Source Code Pro" panose="020B0509030403020204" pitchFamily="49" charset="0"/>
+                  <a:ea typeface="Noto Sans CJK TC Regular" panose="020B0500000000000000" pitchFamily="34" charset="-120"/>
+                </a:endParaRPr>
+              </a:p>
+            </p:txBody>
+          </p:sp>
+        </mc:Choice>
+        <mc:Fallback>
+          <p:sp>
+            <p:nvSpPr>
+              <p:cNvPr id="17" name="文字方塊 16"/>
+              <p:cNvSpPr txBox="1">
+                <a:spLocks noRot="1" noChangeAspect="1" noMove="1" noResize="1" noEditPoints="1" noAdjustHandles="1" noChangeArrowheads="1" noChangeShapeType="1" noTextEdit="1"/>
+              </p:cNvSpPr>
+              <p:nvPr/>
+            </p:nvSpPr>
+            <p:spPr>
+              <a:xfrm>
+                <a:off x="4643582" y="2227506"/>
+                <a:ext cx="1487229" cy="523220"/>
+              </a:xfrm>
+              <a:prstGeom prst="rect">
+                <a:avLst/>
+              </a:prstGeom>
+              <a:blipFill>
+                <a:blip r:embed="rId3"/>
+                <a:stretch>
+                  <a:fillRect/>
+                </a:stretch>
+              </a:blipFill>
+              <a:ln w="38100">
+                <a:solidFill>
+                  <a:schemeClr val="accent4">
+                    <a:lumMod val="60000"/>
+                    <a:lumOff val="40000"/>
+                  </a:schemeClr>
+                </a:solidFill>
+              </a:ln>
+            </p:spPr>
+            <p:txBody>
+              <a:bodyPr/>
+              <a:lstStyle/>
+              <a:p>
+                <a:r>
+                  <a:rPr lang="zh-TW" altLang="en-US">
+                    <a:noFill/>
+                  </a:rPr>
+                  <a:t> </a:t>
+                </a:r>
+              </a:p>
+            </p:txBody>
+          </p:sp>
+        </mc:Fallback>
+      </mc:AlternateContent>
+      <p:cxnSp>
+        <p:nvCxnSpPr>
+          <p:cNvPr id="18" name="直線單箭頭接點 17"/>
+          <p:cNvCxnSpPr>
+            <a:stCxn id="15" idx="3"/>
+            <a:endCxn id="20" idx="1"/>
+          </p:cNvCxnSpPr>
+          <p:nvPr/>
+        </p:nvCxnSpPr>
+        <p:spPr>
+          <a:xfrm>
+            <a:off x="3291960" y="6084811"/>
+            <a:ext cx="1237077" cy="2245"/>
+          </a:xfrm>
+          <a:prstGeom prst="straightConnector1">
+            <a:avLst/>
+          </a:prstGeom>
+          <a:ln w="127000">
+            <a:solidFill>
+              <a:srgbClr val="D60093"/>
+            </a:solidFill>
+            <a:tailEnd type="triangle"/>
+          </a:ln>
+        </p:spPr>
+        <p:style>
+          <a:lnRef idx="1">
+            <a:schemeClr val="accent1"/>
+          </a:lnRef>
+          <a:fillRef idx="0">
+            <a:schemeClr val="accent1"/>
+          </a:fillRef>
+          <a:effectRef idx="0">
+            <a:schemeClr val="accent1"/>
+          </a:effectRef>
+          <a:fontRef idx="minor">
+            <a:schemeClr val="tx1"/>
+          </a:fontRef>
+        </p:style>
+      </p:cxnSp>
+      <p:cxnSp>
+        <p:nvCxnSpPr>
+          <p:cNvPr id="19" name="直線單箭頭接點 18"/>
+          <p:cNvCxnSpPr>
+            <a:stCxn id="17" idx="2"/>
+            <a:endCxn id="22" idx="0"/>
+          </p:cNvCxnSpPr>
+          <p:nvPr/>
+        </p:nvCxnSpPr>
+        <p:spPr>
+          <a:xfrm flipH="1">
+            <a:off x="5378407" y="2750726"/>
+            <a:ext cx="8790" cy="1896075"/>
+          </a:xfrm>
+          <a:prstGeom prst="straightConnector1">
+            <a:avLst/>
+          </a:prstGeom>
+          <a:ln w="127000">
+            <a:solidFill>
+              <a:srgbClr val="D60093"/>
+            </a:solidFill>
+            <a:tailEnd type="triangle"/>
+          </a:ln>
+        </p:spPr>
+        <p:style>
+          <a:lnRef idx="1">
+            <a:schemeClr val="accent1"/>
+          </a:lnRef>
+          <a:fillRef idx="0">
+            <a:schemeClr val="accent1"/>
+          </a:fillRef>
+          <a:effectRef idx="0">
+            <a:schemeClr val="accent1"/>
+          </a:effectRef>
+          <a:fontRef idx="minor">
+            <a:schemeClr val="tx1"/>
+          </a:fontRef>
+        </p:style>
+      </p:cxnSp>
+      <mc:AlternateContent xmlns:mc="http://schemas.openxmlformats.org/markup-compatibility/2006">
+        <mc:Choice xmlns:a14="http://schemas.microsoft.com/office/drawing/2010/main" Requires="a14">
+          <p:sp>
+            <p:nvSpPr>
+              <p:cNvPr id="20" name="文字方塊 19"/>
+              <p:cNvSpPr txBox="1"/>
+              <p:nvPr/>
+            </p:nvSpPr>
+            <p:spPr>
+              <a:xfrm>
+                <a:off x="4529037" y="5823201"/>
+                <a:ext cx="1716321" cy="527709"/>
+              </a:xfrm>
+              <a:prstGeom prst="rect">
+                <a:avLst/>
+              </a:prstGeom>
+              <a:noFill/>
+              <a:ln w="38100">
+                <a:solidFill>
+                  <a:srgbClr val="D60093"/>
+                </a:solidFill>
+              </a:ln>
+            </p:spPr>
+            <p:txBody>
+              <a:bodyPr wrap="square" rtlCol="0">
+                <a:spAutoFit/>
+              </a:bodyPr>
+              <a:lstStyle/>
+              <a:p>
+                <a:pPr algn="ctr"/>
+                <a14:m>
+                  <m:oMathPara xmlns:m="http://schemas.openxmlformats.org/officeDocument/2006/math">
+                    <m:oMathParaPr>
+                      <m:jc m:val="right"/>
+                    </m:oMathParaPr>
+                    <m:oMath xmlns:m="http://schemas.openxmlformats.org/officeDocument/2006/math">
+                      <m:r>
+                        <a:rPr lang="en-US" altLang="zh-TW" sz="2800" i="1" smtClean="0">
+                          <a:solidFill>
+                            <a:schemeClr val="bg1"/>
+                          </a:solidFill>
+                          <a:latin typeface="Cambria Math" panose="02040503050406030204" pitchFamily="18" charset="0"/>
+                          <a:ea typeface="Cambria Math" panose="02040503050406030204" pitchFamily="18" charset="0"/>
+                        </a:rPr>
+                        <m:t>×</m:t>
+                      </m:r>
+                      <m:r>
+                        <a:rPr lang="en-US" altLang="zh-TW" sz="2800" b="0" i="1" smtClean="0">
+                          <a:solidFill>
+                            <a:schemeClr val="bg1"/>
+                          </a:solidFill>
+                          <a:latin typeface="Cambria Math" panose="02040503050406030204" pitchFamily="18" charset="0"/>
+                          <a:ea typeface="Cambria Math" panose="02040503050406030204" pitchFamily="18" charset="0"/>
+                        </a:rPr>
+                        <m:t>𝑔𝑎𝑚𝑚𝑎</m:t>
+                      </m:r>
+                    </m:oMath>
+                  </m:oMathPara>
+                </a14:m>
+                <a:endParaRPr lang="zh-TW" altLang="en-US" sz="2800" dirty="0">
+                  <a:solidFill>
+                    <a:schemeClr val="bg1"/>
+                  </a:solidFill>
+                  <a:latin typeface="Source Code Pro" panose="020B0509030403020204" pitchFamily="49" charset="0"/>
+                  <a:ea typeface="Noto Sans CJK TC Regular" panose="020B0500000000000000" pitchFamily="34" charset="-120"/>
+                </a:endParaRPr>
+              </a:p>
+            </p:txBody>
+          </p:sp>
+        </mc:Choice>
+        <mc:Fallback>
+          <p:sp>
+            <p:nvSpPr>
+              <p:cNvPr id="20" name="文字方塊 19"/>
+              <p:cNvSpPr txBox="1">
+                <a:spLocks noRot="1" noChangeAspect="1" noMove="1" noResize="1" noEditPoints="1" noAdjustHandles="1" noChangeArrowheads="1" noChangeShapeType="1" noTextEdit="1"/>
+              </p:cNvSpPr>
+              <p:nvPr/>
+            </p:nvSpPr>
+            <p:spPr>
+              <a:xfrm>
+                <a:off x="4529037" y="5823201"/>
+                <a:ext cx="1716321" cy="527709"/>
+              </a:xfrm>
+              <a:prstGeom prst="rect">
+                <a:avLst/>
+              </a:prstGeom>
+              <a:blipFill>
+                <a:blip r:embed="rId4"/>
+                <a:stretch>
+                  <a:fillRect/>
+                </a:stretch>
+              </a:blipFill>
+              <a:ln w="38100">
+                <a:solidFill>
+                  <a:srgbClr val="D60093"/>
+                </a:solidFill>
+              </a:ln>
+            </p:spPr>
+            <p:txBody>
+              <a:bodyPr/>
+              <a:lstStyle/>
+              <a:p>
+                <a:r>
+                  <a:rPr lang="zh-TW" altLang="en-US">
+                    <a:noFill/>
+                  </a:rPr>
+                  <a:t> </a:t>
+                </a:r>
+              </a:p>
+            </p:txBody>
+          </p:sp>
+        </mc:Fallback>
+      </mc:AlternateContent>
+      <p:cxnSp>
+        <p:nvCxnSpPr>
+          <p:cNvPr id="21" name="直線單箭頭接點 20"/>
+          <p:cNvCxnSpPr>
+            <a:stCxn id="20" idx="0"/>
+            <a:endCxn id="22" idx="2"/>
+          </p:cNvCxnSpPr>
+          <p:nvPr/>
+        </p:nvCxnSpPr>
+        <p:spPr>
+          <a:xfrm flipH="1" flipV="1">
+            <a:off x="5378407" y="5174510"/>
+            <a:ext cx="8791" cy="648691"/>
+          </a:xfrm>
+          <a:prstGeom prst="straightConnector1">
+            <a:avLst/>
+          </a:prstGeom>
+          <a:ln w="127000">
+            <a:solidFill>
+              <a:srgbClr val="D60093"/>
+            </a:solidFill>
+            <a:tailEnd type="triangle"/>
+          </a:ln>
+        </p:spPr>
+        <p:style>
+          <a:lnRef idx="1">
+            <a:schemeClr val="accent1"/>
+          </a:lnRef>
+          <a:fillRef idx="0">
+            <a:schemeClr val="accent1"/>
+          </a:fillRef>
+          <a:effectRef idx="0">
+            <a:schemeClr val="accent1"/>
+          </a:effectRef>
+          <a:fontRef idx="minor">
+            <a:schemeClr val="tx1"/>
+          </a:fontRef>
+        </p:style>
+      </p:cxnSp>
+      <mc:AlternateContent xmlns:mc="http://schemas.openxmlformats.org/markup-compatibility/2006">
+        <mc:Choice xmlns:a14="http://schemas.microsoft.com/office/drawing/2010/main" Requires="a14">
+          <p:sp>
+            <p:nvSpPr>
+              <p:cNvPr id="22" name="文字方塊 21"/>
+              <p:cNvSpPr txBox="1"/>
+              <p:nvPr/>
+            </p:nvSpPr>
+            <p:spPr>
+              <a:xfrm>
+                <a:off x="5150057" y="4646801"/>
+                <a:ext cx="456700" cy="527709"/>
+              </a:xfrm>
+              <a:prstGeom prst="rect">
+                <a:avLst/>
+              </a:prstGeom>
+              <a:noFill/>
+              <a:ln w="38100">
+                <a:solidFill>
+                  <a:srgbClr val="D60093"/>
+                </a:solidFill>
+              </a:ln>
+            </p:spPr>
+            <p:txBody>
+              <a:bodyPr wrap="square" rtlCol="0">
+                <a:spAutoFit/>
+              </a:bodyPr>
+              <a:lstStyle/>
+              <a:p>
+                <a:pPr algn="ctr"/>
+                <a14:m>
+                  <m:oMathPara xmlns:m="http://schemas.openxmlformats.org/officeDocument/2006/math">
+                    <m:oMathParaPr>
+                      <m:jc m:val="left"/>
+                    </m:oMathParaPr>
+                    <m:oMath xmlns:m="http://schemas.openxmlformats.org/officeDocument/2006/math">
+                      <m:r>
+                        <a:rPr lang="en-US" altLang="zh-TW" sz="2800" b="0" i="1" smtClean="0">
+                          <a:solidFill>
+                            <a:schemeClr val="bg1"/>
+                          </a:solidFill>
+                          <a:latin typeface="Cambria Math" panose="02040503050406030204" pitchFamily="18" charset="0"/>
+                          <a:ea typeface="Cambria Math" panose="02040503050406030204" pitchFamily="18" charset="0"/>
+                        </a:rPr>
+                        <m:t>+</m:t>
+                      </m:r>
+                    </m:oMath>
+                  </m:oMathPara>
+                </a14:m>
+                <a:endParaRPr lang="zh-TW" altLang="en-US" sz="2800" dirty="0">
+                  <a:solidFill>
+                    <a:schemeClr val="bg1"/>
+                  </a:solidFill>
+                  <a:latin typeface="Source Code Pro" panose="020B0509030403020204" pitchFamily="49" charset="0"/>
+                  <a:ea typeface="Noto Sans CJK TC Regular" panose="020B0500000000000000" pitchFamily="34" charset="-120"/>
+                </a:endParaRPr>
+              </a:p>
+            </p:txBody>
+          </p:sp>
+        </mc:Choice>
+        <mc:Fallback>
+          <p:sp>
+            <p:nvSpPr>
+              <p:cNvPr id="22" name="文字方塊 21"/>
+              <p:cNvSpPr txBox="1">
+                <a:spLocks noRot="1" noChangeAspect="1" noMove="1" noResize="1" noEditPoints="1" noAdjustHandles="1" noChangeArrowheads="1" noChangeShapeType="1" noTextEdit="1"/>
+              </p:cNvSpPr>
+              <p:nvPr/>
+            </p:nvSpPr>
+            <p:spPr>
+              <a:xfrm>
+                <a:off x="5150057" y="4646801"/>
+                <a:ext cx="456700" cy="527709"/>
+              </a:xfrm>
+              <a:prstGeom prst="rect">
+                <a:avLst/>
+              </a:prstGeom>
+              <a:blipFill>
+                <a:blip r:embed="rId5"/>
+                <a:stretch>
+                  <a:fillRect/>
+                </a:stretch>
+              </a:blipFill>
+              <a:ln w="38100">
+                <a:solidFill>
+                  <a:srgbClr val="D60093"/>
+                </a:solidFill>
+              </a:ln>
+            </p:spPr>
+            <p:txBody>
+              <a:bodyPr/>
+              <a:lstStyle/>
+              <a:p>
+                <a:r>
+                  <a:rPr lang="zh-TW" altLang="en-US">
+                    <a:noFill/>
+                  </a:rPr>
+                  <a:t> </a:t>
+                </a:r>
+              </a:p>
+            </p:txBody>
+          </p:sp>
+        </mc:Fallback>
+      </mc:AlternateContent>
+      <p:sp>
+        <p:nvSpPr>
+          <p:cNvPr id="35" name="文字方塊 34"/>
+          <p:cNvSpPr txBox="1"/>
+          <p:nvPr/>
+        </p:nvSpPr>
+        <p:spPr>
+          <a:xfrm>
+            <a:off x="6716093" y="4646801"/>
+            <a:ext cx="1762889" cy="523220"/>
+          </a:xfrm>
+          <a:prstGeom prst="rect">
+            <a:avLst/>
+          </a:prstGeom>
+          <a:noFill/>
+          <a:ln w="38100">
+            <a:solidFill>
+              <a:schemeClr val="accent4">
+                <a:lumMod val="60000"/>
+                <a:lumOff val="40000"/>
+              </a:schemeClr>
+            </a:solidFill>
+          </a:ln>
+        </p:spPr>
+        <p:txBody>
+          <a:bodyPr wrap="square" rtlCol="0">
+            <a:spAutoFit/>
+          </a:bodyPr>
+          <a:lstStyle/>
+          <a:p>
+            <a:pPr algn="ctr"/>
+            <a:r>
+              <a:rPr lang="zh-TW" altLang="en-US" sz="2800" dirty="0" smtClean="0">
+                <a:solidFill>
+                  <a:schemeClr val="bg1"/>
+                </a:solidFill>
+                <a:latin typeface="Source Code Pro" panose="020B0509030403020204" pitchFamily="49" charset="0"/>
+                <a:ea typeface="Noto Sans CJK TC Regular" panose="020B0500000000000000" pitchFamily="34" charset="-120"/>
+              </a:rPr>
+              <a:t>目標價值</a:t>
+            </a:r>
+            <a:endParaRPr lang="zh-TW" altLang="en-US" sz="2800" dirty="0">
+              <a:solidFill>
+                <a:schemeClr val="bg1"/>
+              </a:solidFill>
+              <a:latin typeface="Source Code Pro" panose="020B0509030403020204" pitchFamily="49" charset="0"/>
+              <a:ea typeface="Noto Sans CJK TC Regular" panose="020B0500000000000000" pitchFamily="34" charset="-120"/>
+            </a:endParaRPr>
+          </a:p>
+        </p:txBody>
+      </p:sp>
+      <p:cxnSp>
+        <p:nvCxnSpPr>
+          <p:cNvPr id="37" name="直線單箭頭接點 36"/>
+          <p:cNvCxnSpPr>
+            <a:stCxn id="22" idx="3"/>
+          </p:cNvCxnSpPr>
+          <p:nvPr/>
+        </p:nvCxnSpPr>
+        <p:spPr>
+          <a:xfrm flipV="1">
+            <a:off x="5606757" y="4910655"/>
+            <a:ext cx="1109336" cy="1"/>
+          </a:xfrm>
+          <a:prstGeom prst="straightConnector1">
+            <a:avLst/>
+          </a:prstGeom>
+          <a:ln w="127000">
+            <a:tailEnd type="triangle"/>
+          </a:ln>
+        </p:spPr>
+        <p:style>
+          <a:lnRef idx="1">
+            <a:schemeClr val="accent1"/>
+          </a:lnRef>
+          <a:fillRef idx="0">
+            <a:schemeClr val="accent1"/>
+          </a:fillRef>
+          <a:effectRef idx="0">
+            <a:schemeClr val="accent1"/>
+          </a:effectRef>
+          <a:fontRef idx="minor">
+            <a:schemeClr val="tx1"/>
+          </a:fontRef>
+        </p:style>
+      </p:cxnSp>
+    </p:spTree>
+    <p:extLst>
+      <p:ext uri="{BB962C8B-B14F-4D97-AF65-F5344CB8AC3E}">
+        <p14:creationId xmlns:p14="http://schemas.microsoft.com/office/powerpoint/2010/main" val="2111365373"/>
+      </p:ext>
+    </p:extLst>
+  </p:cSld>
+  <p:clrMapOvr>
+    <a:masterClrMapping/>
+  </p:clrMapOvr>
+</p:sld>
+</file>
+
+<file path=ppt/slides/slide4.xml><?xml version="1.0" encoding="utf-8"?>
+<p:sld xmlns:a="http://schemas.openxmlformats.org/drawingml/2006/main" xmlns:r="http://schemas.openxmlformats.org/officeDocument/2006/relationships" xmlns:p="http://schemas.openxmlformats.org/presentationml/2006/main">
+  <p:cSld>
+    <p:bg>
+      <p:bgPr>
+        <a:solidFill>
+          <a:schemeClr val="tx1">
+            <a:lumMod val="85000"/>
+            <a:lumOff val="15000"/>
+          </a:schemeClr>
+        </a:solidFill>
+        <a:effectLst/>
+      </p:bgPr>
+    </p:bg>
+    <p:spTree>
+      <p:nvGrpSpPr>
+        <p:cNvPr id="1" name=""/>
+        <p:cNvGrpSpPr/>
+        <p:nvPr/>
+      </p:nvGrpSpPr>
+      <p:grpSpPr>
+        <a:xfrm>
+          <a:off x="0" y="0"/>
+          <a:ext cx="0" cy="0"/>
+          <a:chOff x="0" y="0"/>
+          <a:chExt cx="0" cy="0"/>
+        </a:xfrm>
+      </p:grpSpPr>
+      <p:cxnSp>
+        <p:nvCxnSpPr>
+          <p:cNvPr id="2" name="直線單箭頭接點 124"/>
+          <p:cNvCxnSpPr>
+            <a:endCxn id="24" idx="0"/>
+          </p:cNvCxnSpPr>
+          <p:nvPr/>
+        </p:nvCxnSpPr>
+        <p:spPr>
+          <a:xfrm rot="16200000" flipH="1">
+            <a:off x="6048306" y="1591112"/>
+            <a:ext cx="1577185" cy="955474"/>
+          </a:xfrm>
+          <a:prstGeom prst="bentConnector3">
+            <a:avLst>
+              <a:gd name="adj1" fmla="val 3173"/>
+            </a:avLst>
+          </a:prstGeom>
+          <a:ln w="127000">
+            <a:tailEnd type="triangle"/>
+          </a:ln>
+        </p:spPr>
+        <p:style>
+          <a:lnRef idx="1">
+            <a:schemeClr val="accent1"/>
+          </a:lnRef>
+          <a:fillRef idx="0">
+            <a:schemeClr val="accent1"/>
+          </a:fillRef>
+          <a:effectRef idx="0">
+            <a:schemeClr val="accent1"/>
+          </a:effectRef>
+          <a:fontRef idx="minor">
+            <a:schemeClr val="tx1"/>
+          </a:fontRef>
+        </p:style>
+      </p:cxnSp>
+      <p:sp>
+        <p:nvSpPr>
+          <p:cNvPr id="4" name="圓角矩形 3"/>
+          <p:cNvSpPr/>
+          <p:nvPr/>
+        </p:nvSpPr>
+        <p:spPr>
+          <a:xfrm>
+            <a:off x="8498458" y="2435561"/>
+            <a:ext cx="2268443" cy="1366982"/>
+          </a:xfrm>
+          <a:prstGeom prst="roundRect">
+            <a:avLst/>
+          </a:prstGeom>
+          <a:solidFill>
+            <a:srgbClr val="65D7FF"/>
+          </a:solidFill>
+          <a:ln w="38100">
+            <a:solidFill>
+              <a:srgbClr val="00B0F0"/>
+            </a:solidFill>
+          </a:ln>
+        </p:spPr>
+        <p:style>
+          <a:lnRef idx="2">
+            <a:schemeClr val="accent1">
+              <a:shade val="50000"/>
+            </a:schemeClr>
+          </a:lnRef>
+          <a:fillRef idx="1">
+            <a:schemeClr val="accent1"/>
+          </a:fillRef>
+          <a:effectRef idx="0">
+            <a:schemeClr val="accent1"/>
+          </a:effectRef>
+          <a:fontRef idx="minor">
+            <a:schemeClr val="lt1"/>
+          </a:fontRef>
+        </p:style>
+        <p:txBody>
+          <a:bodyPr rtlCol="0" anchor="ctr"/>
+          <a:lstStyle/>
+          <a:p>
+            <a:pPr algn="ctr"/>
+            <a:r>
+              <a:rPr lang="zh-TW" altLang="en-US" sz="3000" dirty="0">
+                <a:latin typeface="Source Code Pro" panose="020B0509030403020204" pitchFamily="49" charset="0"/>
+                <a:ea typeface="Noto Sans CJK TC Regular" panose="020B0500000000000000" pitchFamily="34" charset="-120"/>
+              </a:rPr>
+              <a:t>主網路</a:t>
+            </a:r>
+          </a:p>
+        </p:txBody>
+      </p:sp>
+      <p:sp>
+        <p:nvSpPr>
+          <p:cNvPr id="5" name="圓角矩形 4"/>
+          <p:cNvSpPr/>
+          <p:nvPr/>
+        </p:nvSpPr>
+        <p:spPr>
+          <a:xfrm>
+            <a:off x="4426182" y="364597"/>
+            <a:ext cx="1922032" cy="1274885"/>
+          </a:xfrm>
+          <a:prstGeom prst="roundRect">
+            <a:avLst/>
+          </a:prstGeom>
+          <a:solidFill>
+            <a:srgbClr val="00B0F0"/>
+          </a:solidFill>
+          <a:ln w="38100"/>
+        </p:spPr>
+        <p:style>
+          <a:lnRef idx="2">
+            <a:schemeClr val="accent1">
+              <a:shade val="50000"/>
+            </a:schemeClr>
+          </a:lnRef>
+          <a:fillRef idx="1">
+            <a:schemeClr val="accent1"/>
+          </a:fillRef>
+          <a:effectRef idx="0">
+            <a:schemeClr val="accent1"/>
+          </a:effectRef>
+          <a:fontRef idx="minor">
+            <a:schemeClr val="lt1"/>
+          </a:fontRef>
+        </p:style>
+        <p:txBody>
+          <a:bodyPr rtlCol="0" anchor="ctr"/>
+          <a:lstStyle/>
+          <a:p>
+            <a:pPr algn="ctr"/>
+            <a:r>
+              <a:rPr lang="zh-TW" altLang="en-US" sz="3000" dirty="0" smtClean="0">
+                <a:latin typeface="Source Code Pro" panose="020B0509030403020204" pitchFamily="49" charset="0"/>
+                <a:ea typeface="Noto Sans CJK TC Regular" panose="020B0500000000000000" pitchFamily="34" charset="-120"/>
+              </a:rPr>
+              <a:t>記憶池</a:t>
+            </a:r>
+            <a:endParaRPr lang="zh-TW" altLang="en-US" sz="3000" dirty="0">
+              <a:latin typeface="Source Code Pro" panose="020B0509030403020204" pitchFamily="49" charset="0"/>
+              <a:ea typeface="Noto Sans CJK TC Regular" panose="020B0500000000000000" pitchFamily="34" charset="-120"/>
+            </a:endParaRPr>
+          </a:p>
+        </p:txBody>
+      </p:sp>
+      <p:cxnSp>
+        <p:nvCxnSpPr>
+          <p:cNvPr id="7" name="直線單箭頭接點 6"/>
+          <p:cNvCxnSpPr>
+            <a:stCxn id="9" idx="2"/>
+            <a:endCxn id="4" idx="0"/>
+          </p:cNvCxnSpPr>
+          <p:nvPr/>
+        </p:nvCxnSpPr>
+        <p:spPr>
+          <a:xfrm>
+            <a:off x="9632679" y="1266085"/>
+            <a:ext cx="1" cy="1169476"/>
+          </a:xfrm>
+          <a:prstGeom prst="straightConnector1">
+            <a:avLst/>
+          </a:prstGeom>
+          <a:ln w="127000">
+            <a:tailEnd type="triangle"/>
+          </a:ln>
+        </p:spPr>
+        <p:style>
+          <a:lnRef idx="1">
+            <a:schemeClr val="accent1"/>
+          </a:lnRef>
+          <a:fillRef idx="0">
+            <a:schemeClr val="accent1"/>
+          </a:fillRef>
+          <a:effectRef idx="0">
+            <a:schemeClr val="accent1"/>
+          </a:effectRef>
+          <a:fontRef idx="minor">
+            <a:schemeClr val="tx1"/>
+          </a:fontRef>
+        </p:style>
+      </p:cxnSp>
+      <mc:AlternateContent xmlns:mc="http://schemas.openxmlformats.org/markup-compatibility/2006">
+        <mc:Choice xmlns:a14="http://schemas.microsoft.com/office/drawing/2010/main" Requires="a14">
+          <p:sp>
+            <p:nvSpPr>
+              <p:cNvPr id="9" name="文字方塊 8"/>
+              <p:cNvSpPr txBox="1"/>
+              <p:nvPr/>
+            </p:nvSpPr>
+            <p:spPr>
+              <a:xfrm>
+                <a:off x="9032315" y="709651"/>
+                <a:ext cx="1200727" cy="556434"/>
+              </a:xfrm>
+              <a:prstGeom prst="rect">
+                <a:avLst/>
+              </a:prstGeom>
+              <a:noFill/>
+              <a:ln w="38100">
+                <a:solidFill>
+                  <a:schemeClr val="accent4">
+                    <a:lumMod val="60000"/>
+                    <a:lumOff val="40000"/>
+                  </a:schemeClr>
+                </a:solidFill>
+              </a:ln>
+            </p:spPr>
+            <p:txBody>
+              <a:bodyPr wrap="square" rtlCol="0">
+                <a:spAutoFit/>
+              </a:bodyPr>
+              <a:lstStyle/>
+              <a:p>
+                <a:pPr algn="just"/>
+                <a14:m>
+                  <m:oMathPara xmlns:m="http://schemas.openxmlformats.org/officeDocument/2006/math">
+                    <m:oMathParaPr>
+                      <m:jc m:val="center"/>
+                    </m:oMathParaPr>
+                    <m:oMath xmlns:m="http://schemas.openxmlformats.org/officeDocument/2006/math">
+                      <m:sSub>
+                        <m:sSubPr>
+                          <m:ctrlPr>
+                            <a:rPr lang="en-US" altLang="zh-TW" sz="2800" i="1" dirty="0" smtClean="0">
+                              <a:solidFill>
+                                <a:schemeClr val="bg1"/>
+                              </a:solidFill>
+                              <a:latin typeface="Cambria Math" panose="02040503050406030204" pitchFamily="18" charset="0"/>
+                              <a:ea typeface="Noto Sans CJK TC Regular" panose="020B0500000000000000" pitchFamily="34" charset="-120"/>
+                            </a:rPr>
+                          </m:ctrlPr>
+                        </m:sSubPr>
+                        <m:e>
+                          <m:r>
+                            <m:rPr>
+                              <m:nor/>
+                            </m:rPr>
+                            <a:rPr lang="en-US" altLang="zh-TW" sz="2800" dirty="0">
+                              <a:solidFill>
+                                <a:schemeClr val="bg1"/>
+                              </a:solidFill>
+                              <a:latin typeface="Source Code Pro" panose="020B0509030403020204" pitchFamily="49" charset="0"/>
+                              <a:ea typeface="Noto Sans CJK TC Regular" panose="020B0500000000000000" pitchFamily="34" charset="-120"/>
+                            </a:rPr>
+                            <m:t>S</m:t>
+                          </m:r>
+                        </m:e>
+                        <m:sub>
+                          <m:r>
+                            <a:rPr lang="en-US" altLang="zh-TW" sz="2800" b="0" i="1" dirty="0" smtClean="0">
+                              <a:solidFill>
+                                <a:schemeClr val="bg1"/>
+                              </a:solidFill>
+                              <a:latin typeface="Cambria Math" panose="02040503050406030204" pitchFamily="18" charset="0"/>
+                              <a:ea typeface="Noto Sans CJK TC Regular" panose="020B0500000000000000" pitchFamily="34" charset="-120"/>
+                            </a:rPr>
+                            <m:t>𝑝𝑟𝑒𝑣</m:t>
+                          </m:r>
+                        </m:sub>
+                      </m:sSub>
+                    </m:oMath>
+                  </m:oMathPara>
+                </a14:m>
+                <a:endParaRPr lang="zh-TW" altLang="en-US" sz="2800" dirty="0">
+                  <a:solidFill>
+                    <a:schemeClr val="bg1"/>
+                  </a:solidFill>
+                  <a:latin typeface="Source Code Pro" panose="020B0509030403020204" pitchFamily="49" charset="0"/>
+                  <a:ea typeface="Noto Sans CJK TC Regular" panose="020B0500000000000000" pitchFamily="34" charset="-120"/>
+                </a:endParaRPr>
+              </a:p>
+            </p:txBody>
+          </p:sp>
+        </mc:Choice>
+        <mc:Fallback>
+          <p:sp>
+            <p:nvSpPr>
+              <p:cNvPr id="9" name="文字方塊 8"/>
+              <p:cNvSpPr txBox="1">
+                <a:spLocks noRot="1" noChangeAspect="1" noMove="1" noResize="1" noEditPoints="1" noAdjustHandles="1" noChangeArrowheads="1" noChangeShapeType="1" noTextEdit="1"/>
+              </p:cNvSpPr>
+              <p:nvPr/>
+            </p:nvSpPr>
+            <p:spPr>
+              <a:xfrm>
+                <a:off x="9032315" y="709651"/>
+                <a:ext cx="1200727" cy="556434"/>
+              </a:xfrm>
+              <a:prstGeom prst="rect">
+                <a:avLst/>
+              </a:prstGeom>
+              <a:blipFill>
+                <a:blip r:embed="rId2"/>
+                <a:stretch>
+                  <a:fillRect/>
+                </a:stretch>
+              </a:blipFill>
+              <a:ln w="38100">
+                <a:solidFill>
+                  <a:schemeClr val="accent4">
+                    <a:lumMod val="60000"/>
+                    <a:lumOff val="40000"/>
+                  </a:schemeClr>
+                </a:solidFill>
+              </a:ln>
+            </p:spPr>
+            <p:txBody>
+              <a:bodyPr/>
+              <a:lstStyle/>
+              <a:p>
+                <a:r>
+                  <a:rPr lang="zh-TW" altLang="en-US">
+                    <a:noFill/>
+                  </a:rPr>
+                  <a:t> </a:t>
+                </a:r>
+              </a:p>
+            </p:txBody>
+          </p:sp>
+        </mc:Fallback>
+      </mc:AlternateContent>
+      <p:cxnSp>
+        <p:nvCxnSpPr>
+          <p:cNvPr id="11" name="直線單箭頭接點 10"/>
+          <p:cNvCxnSpPr>
+            <a:stCxn id="5" idx="3"/>
+            <a:endCxn id="9" idx="1"/>
+          </p:cNvCxnSpPr>
+          <p:nvPr/>
+        </p:nvCxnSpPr>
+        <p:spPr>
+          <a:xfrm flipV="1">
+            <a:off x="6348214" y="987868"/>
+            <a:ext cx="2684101" cy="14172"/>
+          </a:xfrm>
+          <a:prstGeom prst="straightConnector1">
+            <a:avLst/>
+          </a:prstGeom>
+          <a:ln w="127000">
+            <a:tailEnd type="triangle"/>
+          </a:ln>
+        </p:spPr>
+        <p:style>
+          <a:lnRef idx="1">
+            <a:schemeClr val="accent1"/>
+          </a:lnRef>
+          <a:fillRef idx="0">
+            <a:schemeClr val="accent1"/>
+          </a:fillRef>
+          <a:effectRef idx="0">
+            <a:schemeClr val="accent1"/>
+          </a:effectRef>
+          <a:fontRef idx="minor">
+            <a:schemeClr val="tx1"/>
+          </a:fontRef>
+        </p:style>
+      </p:cxnSp>
+      <mc:AlternateContent xmlns:mc="http://schemas.openxmlformats.org/markup-compatibility/2006">
+        <mc:Choice xmlns:a14="http://schemas.microsoft.com/office/drawing/2010/main" Requires="a14">
+          <p:sp>
+            <p:nvSpPr>
+              <p:cNvPr id="23" name="文字方塊 22"/>
+              <p:cNvSpPr txBox="1"/>
+              <p:nvPr/>
+            </p:nvSpPr>
+            <p:spPr>
+              <a:xfrm>
+                <a:off x="8460122" y="4649045"/>
+                <a:ext cx="2345111" cy="523220"/>
+              </a:xfrm>
+              <a:prstGeom prst="rect">
+                <a:avLst/>
+              </a:prstGeom>
+              <a:noFill/>
+              <a:ln w="38100">
+                <a:solidFill>
+                  <a:schemeClr val="accent4">
+                    <a:lumMod val="60000"/>
+                    <a:lumOff val="40000"/>
+                  </a:schemeClr>
+                </a:solidFill>
+              </a:ln>
+            </p:spPr>
+            <p:txBody>
+              <a:bodyPr wrap="square" rtlCol="0">
+                <a:spAutoFit/>
+              </a:bodyPr>
+              <a:lstStyle/>
+              <a:p>
+                <a:pPr algn="ctr"/>
+                <a14:m>
+                  <m:oMath xmlns:m="http://schemas.openxmlformats.org/officeDocument/2006/math">
+                    <m:r>
+                      <a:rPr lang="en-US" altLang="zh-TW" sz="2800" i="1" dirty="0">
+                        <a:solidFill>
+                          <a:schemeClr val="bg1"/>
+                        </a:solidFill>
+                        <a:latin typeface="Cambria Math" panose="02040503050406030204" pitchFamily="18" charset="0"/>
+                        <a:ea typeface="Noto Sans CJK TC Regular" panose="020B0500000000000000" pitchFamily="34" charset="-120"/>
+                      </a:rPr>
+                      <m:t>𝐴𝑐𝑡𝑖𝑜𝑛</m:t>
+                    </m:r>
+                  </m:oMath>
+                </a14:m>
+                <a:r>
+                  <a:rPr lang="zh-TW" altLang="en-US" sz="2800" dirty="0">
+                    <a:solidFill>
+                      <a:schemeClr val="bg1"/>
+                    </a:solidFill>
+                    <a:latin typeface="Source Code Pro" panose="020B0509030403020204" pitchFamily="49" charset="0"/>
+                    <a:ea typeface="Noto Sans CJK TC Regular" panose="020B0500000000000000" pitchFamily="34" charset="-120"/>
+                  </a:rPr>
+                  <a:t>的</a:t>
+                </a:r>
+                <a:r>
+                  <a:rPr lang="zh-TW" altLang="en-US" sz="2800" dirty="0" smtClean="0">
+                    <a:solidFill>
+                      <a:schemeClr val="bg1"/>
+                    </a:solidFill>
+                    <a:latin typeface="Source Code Pro" panose="020B0509030403020204" pitchFamily="49" charset="0"/>
+                    <a:ea typeface="Noto Sans CJK TC Regular" panose="020B0500000000000000" pitchFamily="34" charset="-120"/>
+                  </a:rPr>
+                  <a:t>價值</a:t>
+                </a:r>
+                <a:endParaRPr lang="zh-TW" altLang="en-US" sz="2800" dirty="0">
+                  <a:solidFill>
+                    <a:schemeClr val="bg1"/>
+                  </a:solidFill>
+                  <a:latin typeface="Source Code Pro" panose="020B0509030403020204" pitchFamily="49" charset="0"/>
+                  <a:ea typeface="Noto Sans CJK TC Regular" panose="020B0500000000000000" pitchFamily="34" charset="-120"/>
+                </a:endParaRPr>
+              </a:p>
+            </p:txBody>
+          </p:sp>
+        </mc:Choice>
+        <mc:Fallback>
+          <p:sp>
+            <p:nvSpPr>
+              <p:cNvPr id="23" name="文字方塊 22"/>
+              <p:cNvSpPr txBox="1">
+                <a:spLocks noRot="1" noChangeAspect="1" noMove="1" noResize="1" noEditPoints="1" noAdjustHandles="1" noChangeArrowheads="1" noChangeShapeType="1" noTextEdit="1"/>
+              </p:cNvSpPr>
+              <p:nvPr/>
+            </p:nvSpPr>
+            <p:spPr>
+              <a:xfrm>
+                <a:off x="8460122" y="4649045"/>
+                <a:ext cx="2345111" cy="523220"/>
+              </a:xfrm>
+              <a:prstGeom prst="rect">
+                <a:avLst/>
+              </a:prstGeom>
+              <a:blipFill>
+                <a:blip r:embed="rId3"/>
+                <a:stretch>
+                  <a:fillRect t="-8791" r="-3069" b="-27473"/>
+                </a:stretch>
+              </a:blipFill>
+              <a:ln w="38100">
+                <a:solidFill>
+                  <a:schemeClr val="accent4">
+                    <a:lumMod val="60000"/>
+                    <a:lumOff val="40000"/>
+                  </a:schemeClr>
+                </a:solidFill>
+              </a:ln>
+            </p:spPr>
+            <p:txBody>
+              <a:bodyPr/>
+              <a:lstStyle/>
+              <a:p>
+                <a:r>
+                  <a:rPr lang="zh-TW" altLang="en-US">
+                    <a:noFill/>
+                  </a:rPr>
+                  <a:t> </a:t>
+                </a:r>
+              </a:p>
+            </p:txBody>
+          </p:sp>
+        </mc:Fallback>
+      </mc:AlternateContent>
+      <mc:AlternateContent xmlns:mc="http://schemas.openxmlformats.org/markup-compatibility/2006">
+        <mc:Choice xmlns:a14="http://schemas.microsoft.com/office/drawing/2010/main" Requires="a14">
+          <p:sp>
+            <p:nvSpPr>
+              <p:cNvPr id="24" name="文字方塊 23"/>
+              <p:cNvSpPr txBox="1"/>
+              <p:nvPr/>
+            </p:nvSpPr>
+            <p:spPr>
+              <a:xfrm>
+                <a:off x="6715465" y="2857442"/>
+                <a:ext cx="1198340" cy="523220"/>
+              </a:xfrm>
+              <a:prstGeom prst="rect">
+                <a:avLst/>
+              </a:prstGeom>
+              <a:noFill/>
+              <a:ln w="38100">
+                <a:solidFill>
+                  <a:schemeClr val="accent4">
+                    <a:lumMod val="60000"/>
+                    <a:lumOff val="40000"/>
+                  </a:schemeClr>
+                </a:solidFill>
+              </a:ln>
+            </p:spPr>
+            <p:txBody>
+              <a:bodyPr wrap="square" rtlCol="0">
+                <a:spAutoFit/>
+              </a:bodyPr>
+              <a:lstStyle/>
+              <a:p>
+                <a:pPr algn="ctr"/>
+                <a14:m>
+                  <m:oMathPara xmlns:m="http://schemas.openxmlformats.org/officeDocument/2006/math">
+                    <m:oMathParaPr>
+                      <m:jc m:val="right"/>
+                    </m:oMathParaPr>
+                    <m:oMath xmlns:m="http://schemas.openxmlformats.org/officeDocument/2006/math">
+                      <m:r>
+                        <a:rPr lang="en-US" altLang="zh-TW" sz="2800" i="1" dirty="0" smtClean="0">
+                          <a:solidFill>
+                            <a:schemeClr val="bg1"/>
+                          </a:solidFill>
+                          <a:latin typeface="Cambria Math" panose="02040503050406030204" pitchFamily="18" charset="0"/>
+                          <a:ea typeface="Noto Sans CJK TC Regular" panose="020B0500000000000000" pitchFamily="34" charset="-120"/>
+                        </a:rPr>
+                        <m:t>𝐴</m:t>
+                      </m:r>
+                      <m:r>
+                        <a:rPr lang="en-US" altLang="zh-TW" sz="2800" b="0" i="1" dirty="0" smtClean="0">
+                          <a:solidFill>
+                            <a:schemeClr val="bg1"/>
+                          </a:solidFill>
+                          <a:latin typeface="Cambria Math" panose="02040503050406030204" pitchFamily="18" charset="0"/>
+                          <a:ea typeface="Noto Sans CJK TC Regular" panose="020B0500000000000000" pitchFamily="34" charset="-120"/>
+                        </a:rPr>
+                        <m:t>𝑐𝑡𝑖𝑜𝑛</m:t>
+                      </m:r>
+                    </m:oMath>
+                  </m:oMathPara>
+                </a14:m>
+                <a:endParaRPr lang="en-US" altLang="zh-TW" sz="2800" b="0" dirty="0" smtClean="0">
+                  <a:solidFill>
+                    <a:schemeClr val="bg1"/>
+                  </a:solidFill>
+                  <a:latin typeface="Source Code Pro" panose="020B0509030403020204" pitchFamily="49" charset="0"/>
+                  <a:ea typeface="Noto Sans CJK TC Regular" panose="020B0500000000000000" pitchFamily="34" charset="-120"/>
+                </a:endParaRPr>
+              </a:p>
+            </p:txBody>
+          </p:sp>
+        </mc:Choice>
+        <mc:Fallback>
+          <p:sp>
+            <p:nvSpPr>
+              <p:cNvPr id="24" name="文字方塊 23"/>
+              <p:cNvSpPr txBox="1">
+                <a:spLocks noRot="1" noChangeAspect="1" noMove="1" noResize="1" noEditPoints="1" noAdjustHandles="1" noChangeArrowheads="1" noChangeShapeType="1" noTextEdit="1"/>
+              </p:cNvSpPr>
+              <p:nvPr/>
+            </p:nvSpPr>
+            <p:spPr>
+              <a:xfrm>
+                <a:off x="6715465" y="2857442"/>
+                <a:ext cx="1198340" cy="523220"/>
+              </a:xfrm>
+              <a:prstGeom prst="rect">
+                <a:avLst/>
+              </a:prstGeom>
+              <a:blipFill>
+                <a:blip r:embed="rId4"/>
+                <a:stretch>
+                  <a:fillRect/>
+                </a:stretch>
+              </a:blipFill>
+              <a:ln w="38100">
+                <a:solidFill>
+                  <a:schemeClr val="accent4">
+                    <a:lumMod val="60000"/>
+                    <a:lumOff val="40000"/>
+                  </a:schemeClr>
+                </a:solidFill>
+              </a:ln>
+            </p:spPr>
+            <p:txBody>
+              <a:bodyPr/>
+              <a:lstStyle/>
+              <a:p>
+                <a:r>
+                  <a:rPr lang="zh-TW" altLang="en-US">
+                    <a:noFill/>
+                  </a:rPr>
+                  <a:t> </a:t>
+                </a:r>
+              </a:p>
+            </p:txBody>
+          </p:sp>
+        </mc:Fallback>
+      </mc:AlternateContent>
+      <p:cxnSp>
+        <p:nvCxnSpPr>
+          <p:cNvPr id="25" name="直線單箭頭接點 129"/>
+          <p:cNvCxnSpPr>
+            <a:stCxn id="24" idx="2"/>
+            <a:endCxn id="23" idx="0"/>
+          </p:cNvCxnSpPr>
+          <p:nvPr/>
+        </p:nvCxnSpPr>
+        <p:spPr>
+          <a:xfrm rot="16200000" flipH="1">
+            <a:off x="7839465" y="2855831"/>
+            <a:ext cx="1268383" cy="2318043"/>
+          </a:xfrm>
+          <a:prstGeom prst="bentConnector3">
+            <a:avLst>
+              <a:gd name="adj1" fmla="val 50000"/>
+            </a:avLst>
+          </a:prstGeom>
+          <a:ln w="127000">
+            <a:tailEnd type="triangle"/>
+          </a:ln>
+        </p:spPr>
+        <p:style>
+          <a:lnRef idx="1">
+            <a:schemeClr val="accent1"/>
+          </a:lnRef>
+          <a:fillRef idx="0">
+            <a:schemeClr val="accent1"/>
+          </a:fillRef>
+          <a:effectRef idx="0">
+            <a:schemeClr val="accent1"/>
+          </a:effectRef>
+          <a:fontRef idx="minor">
+            <a:schemeClr val="tx1"/>
+          </a:fontRef>
+        </p:style>
+      </p:cxnSp>
+      <p:cxnSp>
+        <p:nvCxnSpPr>
+          <p:cNvPr id="26" name="直線單箭頭接點 25"/>
+          <p:cNvCxnSpPr>
+            <a:stCxn id="4" idx="2"/>
+            <a:endCxn id="23" idx="0"/>
+          </p:cNvCxnSpPr>
+          <p:nvPr/>
+        </p:nvCxnSpPr>
+        <p:spPr>
+          <a:xfrm flipH="1">
+            <a:off x="9632678" y="3802543"/>
+            <a:ext cx="2" cy="846502"/>
+          </a:xfrm>
+          <a:prstGeom prst="straightConnector1">
+            <a:avLst/>
+          </a:prstGeom>
+          <a:ln w="127000">
+            <a:tailEnd type="triangle"/>
+          </a:ln>
+        </p:spPr>
+        <p:style>
+          <a:lnRef idx="1">
+            <a:schemeClr val="accent1"/>
+          </a:lnRef>
+          <a:fillRef idx="0">
+            <a:schemeClr val="accent1"/>
+          </a:fillRef>
+          <a:effectRef idx="0">
+            <a:schemeClr val="accent1"/>
+          </a:effectRef>
+          <a:fontRef idx="minor">
+            <a:schemeClr val="tx1"/>
+          </a:fontRef>
+        </p:style>
+      </p:cxnSp>
+    </p:spTree>
+    <p:extLst>
+      <p:ext uri="{BB962C8B-B14F-4D97-AF65-F5344CB8AC3E}">
+        <p14:creationId xmlns:p14="http://schemas.microsoft.com/office/powerpoint/2010/main" val="1401917804"/>
+      </p:ext>
+    </p:extLst>
+  </p:cSld>
+  <p:clrMapOvr>
+    <a:masterClrMapping/>
+  </p:clrMapOvr>
+</p:sld>
+</file>
+
+<file path=ppt/slides/slide5.xml><?xml version="1.0" encoding="utf-8"?>
+<p:sld xmlns:a="http://schemas.openxmlformats.org/drawingml/2006/main" xmlns:r="http://schemas.openxmlformats.org/officeDocument/2006/relationships" xmlns:p="http://schemas.openxmlformats.org/presentationml/2006/main">
+  <p:cSld>
+    <p:bg>
+      <p:bgPr>
+        <a:solidFill>
+          <a:schemeClr val="tx1">
+            <a:lumMod val="85000"/>
+            <a:lumOff val="15000"/>
+          </a:schemeClr>
+        </a:solidFill>
+        <a:effectLst/>
+      </p:bgPr>
+    </p:bg>
+    <p:spTree>
+      <p:nvGrpSpPr>
+        <p:cNvPr id="1" name=""/>
+        <p:cNvGrpSpPr/>
+        <p:nvPr/>
+      </p:nvGrpSpPr>
+      <p:grpSpPr>
+        <a:xfrm>
+          <a:off x="0" y="0"/>
+          <a:ext cx="0" cy="0"/>
+          <a:chOff x="0" y="0"/>
+          <a:chExt cx="0" cy="0"/>
+        </a:xfrm>
+      </p:grpSpPr>
+      <p:cxnSp>
+        <p:nvCxnSpPr>
+          <p:cNvPr id="15" name="直線單箭頭接點 155"/>
+          <p:cNvCxnSpPr>
+            <a:stCxn id="7" idx="1"/>
+            <a:endCxn id="14" idx="3"/>
+          </p:cNvCxnSpPr>
+          <p:nvPr/>
+        </p:nvCxnSpPr>
+        <p:spPr>
+          <a:xfrm flipH="1">
+            <a:off x="2596523" y="5027638"/>
+            <a:ext cx="4238934" cy="0"/>
+          </a:xfrm>
+          <a:prstGeom prst="straightConnector1">
+            <a:avLst/>
+          </a:prstGeom>
+          <a:ln w="127000">
+            <a:solidFill>
+              <a:srgbClr val="FFFF00"/>
+            </a:solidFill>
+            <a:tailEnd type="triangle"/>
+          </a:ln>
+        </p:spPr>
+        <p:style>
+          <a:lnRef idx="1">
+            <a:schemeClr val="accent1"/>
+          </a:lnRef>
+          <a:fillRef idx="0">
+            <a:schemeClr val="accent1"/>
+          </a:fillRef>
+          <a:effectRef idx="0">
+            <a:schemeClr val="accent1"/>
+          </a:effectRef>
+          <a:fontRef idx="minor">
+            <a:schemeClr val="tx1"/>
+          </a:fontRef>
+        </p:style>
+      </p:cxnSp>
+      <p:cxnSp>
+        <p:nvCxnSpPr>
+          <p:cNvPr id="8" name="直線單箭頭接點 155"/>
+          <p:cNvCxnSpPr>
+            <a:stCxn id="5" idx="2"/>
+            <a:endCxn id="7" idx="0"/>
+          </p:cNvCxnSpPr>
+          <p:nvPr/>
+        </p:nvCxnSpPr>
+        <p:spPr>
+          <a:xfrm>
+            <a:off x="7969679" y="1590802"/>
+            <a:ext cx="0" cy="2753345"/>
+          </a:xfrm>
+          <a:prstGeom prst="straightConnector1">
+            <a:avLst/>
+          </a:prstGeom>
+          <a:ln w="127000">
+            <a:solidFill>
+              <a:srgbClr val="FFFF00"/>
+            </a:solidFill>
+            <a:tailEnd type="triangle"/>
+          </a:ln>
+        </p:spPr>
+        <p:style>
+          <a:lnRef idx="1">
+            <a:schemeClr val="accent1"/>
+          </a:lnRef>
+          <a:fillRef idx="0">
+            <a:schemeClr val="accent1"/>
+          </a:fillRef>
+          <a:effectRef idx="0">
+            <a:schemeClr val="accent1"/>
+          </a:effectRef>
+          <a:fontRef idx="minor">
+            <a:schemeClr val="tx1"/>
+          </a:fontRef>
+        </p:style>
+      </p:cxnSp>
+      <p:cxnSp>
+        <p:nvCxnSpPr>
+          <p:cNvPr id="6" name="直線單箭頭接點 5"/>
+          <p:cNvCxnSpPr>
+            <a:stCxn id="2" idx="1"/>
+            <a:endCxn id="5" idx="3"/>
+          </p:cNvCxnSpPr>
+          <p:nvPr/>
+        </p:nvCxnSpPr>
+        <p:spPr>
+          <a:xfrm flipH="1" flipV="1">
+            <a:off x="8415058" y="1326948"/>
+            <a:ext cx="846918" cy="2244"/>
+          </a:xfrm>
+          <a:prstGeom prst="straightConnector1">
+            <a:avLst/>
+          </a:prstGeom>
+          <a:ln w="127000">
+            <a:solidFill>
+              <a:srgbClr val="D60093"/>
+            </a:solidFill>
+            <a:tailEnd type="triangle"/>
+          </a:ln>
+        </p:spPr>
+        <p:style>
+          <a:lnRef idx="1">
+            <a:schemeClr val="accent1"/>
+          </a:lnRef>
+          <a:fillRef idx="0">
+            <a:schemeClr val="accent1"/>
+          </a:fillRef>
+          <a:effectRef idx="0">
+            <a:schemeClr val="accent1"/>
+          </a:effectRef>
+          <a:fontRef idx="minor">
+            <a:schemeClr val="tx1"/>
+          </a:fontRef>
+        </p:style>
+      </p:cxnSp>
+      <p:cxnSp>
+        <p:nvCxnSpPr>
+          <p:cNvPr id="4" name="直線單箭頭接點 3"/>
+          <p:cNvCxnSpPr>
+            <a:stCxn id="3" idx="3"/>
+            <a:endCxn id="5" idx="1"/>
+          </p:cNvCxnSpPr>
+          <p:nvPr/>
+        </p:nvCxnSpPr>
+        <p:spPr>
+          <a:xfrm flipV="1">
+            <a:off x="6651716" y="1326948"/>
+            <a:ext cx="872584" cy="2244"/>
+          </a:xfrm>
+          <a:prstGeom prst="straightConnector1">
+            <a:avLst/>
+          </a:prstGeom>
+          <a:ln w="127000">
+            <a:solidFill>
+              <a:srgbClr val="D60093"/>
+            </a:solidFill>
+            <a:tailEnd type="triangle"/>
+          </a:ln>
+        </p:spPr>
+        <p:style>
+          <a:lnRef idx="1">
+            <a:schemeClr val="accent1"/>
+          </a:lnRef>
+          <a:fillRef idx="0">
+            <a:schemeClr val="accent1"/>
+          </a:fillRef>
+          <a:effectRef idx="0">
+            <a:schemeClr val="accent1"/>
+          </a:effectRef>
+          <a:fontRef idx="minor">
+            <a:schemeClr val="tx1"/>
+          </a:fontRef>
+        </p:style>
+      </p:cxnSp>
+      <mc:AlternateContent xmlns:mc="http://schemas.openxmlformats.org/markup-compatibility/2006">
+        <mc:Choice xmlns:a14="http://schemas.microsoft.com/office/drawing/2010/main" Requires="a14">
+          <p:sp>
+            <p:nvSpPr>
+              <p:cNvPr id="2" name="文字方塊 1"/>
+              <p:cNvSpPr txBox="1"/>
+              <p:nvPr/>
+            </p:nvSpPr>
+            <p:spPr>
+              <a:xfrm>
+                <a:off x="9261976" y="1067582"/>
+                <a:ext cx="2345111" cy="523220"/>
+              </a:xfrm>
+              <a:prstGeom prst="rect">
+                <a:avLst/>
+              </a:prstGeom>
+              <a:noFill/>
+              <a:ln w="38100">
+                <a:solidFill>
+                  <a:schemeClr val="accent4">
+                    <a:lumMod val="60000"/>
+                    <a:lumOff val="40000"/>
+                  </a:schemeClr>
+                </a:solidFill>
+              </a:ln>
+            </p:spPr>
+            <p:txBody>
+              <a:bodyPr wrap="square" rtlCol="0">
+                <a:spAutoFit/>
+              </a:bodyPr>
+              <a:lstStyle/>
+              <a:p>
+                <a:pPr algn="ctr"/>
+                <a14:m>
+                  <m:oMath xmlns:m="http://schemas.openxmlformats.org/officeDocument/2006/math">
+                    <m:r>
+                      <a:rPr lang="en-US" altLang="zh-TW" sz="2800" i="1" dirty="0">
+                        <a:solidFill>
+                          <a:schemeClr val="bg1"/>
+                        </a:solidFill>
+                        <a:latin typeface="Cambria Math" panose="02040503050406030204" pitchFamily="18" charset="0"/>
+                        <a:ea typeface="Noto Sans CJK TC Regular" panose="020B0500000000000000" pitchFamily="34" charset="-120"/>
+                      </a:rPr>
+                      <m:t>𝐴𝑐𝑡𝑖𝑜𝑛</m:t>
+                    </m:r>
+                  </m:oMath>
+                </a14:m>
+                <a:r>
+                  <a:rPr lang="zh-TW" altLang="en-US" sz="2800" dirty="0">
+                    <a:solidFill>
+                      <a:schemeClr val="bg1"/>
+                    </a:solidFill>
+                    <a:latin typeface="Source Code Pro" panose="020B0509030403020204" pitchFamily="49" charset="0"/>
+                    <a:ea typeface="Noto Sans CJK TC Regular" panose="020B0500000000000000" pitchFamily="34" charset="-120"/>
+                  </a:rPr>
+                  <a:t>的</a:t>
+                </a:r>
+                <a:r>
+                  <a:rPr lang="zh-TW" altLang="en-US" sz="2800" dirty="0" smtClean="0">
+                    <a:solidFill>
+                      <a:schemeClr val="bg1"/>
+                    </a:solidFill>
+                    <a:latin typeface="Source Code Pro" panose="020B0509030403020204" pitchFamily="49" charset="0"/>
+                    <a:ea typeface="Noto Sans CJK TC Regular" panose="020B0500000000000000" pitchFamily="34" charset="-120"/>
+                  </a:rPr>
+                  <a:t>價值</a:t>
+                </a:r>
+                <a:endParaRPr lang="zh-TW" altLang="en-US" sz="2800" dirty="0">
+                  <a:solidFill>
+                    <a:schemeClr val="bg1"/>
+                  </a:solidFill>
+                  <a:latin typeface="Source Code Pro" panose="020B0509030403020204" pitchFamily="49" charset="0"/>
+                  <a:ea typeface="Noto Sans CJK TC Regular" panose="020B0500000000000000" pitchFamily="34" charset="-120"/>
+                </a:endParaRPr>
+              </a:p>
+            </p:txBody>
+          </p:sp>
+        </mc:Choice>
+        <mc:Fallback>
+          <p:sp>
+            <p:nvSpPr>
+              <p:cNvPr id="2" name="文字方塊 1"/>
+              <p:cNvSpPr txBox="1">
+                <a:spLocks noRot="1" noChangeAspect="1" noMove="1" noResize="1" noEditPoints="1" noAdjustHandles="1" noChangeArrowheads="1" noChangeShapeType="1" noTextEdit="1"/>
+              </p:cNvSpPr>
+              <p:nvPr/>
+            </p:nvSpPr>
+            <p:spPr>
+              <a:xfrm>
+                <a:off x="9261976" y="1067582"/>
+                <a:ext cx="2345111" cy="523220"/>
+              </a:xfrm>
+              <a:prstGeom prst="rect">
+                <a:avLst/>
+              </a:prstGeom>
+              <a:blipFill>
+                <a:blip r:embed="rId2"/>
+                <a:stretch>
+                  <a:fillRect t="-7609" r="-3325" b="-26087"/>
+                </a:stretch>
+              </a:blipFill>
+              <a:ln w="38100">
+                <a:solidFill>
+                  <a:schemeClr val="accent4">
+                    <a:lumMod val="60000"/>
+                    <a:lumOff val="40000"/>
+                  </a:schemeClr>
+                </a:solidFill>
+              </a:ln>
+            </p:spPr>
+            <p:txBody>
+              <a:bodyPr/>
+              <a:lstStyle/>
+              <a:p>
+                <a:r>
+                  <a:rPr lang="zh-TW" altLang="en-US">
+                    <a:noFill/>
+                  </a:rPr>
+                  <a:t> </a:t>
+                </a:r>
+              </a:p>
+            </p:txBody>
+          </p:sp>
+        </mc:Fallback>
+      </mc:AlternateContent>
+      <p:sp>
+        <p:nvSpPr>
+          <p:cNvPr id="3" name="文字方塊 2"/>
+          <p:cNvSpPr txBox="1"/>
+          <p:nvPr/>
+        </p:nvSpPr>
+        <p:spPr>
+          <a:xfrm>
+            <a:off x="4888827" y="1067582"/>
+            <a:ext cx="1762889" cy="523220"/>
+          </a:xfrm>
+          <a:prstGeom prst="rect">
+            <a:avLst/>
+          </a:prstGeom>
+          <a:noFill/>
+          <a:ln w="38100">
+            <a:solidFill>
+              <a:schemeClr val="accent4">
+                <a:lumMod val="60000"/>
+                <a:lumOff val="40000"/>
+              </a:schemeClr>
+            </a:solidFill>
+          </a:ln>
+        </p:spPr>
+        <p:txBody>
+          <a:bodyPr wrap="square" rtlCol="0">
+            <a:spAutoFit/>
+          </a:bodyPr>
+          <a:lstStyle/>
+          <a:p>
+            <a:pPr algn="ctr"/>
+            <a:r>
+              <a:rPr lang="zh-TW" altLang="en-US" sz="2800" dirty="0" smtClean="0">
+                <a:solidFill>
+                  <a:schemeClr val="bg1"/>
+                </a:solidFill>
+                <a:latin typeface="Source Code Pro" panose="020B0509030403020204" pitchFamily="49" charset="0"/>
+                <a:ea typeface="Noto Sans CJK TC Regular" panose="020B0500000000000000" pitchFamily="34" charset="-120"/>
+              </a:rPr>
+              <a:t>目標價值</a:t>
+            </a:r>
+            <a:endParaRPr lang="zh-TW" altLang="en-US" sz="2800" dirty="0">
+              <a:solidFill>
+                <a:schemeClr val="bg1"/>
+              </a:solidFill>
+              <a:latin typeface="Source Code Pro" panose="020B0509030403020204" pitchFamily="49" charset="0"/>
+              <a:ea typeface="Noto Sans CJK TC Regular" panose="020B0500000000000000" pitchFamily="34" charset="-120"/>
+            </a:endParaRPr>
+          </a:p>
+        </p:txBody>
+      </p:sp>
+      <mc:AlternateContent xmlns:mc="http://schemas.openxmlformats.org/markup-compatibility/2006">
+        <mc:Choice xmlns:a14="http://schemas.microsoft.com/office/drawing/2010/main" Requires="a14">
+          <p:sp>
+            <p:nvSpPr>
+              <p:cNvPr id="5" name="文字方塊 4"/>
+              <p:cNvSpPr txBox="1"/>
+              <p:nvPr/>
+            </p:nvSpPr>
+            <p:spPr>
+              <a:xfrm>
+                <a:off x="7524300" y="1063093"/>
+                <a:ext cx="890758" cy="527709"/>
+              </a:xfrm>
+              <a:prstGeom prst="rect">
+                <a:avLst/>
+              </a:prstGeom>
+              <a:noFill/>
+              <a:ln w="38100">
+                <a:solidFill>
+                  <a:srgbClr val="D60093"/>
+                </a:solidFill>
+              </a:ln>
+            </p:spPr>
+            <p:txBody>
+              <a:bodyPr wrap="square" rtlCol="0">
+                <a:spAutoFit/>
+              </a:bodyPr>
+              <a:lstStyle/>
+              <a:p>
+                <a:pPr algn="ctr"/>
+                <a14:m>
+                  <m:oMathPara xmlns:m="http://schemas.openxmlformats.org/officeDocument/2006/math">
+                    <m:oMathParaPr>
+                      <m:jc m:val="left"/>
+                    </m:oMathParaPr>
+                    <m:oMath xmlns:m="http://schemas.openxmlformats.org/officeDocument/2006/math">
+                      <m:r>
+                        <a:rPr lang="en-US" altLang="zh-TW" sz="2800" b="0" i="1" smtClean="0">
+                          <a:solidFill>
+                            <a:schemeClr val="bg1"/>
+                          </a:solidFill>
+                          <a:latin typeface="Cambria Math" panose="02040503050406030204" pitchFamily="18" charset="0"/>
+                          <a:ea typeface="Noto Sans CJK TC Regular" panose="020B0500000000000000" pitchFamily="34" charset="-120"/>
+                        </a:rPr>
+                        <m:t>𝑀𝑆𝐸</m:t>
+                      </m:r>
+                    </m:oMath>
+                  </m:oMathPara>
+                </a14:m>
+                <a:endParaRPr lang="zh-TW" altLang="en-US" sz="2800" dirty="0">
+                  <a:solidFill>
+                    <a:schemeClr val="bg1"/>
+                  </a:solidFill>
+                  <a:latin typeface="Source Code Pro" panose="020B0509030403020204" pitchFamily="49" charset="0"/>
+                  <a:ea typeface="Noto Sans CJK TC Regular" panose="020B0500000000000000" pitchFamily="34" charset="-120"/>
+                </a:endParaRPr>
+              </a:p>
+            </p:txBody>
+          </p:sp>
+        </mc:Choice>
+        <mc:Fallback>
+          <p:sp>
+            <p:nvSpPr>
+              <p:cNvPr id="5" name="文字方塊 4"/>
+              <p:cNvSpPr txBox="1">
+                <a:spLocks noRot="1" noChangeAspect="1" noMove="1" noResize="1" noEditPoints="1" noAdjustHandles="1" noChangeArrowheads="1" noChangeShapeType="1" noTextEdit="1"/>
+              </p:cNvSpPr>
+              <p:nvPr/>
+            </p:nvSpPr>
+            <p:spPr>
+              <a:xfrm>
+                <a:off x="7524300" y="1063093"/>
+                <a:ext cx="890758" cy="527709"/>
+              </a:xfrm>
+              <a:prstGeom prst="rect">
+                <a:avLst/>
+              </a:prstGeom>
+              <a:blipFill>
+                <a:blip r:embed="rId3"/>
+                <a:stretch>
+                  <a:fillRect/>
+                </a:stretch>
+              </a:blipFill>
+              <a:ln w="38100">
+                <a:solidFill>
+                  <a:srgbClr val="D60093"/>
+                </a:solidFill>
+              </a:ln>
+            </p:spPr>
+            <p:txBody>
+              <a:bodyPr/>
+              <a:lstStyle/>
+              <a:p>
+                <a:r>
+                  <a:rPr lang="zh-TW" altLang="en-US">
+                    <a:noFill/>
+                  </a:rPr>
+                  <a:t> </a:t>
+                </a:r>
+              </a:p>
+            </p:txBody>
+          </p:sp>
+        </mc:Fallback>
+      </mc:AlternateContent>
+      <p:sp>
+        <p:nvSpPr>
+          <p:cNvPr id="7" name="圓角矩形 6"/>
+          <p:cNvSpPr/>
+          <p:nvPr/>
+        </p:nvSpPr>
+        <p:spPr>
+          <a:xfrm>
+            <a:off x="6835457" y="4344147"/>
+            <a:ext cx="2268443" cy="1366982"/>
+          </a:xfrm>
+          <a:prstGeom prst="roundRect">
+            <a:avLst/>
+          </a:prstGeom>
+          <a:solidFill>
+            <a:srgbClr val="65D7FF"/>
+          </a:solidFill>
+          <a:ln w="38100">
+            <a:solidFill>
+              <a:srgbClr val="00B0F0"/>
+            </a:solidFill>
+          </a:ln>
+        </p:spPr>
+        <p:style>
+          <a:lnRef idx="2">
+            <a:schemeClr val="accent1">
+              <a:shade val="50000"/>
+            </a:schemeClr>
+          </a:lnRef>
+          <a:fillRef idx="1">
+            <a:schemeClr val="accent1"/>
+          </a:fillRef>
+          <a:effectRef idx="0">
+            <a:schemeClr val="accent1"/>
+          </a:effectRef>
+          <a:fontRef idx="minor">
+            <a:schemeClr val="lt1"/>
+          </a:fontRef>
+        </p:style>
+        <p:txBody>
+          <a:bodyPr rtlCol="0" anchor="ctr"/>
+          <a:lstStyle/>
+          <a:p>
+            <a:pPr algn="ctr"/>
+            <a:r>
+              <a:rPr lang="zh-TW" altLang="en-US" sz="3000" dirty="0">
+                <a:latin typeface="Source Code Pro" panose="020B0509030403020204" pitchFamily="49" charset="0"/>
+                <a:ea typeface="Noto Sans CJK TC Regular" panose="020B0500000000000000" pitchFamily="34" charset="-120"/>
+              </a:rPr>
+              <a:t>主網路</a:t>
+            </a:r>
+          </a:p>
+        </p:txBody>
+      </p:sp>
+      <p:sp>
+        <p:nvSpPr>
+          <p:cNvPr id="9" name="文字方塊 8"/>
+          <p:cNvSpPr txBox="1"/>
+          <p:nvPr/>
+        </p:nvSpPr>
+        <p:spPr>
+          <a:xfrm>
+            <a:off x="7979645" y="1927606"/>
+            <a:ext cx="583195" cy="1815882"/>
+          </a:xfrm>
+          <a:prstGeom prst="rect">
+            <a:avLst/>
+          </a:prstGeom>
+          <a:noFill/>
+          <a:ln w="38100">
+            <a:solidFill>
+              <a:srgbClr val="FFFF00"/>
+            </a:solidFill>
+          </a:ln>
+        </p:spPr>
+        <p:txBody>
+          <a:bodyPr wrap="square" rtlCol="0">
+            <a:spAutoFit/>
+          </a:bodyPr>
+          <a:lstStyle/>
+          <a:p>
+            <a:pPr algn="ctr"/>
+            <a:r>
+              <a:rPr lang="zh-TW" altLang="en-US" sz="2800" dirty="0">
+                <a:solidFill>
+                  <a:schemeClr val="bg1"/>
+                </a:solidFill>
+                <a:latin typeface="Source Code Pro" panose="020B0509030403020204" pitchFamily="49" charset="0"/>
+                <a:ea typeface="Noto Sans CJK TC Regular" panose="020B0500000000000000" pitchFamily="34" charset="-120"/>
+              </a:rPr>
+              <a:t>更新權重</a:t>
+            </a:r>
+            <a:endParaRPr lang="zh-TW" altLang="en-US" sz="2800" dirty="0">
+              <a:solidFill>
+                <a:schemeClr val="bg1"/>
+              </a:solidFill>
+              <a:latin typeface="Source Code Pro" panose="020B0509030403020204" pitchFamily="49" charset="0"/>
+              <a:ea typeface="Noto Sans CJK TC Regular" panose="020B0500000000000000" pitchFamily="34" charset="-120"/>
+            </a:endParaRPr>
+          </a:p>
+        </p:txBody>
+      </p:sp>
+      <p:sp>
+        <p:nvSpPr>
+          <p:cNvPr id="14" name="圓角矩形 13"/>
+          <p:cNvSpPr/>
+          <p:nvPr/>
+        </p:nvSpPr>
+        <p:spPr>
+          <a:xfrm>
+            <a:off x="328080" y="4344147"/>
+            <a:ext cx="2268443" cy="1366982"/>
+          </a:xfrm>
+          <a:prstGeom prst="roundRect">
+            <a:avLst/>
+          </a:prstGeom>
+          <a:solidFill>
+            <a:srgbClr val="65D7FF"/>
+          </a:solidFill>
+          <a:ln w="38100">
+            <a:solidFill>
+              <a:srgbClr val="00B0F0"/>
+            </a:solidFill>
+          </a:ln>
+        </p:spPr>
+        <p:style>
+          <a:lnRef idx="2">
+            <a:schemeClr val="accent1">
+              <a:shade val="50000"/>
+            </a:schemeClr>
+          </a:lnRef>
+          <a:fillRef idx="1">
+            <a:schemeClr val="accent1"/>
+          </a:fillRef>
+          <a:effectRef idx="0">
+            <a:schemeClr val="accent1"/>
+          </a:effectRef>
+          <a:fontRef idx="minor">
+            <a:schemeClr val="lt1"/>
+          </a:fontRef>
+        </p:style>
+        <p:txBody>
+          <a:bodyPr rtlCol="0" anchor="ctr"/>
+          <a:lstStyle/>
+          <a:p>
+            <a:pPr algn="ctr"/>
+            <a:r>
+              <a:rPr lang="zh-TW" altLang="en-US" sz="3000" dirty="0">
+                <a:latin typeface="Source Code Pro" panose="020B0509030403020204" pitchFamily="49" charset="0"/>
+                <a:ea typeface="Noto Sans CJK TC Regular" panose="020B0500000000000000" pitchFamily="34" charset="-120"/>
+              </a:rPr>
+              <a:t>目標網路</a:t>
+            </a:r>
+            <a:endParaRPr lang="zh-TW" altLang="en-US" sz="3000" dirty="0">
+              <a:latin typeface="Source Code Pro" panose="020B0509030403020204" pitchFamily="49" charset="0"/>
+              <a:ea typeface="Noto Sans CJK TC Regular" panose="020B0500000000000000" pitchFamily="34" charset="-120"/>
+            </a:endParaRPr>
+          </a:p>
+        </p:txBody>
+      </p:sp>
+      <p:sp>
+        <p:nvSpPr>
+          <p:cNvPr id="18" name="文字方塊 17"/>
+          <p:cNvSpPr txBox="1"/>
+          <p:nvPr/>
+        </p:nvSpPr>
+        <p:spPr>
+          <a:xfrm>
+            <a:off x="3150448" y="4504418"/>
+            <a:ext cx="3429036" cy="523220"/>
+          </a:xfrm>
+          <a:prstGeom prst="rect">
+            <a:avLst/>
+          </a:prstGeom>
+          <a:noFill/>
+          <a:ln w="38100">
+            <a:solidFill>
+              <a:srgbClr val="FFFF00"/>
+            </a:solidFill>
+          </a:ln>
+        </p:spPr>
+        <p:txBody>
+          <a:bodyPr wrap="square" rtlCol="0">
+            <a:spAutoFit/>
+          </a:bodyPr>
+          <a:lstStyle/>
+          <a:p>
+            <a:pPr algn="ctr"/>
+            <a:r>
+              <a:rPr lang="zh-TW" altLang="en-US" sz="2800" dirty="0" smtClean="0">
+                <a:solidFill>
+                  <a:schemeClr val="bg1"/>
+                </a:solidFill>
+                <a:latin typeface="Source Code Pro" panose="020B0509030403020204" pitchFamily="49" charset="0"/>
+                <a:ea typeface="Noto Sans CJK TC Regular" panose="020B0500000000000000" pitchFamily="34" charset="-120"/>
+              </a:rPr>
+              <a:t>隔一段時間更新</a:t>
+            </a:r>
+            <a:r>
+              <a:rPr lang="zh-TW" altLang="en-US" sz="2800" dirty="0">
+                <a:solidFill>
+                  <a:schemeClr val="bg1"/>
+                </a:solidFill>
+                <a:latin typeface="Source Code Pro" panose="020B0509030403020204" pitchFamily="49" charset="0"/>
+                <a:ea typeface="Noto Sans CJK TC Regular" panose="020B0500000000000000" pitchFamily="34" charset="-120"/>
+              </a:rPr>
+              <a:t>權重</a:t>
+            </a:r>
+            <a:endParaRPr lang="zh-TW" altLang="en-US" sz="2800" dirty="0">
+              <a:solidFill>
+                <a:schemeClr val="bg1"/>
+              </a:solidFill>
+              <a:latin typeface="Source Code Pro" panose="020B0509030403020204" pitchFamily="49" charset="0"/>
+              <a:ea typeface="Noto Sans CJK TC Regular" panose="020B0500000000000000" pitchFamily="34" charset="-120"/>
+            </a:endParaRPr>
+          </a:p>
+        </p:txBody>
+      </p:sp>
+    </p:spTree>
+    <p:extLst>
+      <p:ext uri="{BB962C8B-B14F-4D97-AF65-F5344CB8AC3E}">
+        <p14:creationId xmlns:p14="http://schemas.microsoft.com/office/powerpoint/2010/main" val="2054152690"/>
+      </p:ext>
+    </p:extLst>
+  </p:cSld>
+  <p:clrMapOvr>
+    <a:masterClrMapping/>
+  </p:clrMapOvr>
 </p:sld>
 </file>
 
